--- a/rough-diag.pptx
+++ b/rough-diag.pptx
@@ -5,7 +5,7 @@
     <p:sldMasterId id="2147483648" r:id="rId1"/>
   </p:sldMasterIdLst>
   <p:notesMasterIdLst>
-    <p:notesMasterId r:id="rId11"/>
+    <p:notesMasterId r:id="rId17"/>
   </p:notesMasterIdLst>
   <p:sldIdLst>
     <p:sldId id="712" r:id="rId2"/>
@@ -17,6 +17,12 @@
     <p:sldId id="718" r:id="rId8"/>
     <p:sldId id="719" r:id="rId9"/>
     <p:sldId id="720" r:id="rId10"/>
+    <p:sldId id="721" r:id="rId11"/>
+    <p:sldId id="726" r:id="rId12"/>
+    <p:sldId id="722" r:id="rId13"/>
+    <p:sldId id="723" r:id="rId14"/>
+    <p:sldId id="724" r:id="rId15"/>
+    <p:sldId id="725" r:id="rId16"/>
   </p:sldIdLst>
   <p:sldSz cx="9144000" cy="5715000" type="screen16x10"/>
   <p:notesSz cx="6858000" cy="9144000"/>
@@ -3696,6 +3702,4497 @@
           </a:p>
         </p:txBody>
       </p:sp>
+    </p:spTree>
+  </p:cSld>
+  <p:clrMapOvr>
+    <a:masterClrMapping/>
+  </p:clrMapOvr>
+</p:sld>
+</file>
+
+<file path=ppt/slides/slide10.xml><?xml version="1.0" encoding="utf-8"?>
+<p:sld xmlns:a="http://schemas.openxmlformats.org/drawingml/2006/main" xmlns:r="http://schemas.openxmlformats.org/officeDocument/2006/relationships" xmlns:p="http://schemas.openxmlformats.org/presentationml/2006/main">
+  <p:cSld>
+    <p:spTree>
+      <p:nvGrpSpPr>
+        <p:cNvPr id="1" name=""/>
+        <p:cNvGrpSpPr/>
+        <p:nvPr/>
+      </p:nvGrpSpPr>
+      <p:grpSpPr>
+        <a:xfrm>
+          <a:off x="0" y="0"/>
+          <a:ext cx="0" cy="0"/>
+          <a:chOff x="0" y="0"/>
+          <a:chExt cx="0" cy="0"/>
+        </a:xfrm>
+      </p:grpSpPr>
+      <p:sp>
+        <p:nvSpPr>
+          <p:cNvPr id="2" name="Rectangle 1"/>
+          <p:cNvSpPr/>
+          <p:nvPr/>
+        </p:nvSpPr>
+        <p:spPr>
+          <a:xfrm>
+            <a:off x="2209800" y="342900"/>
+            <a:ext cx="6096000" cy="4724400"/>
+          </a:xfrm>
+          <a:prstGeom prst="rect">
+            <a:avLst/>
+          </a:prstGeom>
+          <a:noFill/>
+        </p:spPr>
+        <p:style>
+          <a:lnRef idx="2">
+            <a:schemeClr val="accent1">
+              <a:shade val="50000"/>
+            </a:schemeClr>
+          </a:lnRef>
+          <a:fillRef idx="1">
+            <a:schemeClr val="accent1"/>
+          </a:fillRef>
+          <a:effectRef idx="0">
+            <a:schemeClr val="accent1"/>
+          </a:effectRef>
+          <a:fontRef idx="minor">
+            <a:schemeClr val="lt1"/>
+          </a:fontRef>
+        </p:style>
+        <p:txBody>
+          <a:bodyPr rtlCol="0" anchor="ctr"/>
+          <a:lstStyle/>
+          <a:p>
+            <a:pPr algn="ctr"/>
+            <a:endParaRPr lang="en-US"/>
+          </a:p>
+        </p:txBody>
+      </p:sp>
+      <p:sp>
+        <p:nvSpPr>
+          <p:cNvPr id="3" name="TextBox 2"/>
+          <p:cNvSpPr txBox="1"/>
+          <p:nvPr/>
+        </p:nvSpPr>
+        <p:spPr>
+          <a:xfrm>
+            <a:off x="2209800" y="342900"/>
+            <a:ext cx="2583015" cy="369332"/>
+          </a:xfrm>
+          <a:prstGeom prst="rect">
+            <a:avLst/>
+          </a:prstGeom>
+          <a:noFill/>
+        </p:spPr>
+        <p:txBody>
+          <a:bodyPr wrap="none" rtlCol="0">
+            <a:spAutoFit/>
+          </a:bodyPr>
+          <a:lstStyle/>
+          <a:p>
+            <a:r>
+              <a:rPr lang="en-US" dirty="0" err="1" smtClean="0"/>
+              <a:t>Minikube</a:t>
+            </a:r>
+            <a:r>
+              <a:rPr lang="en-US" dirty="0" smtClean="0"/>
+              <a:t> 192.168.99.100</a:t>
+            </a:r>
+            <a:endParaRPr lang="en-US" dirty="0"/>
+          </a:p>
+        </p:txBody>
+      </p:sp>
+      <p:sp>
+        <p:nvSpPr>
+          <p:cNvPr id="4" name="Freeform 3"/>
+          <p:cNvSpPr/>
+          <p:nvPr/>
+        </p:nvSpPr>
+        <p:spPr>
+          <a:xfrm>
+            <a:off x="2493730" y="971550"/>
+            <a:ext cx="146600" cy="914400"/>
+          </a:xfrm>
+          <a:custGeom>
+            <a:avLst/>
+            <a:gdLst>
+              <a:gd name="connsiteX0" fmla="*/ 146600 w 146600"/>
+              <a:gd name="connsiteY0" fmla="*/ 0 h 914400"/>
+              <a:gd name="connsiteX1" fmla="*/ 9440 w 146600"/>
+              <a:gd name="connsiteY1" fmla="*/ 182880 h 914400"/>
+              <a:gd name="connsiteX2" fmla="*/ 32300 w 146600"/>
+              <a:gd name="connsiteY2" fmla="*/ 308610 h 914400"/>
+              <a:gd name="connsiteX3" fmla="*/ 89450 w 146600"/>
+              <a:gd name="connsiteY3" fmla="*/ 320040 h 914400"/>
+              <a:gd name="connsiteX4" fmla="*/ 123740 w 146600"/>
+              <a:gd name="connsiteY4" fmla="*/ 342900 h 914400"/>
+              <a:gd name="connsiteX5" fmla="*/ 135170 w 146600"/>
+              <a:gd name="connsiteY5" fmla="*/ 411480 h 914400"/>
+              <a:gd name="connsiteX6" fmla="*/ 146600 w 146600"/>
+              <a:gd name="connsiteY6" fmla="*/ 457200 h 914400"/>
+              <a:gd name="connsiteX7" fmla="*/ 135170 w 146600"/>
+              <a:gd name="connsiteY7" fmla="*/ 605790 h 914400"/>
+              <a:gd name="connsiteX8" fmla="*/ 123740 w 146600"/>
+              <a:gd name="connsiteY8" fmla="*/ 674370 h 914400"/>
+              <a:gd name="connsiteX9" fmla="*/ 123740 w 146600"/>
+              <a:gd name="connsiteY9" fmla="*/ 914400 h 914400"/>
+            </a:gdLst>
+            <a:ahLst/>
+            <a:cxnLst>
+              <a:cxn ang="0">
+                <a:pos x="connsiteX0" y="connsiteY0"/>
+              </a:cxn>
+              <a:cxn ang="0">
+                <a:pos x="connsiteX1" y="connsiteY1"/>
+              </a:cxn>
+              <a:cxn ang="0">
+                <a:pos x="connsiteX2" y="connsiteY2"/>
+              </a:cxn>
+              <a:cxn ang="0">
+                <a:pos x="connsiteX3" y="connsiteY3"/>
+              </a:cxn>
+              <a:cxn ang="0">
+                <a:pos x="connsiteX4" y="connsiteY4"/>
+              </a:cxn>
+              <a:cxn ang="0">
+                <a:pos x="connsiteX5" y="connsiteY5"/>
+              </a:cxn>
+              <a:cxn ang="0">
+                <a:pos x="connsiteX6" y="connsiteY6"/>
+              </a:cxn>
+              <a:cxn ang="0">
+                <a:pos x="connsiteX7" y="connsiteY7"/>
+              </a:cxn>
+              <a:cxn ang="0">
+                <a:pos x="connsiteX8" y="connsiteY8"/>
+              </a:cxn>
+              <a:cxn ang="0">
+                <a:pos x="connsiteX9" y="connsiteY9"/>
+              </a:cxn>
+            </a:cxnLst>
+            <a:rect l="l" t="t" r="r" b="b"/>
+            <a:pathLst>
+              <a:path w="146600" h="914400">
+                <a:moveTo>
+                  <a:pt x="146600" y="0"/>
+                </a:moveTo>
+                <a:cubicBezTo>
+                  <a:pt x="96948" y="49652"/>
+                  <a:pt x="25318" y="113017"/>
+                  <a:pt x="9440" y="182880"/>
+                </a:cubicBezTo>
+                <a:cubicBezTo>
+                  <a:pt x="0" y="224418"/>
+                  <a:pt x="10837" y="271816"/>
+                  <a:pt x="32300" y="308610"/>
+                </a:cubicBezTo>
+                <a:cubicBezTo>
+                  <a:pt x="42089" y="325391"/>
+                  <a:pt x="70400" y="316230"/>
+                  <a:pt x="89450" y="320040"/>
+                </a:cubicBezTo>
+                <a:cubicBezTo>
+                  <a:pt x="100880" y="327660"/>
+                  <a:pt x="117597" y="330613"/>
+                  <a:pt x="123740" y="342900"/>
+                </a:cubicBezTo>
+                <a:cubicBezTo>
+                  <a:pt x="134104" y="363629"/>
+                  <a:pt x="130625" y="388755"/>
+                  <a:pt x="135170" y="411480"/>
+                </a:cubicBezTo>
+                <a:cubicBezTo>
+                  <a:pt x="138251" y="426884"/>
+                  <a:pt x="142790" y="441960"/>
+                  <a:pt x="146600" y="457200"/>
+                </a:cubicBezTo>
+                <a:cubicBezTo>
+                  <a:pt x="142790" y="506730"/>
+                  <a:pt x="140370" y="556387"/>
+                  <a:pt x="135170" y="605790"/>
+                </a:cubicBezTo>
+                <a:cubicBezTo>
+                  <a:pt x="132744" y="628838"/>
+                  <a:pt x="124598" y="651211"/>
+                  <a:pt x="123740" y="674370"/>
+                </a:cubicBezTo>
+                <a:cubicBezTo>
+                  <a:pt x="120779" y="754325"/>
+                  <a:pt x="123740" y="834390"/>
+                  <a:pt x="123740" y="914400"/>
+                </a:cubicBezTo>
+              </a:path>
+            </a:pathLst>
+          </a:custGeom>
+        </p:spPr>
+        <p:style>
+          <a:lnRef idx="1">
+            <a:schemeClr val="accent1"/>
+          </a:lnRef>
+          <a:fillRef idx="0">
+            <a:schemeClr val="accent1"/>
+          </a:fillRef>
+          <a:effectRef idx="0">
+            <a:schemeClr val="accent1"/>
+          </a:effectRef>
+          <a:fontRef idx="minor">
+            <a:schemeClr val="tx1"/>
+          </a:fontRef>
+        </p:style>
+        <p:txBody>
+          <a:bodyPr rtlCol="0" anchor="ctr"/>
+          <a:lstStyle/>
+          <a:p>
+            <a:pPr algn="ctr"/>
+            <a:endParaRPr lang="en-US"/>
+          </a:p>
+        </p:txBody>
+      </p:sp>
+      <p:sp>
+        <p:nvSpPr>
+          <p:cNvPr id="5" name="TextBox 4"/>
+          <p:cNvSpPr txBox="1"/>
+          <p:nvPr/>
+        </p:nvSpPr>
+        <p:spPr>
+          <a:xfrm>
+            <a:off x="2514600" y="1104900"/>
+            <a:ext cx="937116" cy="369332"/>
+          </a:xfrm>
+          <a:prstGeom prst="rect">
+            <a:avLst/>
+          </a:prstGeom>
+          <a:noFill/>
+        </p:spPr>
+        <p:txBody>
+          <a:bodyPr wrap="none" rtlCol="0">
+            <a:spAutoFit/>
+          </a:bodyPr>
+          <a:lstStyle/>
+          <a:p>
+            <a:r>
+              <a:rPr lang="en-US" dirty="0" err="1" smtClean="0"/>
+              <a:t>dockerd</a:t>
+            </a:r>
+            <a:endParaRPr lang="en-US" dirty="0"/>
+          </a:p>
+        </p:txBody>
+      </p:sp>
+      <p:sp>
+        <p:nvSpPr>
+          <p:cNvPr id="6" name="TextBox 5"/>
+          <p:cNvSpPr txBox="1"/>
+          <p:nvPr/>
+        </p:nvSpPr>
+        <p:spPr>
+          <a:xfrm>
+            <a:off x="4724400" y="571500"/>
+            <a:ext cx="3548792" cy="1754326"/>
+          </a:xfrm>
+          <a:prstGeom prst="rect">
+            <a:avLst/>
+          </a:prstGeom>
+          <a:noFill/>
+        </p:spPr>
+        <p:txBody>
+          <a:bodyPr wrap="none" rtlCol="0">
+            <a:spAutoFit/>
+          </a:bodyPr>
+          <a:lstStyle/>
+          <a:p>
+            <a:pPr marL="342900" indent="-342900">
+              <a:buAutoNum type="arabicPeriod"/>
+            </a:pPr>
+            <a:r>
+              <a:rPr lang="en-US" dirty="0" smtClean="0"/>
+              <a:t>Install java</a:t>
+            </a:r>
+          </a:p>
+          <a:p>
+            <a:pPr marL="342900" indent="-342900">
+              <a:buAutoNum type="arabicPeriod"/>
+            </a:pPr>
+            <a:r>
+              <a:rPr lang="en-US" dirty="0" smtClean="0"/>
+              <a:t>Install </a:t>
+            </a:r>
+            <a:r>
+              <a:rPr lang="en-US" dirty="0" err="1" smtClean="0"/>
+              <a:t>jenkins</a:t>
+            </a:r>
+            <a:endParaRPr lang="en-US" dirty="0" smtClean="0"/>
+          </a:p>
+          <a:p>
+            <a:pPr marL="342900" indent="-342900">
+              <a:buAutoNum type="arabicPeriod"/>
+            </a:pPr>
+            <a:r>
+              <a:rPr lang="en-US" dirty="0" smtClean="0"/>
+              <a:t>Add </a:t>
+            </a:r>
+            <a:r>
+              <a:rPr lang="en-US" dirty="0" err="1" smtClean="0"/>
+              <a:t>jenkins</a:t>
+            </a:r>
+            <a:r>
+              <a:rPr lang="en-US" dirty="0" smtClean="0"/>
+              <a:t> to the group </a:t>
+            </a:r>
+            <a:r>
+              <a:rPr lang="en-US" dirty="0" err="1" smtClean="0"/>
+              <a:t>Docker</a:t>
+            </a:r>
+            <a:endParaRPr lang="en-US" dirty="0" smtClean="0"/>
+          </a:p>
+          <a:p>
+            <a:pPr marL="342900" indent="-342900"/>
+            <a:r>
+              <a:rPr lang="en-US" dirty="0" smtClean="0"/>
+              <a:t>4.	Start </a:t>
+            </a:r>
+            <a:r>
+              <a:rPr lang="en-US" dirty="0" err="1" smtClean="0"/>
+              <a:t>jenkins</a:t>
+            </a:r>
+            <a:endParaRPr lang="en-US" dirty="0" smtClean="0"/>
+          </a:p>
+          <a:p>
+            <a:pPr marL="800100" lvl="1" indent="-342900">
+              <a:buAutoNum type="arabicPeriod"/>
+            </a:pPr>
+            <a:r>
+              <a:rPr lang="en-US" dirty="0" smtClean="0"/>
+              <a:t>…</a:t>
+            </a:r>
+          </a:p>
+          <a:p>
+            <a:pPr marL="800100" lvl="1" indent="-342900">
+              <a:buAutoNum type="arabicPeriod"/>
+            </a:pPr>
+            <a:r>
+              <a:rPr lang="en-US" dirty="0" err="1" smtClean="0"/>
+              <a:t>d</a:t>
+            </a:r>
+            <a:r>
+              <a:rPr lang="en-US" dirty="0" err="1" smtClean="0"/>
+              <a:t>ocker</a:t>
+            </a:r>
+            <a:r>
+              <a:rPr lang="en-US" dirty="0" smtClean="0"/>
+              <a:t> image build –t </a:t>
+            </a:r>
+            <a:endParaRPr lang="en-US" dirty="0"/>
+          </a:p>
+        </p:txBody>
+      </p:sp>
+      <p:sp>
+        <p:nvSpPr>
+          <p:cNvPr id="7" name="Oval 6"/>
+          <p:cNvSpPr/>
+          <p:nvPr/>
+        </p:nvSpPr>
+        <p:spPr>
+          <a:xfrm>
+            <a:off x="2667000" y="2857500"/>
+            <a:ext cx="2590800" cy="1905000"/>
+          </a:xfrm>
+          <a:prstGeom prst="ellipse">
+            <a:avLst/>
+          </a:prstGeom>
+        </p:spPr>
+        <p:style>
+          <a:lnRef idx="2">
+            <a:schemeClr val="accent1">
+              <a:shade val="50000"/>
+            </a:schemeClr>
+          </a:lnRef>
+          <a:fillRef idx="1">
+            <a:schemeClr val="accent1"/>
+          </a:fillRef>
+          <a:effectRef idx="0">
+            <a:schemeClr val="accent1"/>
+          </a:effectRef>
+          <a:fontRef idx="minor">
+            <a:schemeClr val="lt1"/>
+          </a:fontRef>
+        </p:style>
+        <p:txBody>
+          <a:bodyPr rtlCol="0" anchor="ctr"/>
+          <a:lstStyle/>
+          <a:p>
+            <a:pPr marL="800100" lvl="1" indent="-342900">
+              <a:buAutoNum type="arabicPeriod"/>
+            </a:pPr>
+            <a:r>
+              <a:rPr lang="en-US" dirty="0" smtClean="0"/>
+              <a:t>…</a:t>
+            </a:r>
+          </a:p>
+          <a:p>
+            <a:pPr marL="800100" lvl="1" indent="-342900">
+              <a:buAutoNum type="arabicPeriod"/>
+            </a:pPr>
+            <a:r>
+              <a:rPr lang="en-US" dirty="0" err="1" smtClean="0"/>
+              <a:t>docker</a:t>
+            </a:r>
+            <a:r>
+              <a:rPr lang="en-US" dirty="0" smtClean="0"/>
+              <a:t> image build –</a:t>
+            </a:r>
+            <a:r>
+              <a:rPr lang="en-US" dirty="0" smtClean="0"/>
+              <a:t>t</a:t>
+            </a:r>
+          </a:p>
+          <a:p>
+            <a:pPr marL="800100" lvl="1" indent="-342900"/>
+            <a:r>
+              <a:rPr lang="en-US" dirty="0" smtClean="0"/>
+              <a:t> </a:t>
+            </a:r>
+            <a:endParaRPr lang="en-US" dirty="0"/>
+          </a:p>
+        </p:txBody>
+      </p:sp>
+      <p:sp>
+        <p:nvSpPr>
+          <p:cNvPr id="8" name="TextBox 7"/>
+          <p:cNvSpPr txBox="1"/>
+          <p:nvPr/>
+        </p:nvSpPr>
+        <p:spPr>
+          <a:xfrm>
+            <a:off x="2819400" y="2324100"/>
+            <a:ext cx="1745991" cy="369332"/>
+          </a:xfrm>
+          <a:prstGeom prst="rect">
+            <a:avLst/>
+          </a:prstGeom>
+          <a:noFill/>
+        </p:spPr>
+        <p:txBody>
+          <a:bodyPr wrap="none" rtlCol="0">
+            <a:spAutoFit/>
+          </a:bodyPr>
+          <a:lstStyle/>
+          <a:p>
+            <a:r>
+              <a:rPr lang="en-US" dirty="0" err="1" smtClean="0"/>
+              <a:t>jenkinsci</a:t>
+            </a:r>
+            <a:r>
+              <a:rPr lang="en-US" dirty="0" smtClean="0"/>
+              <a:t>/</a:t>
+            </a:r>
+            <a:r>
+              <a:rPr lang="en-US" dirty="0" err="1" smtClean="0"/>
+              <a:t>jenkins</a:t>
+            </a:r>
+            <a:endParaRPr lang="en-US" dirty="0"/>
+          </a:p>
+        </p:txBody>
+      </p:sp>
+      <p:sp>
+        <p:nvSpPr>
+          <p:cNvPr id="9" name="TextBox 8"/>
+          <p:cNvSpPr txBox="1"/>
+          <p:nvPr/>
+        </p:nvSpPr>
+        <p:spPr>
+          <a:xfrm>
+            <a:off x="2895600" y="2933700"/>
+            <a:ext cx="2151166" cy="369332"/>
+          </a:xfrm>
+          <a:prstGeom prst="rect">
+            <a:avLst/>
+          </a:prstGeom>
+          <a:noFill/>
+        </p:spPr>
+        <p:txBody>
+          <a:bodyPr wrap="none" rtlCol="0">
+            <a:spAutoFit/>
+          </a:bodyPr>
+          <a:lstStyle/>
+          <a:p>
+            <a:r>
+              <a:rPr lang="en-US" dirty="0" smtClean="0"/>
+              <a:t>/</a:t>
+            </a:r>
+            <a:r>
+              <a:rPr lang="en-US" dirty="0" err="1" smtClean="0"/>
+              <a:t>var</a:t>
+            </a:r>
+            <a:r>
+              <a:rPr lang="en-US" dirty="0" smtClean="0"/>
+              <a:t>/run/</a:t>
+            </a:r>
+            <a:r>
+              <a:rPr lang="en-US" dirty="0" err="1" smtClean="0"/>
+              <a:t>docker.sock</a:t>
+            </a:r>
+            <a:endParaRPr lang="en-US" dirty="0"/>
+          </a:p>
+        </p:txBody>
+      </p:sp>
+      <p:cxnSp>
+        <p:nvCxnSpPr>
+          <p:cNvPr id="11" name="Straight Arrow Connector 10"/>
+          <p:cNvCxnSpPr>
+            <a:stCxn id="9" idx="0"/>
+            <a:endCxn id="5" idx="2"/>
+          </p:cNvCxnSpPr>
+          <p:nvPr/>
+        </p:nvCxnSpPr>
+        <p:spPr>
+          <a:xfrm flipH="1" flipV="1">
+            <a:off x="2983158" y="1474232"/>
+            <a:ext cx="988025" cy="1459468"/>
+          </a:xfrm>
+          <a:prstGeom prst="straightConnector1">
+            <a:avLst/>
+          </a:prstGeom>
+          <a:ln>
+            <a:tailEnd type="arrow"/>
+          </a:ln>
+        </p:spPr>
+        <p:style>
+          <a:lnRef idx="1">
+            <a:schemeClr val="accent1"/>
+          </a:lnRef>
+          <a:fillRef idx="0">
+            <a:schemeClr val="accent1"/>
+          </a:fillRef>
+          <a:effectRef idx="0">
+            <a:schemeClr val="accent1"/>
+          </a:effectRef>
+          <a:fontRef idx="minor">
+            <a:schemeClr val="tx1"/>
+          </a:fontRef>
+        </p:style>
+      </p:cxnSp>
+      <p:sp>
+        <p:nvSpPr>
+          <p:cNvPr id="12" name="TextBox 11"/>
+          <p:cNvSpPr txBox="1"/>
+          <p:nvPr/>
+        </p:nvSpPr>
+        <p:spPr>
+          <a:xfrm>
+            <a:off x="3124200" y="4152900"/>
+            <a:ext cx="1959319" cy="369332"/>
+          </a:xfrm>
+          <a:prstGeom prst="rect">
+            <a:avLst/>
+          </a:prstGeom>
+          <a:noFill/>
+        </p:spPr>
+        <p:txBody>
+          <a:bodyPr wrap="none" rtlCol="0">
+            <a:spAutoFit/>
+          </a:bodyPr>
+          <a:lstStyle/>
+          <a:p>
+            <a:r>
+              <a:rPr lang="en-US" dirty="0" err="1" smtClean="0"/>
+              <a:t>d</a:t>
+            </a:r>
+            <a:r>
+              <a:rPr lang="en-US" dirty="0" err="1" smtClean="0"/>
+              <a:t>ocker</a:t>
+            </a:r>
+            <a:r>
+              <a:rPr lang="en-US" dirty="0" smtClean="0"/>
+              <a:t> container </a:t>
+            </a:r>
+            <a:r>
+              <a:rPr lang="en-US" dirty="0" err="1" smtClean="0"/>
+              <a:t>ls</a:t>
+            </a:r>
+            <a:endParaRPr lang="en-US" dirty="0"/>
+          </a:p>
+        </p:txBody>
+      </p:sp>
+    </p:spTree>
+  </p:cSld>
+  <p:clrMapOvr>
+    <a:masterClrMapping/>
+  </p:clrMapOvr>
+</p:sld>
+</file>
+
+<file path=ppt/slides/slide11.xml><?xml version="1.0" encoding="utf-8"?>
+<p:sld xmlns:a="http://schemas.openxmlformats.org/drawingml/2006/main" xmlns:r="http://schemas.openxmlformats.org/officeDocument/2006/relationships" xmlns:p="http://schemas.openxmlformats.org/presentationml/2006/main">
+  <p:cSld>
+    <p:spTree>
+      <p:nvGrpSpPr>
+        <p:cNvPr id="1" name=""/>
+        <p:cNvGrpSpPr/>
+        <p:nvPr/>
+      </p:nvGrpSpPr>
+      <p:grpSpPr>
+        <a:xfrm>
+          <a:off x="0" y="0"/>
+          <a:ext cx="0" cy="0"/>
+          <a:chOff x="0" y="0"/>
+          <a:chExt cx="0" cy="0"/>
+        </a:xfrm>
+      </p:grpSpPr>
+      <p:sp>
+        <p:nvSpPr>
+          <p:cNvPr id="2" name="Rectangle 1"/>
+          <p:cNvSpPr/>
+          <p:nvPr/>
+        </p:nvSpPr>
+        <p:spPr>
+          <a:xfrm>
+            <a:off x="2209800" y="342900"/>
+            <a:ext cx="6096000" cy="4724400"/>
+          </a:xfrm>
+          <a:prstGeom prst="rect">
+            <a:avLst/>
+          </a:prstGeom>
+          <a:noFill/>
+        </p:spPr>
+        <p:style>
+          <a:lnRef idx="2">
+            <a:schemeClr val="accent1">
+              <a:shade val="50000"/>
+            </a:schemeClr>
+          </a:lnRef>
+          <a:fillRef idx="1">
+            <a:schemeClr val="accent1"/>
+          </a:fillRef>
+          <a:effectRef idx="0">
+            <a:schemeClr val="accent1"/>
+          </a:effectRef>
+          <a:fontRef idx="minor">
+            <a:schemeClr val="lt1"/>
+          </a:fontRef>
+        </p:style>
+        <p:txBody>
+          <a:bodyPr rtlCol="0" anchor="ctr"/>
+          <a:lstStyle/>
+          <a:p>
+            <a:pPr algn="ctr"/>
+            <a:endParaRPr lang="en-US"/>
+          </a:p>
+        </p:txBody>
+      </p:sp>
+      <p:sp>
+        <p:nvSpPr>
+          <p:cNvPr id="3" name="TextBox 2"/>
+          <p:cNvSpPr txBox="1"/>
+          <p:nvPr/>
+        </p:nvSpPr>
+        <p:spPr>
+          <a:xfrm>
+            <a:off x="2209800" y="342900"/>
+            <a:ext cx="2583015" cy="369332"/>
+          </a:xfrm>
+          <a:prstGeom prst="rect">
+            <a:avLst/>
+          </a:prstGeom>
+          <a:noFill/>
+        </p:spPr>
+        <p:txBody>
+          <a:bodyPr wrap="none" rtlCol="0">
+            <a:spAutoFit/>
+          </a:bodyPr>
+          <a:lstStyle/>
+          <a:p>
+            <a:r>
+              <a:rPr lang="en-US" dirty="0" err="1" smtClean="0"/>
+              <a:t>Minikube</a:t>
+            </a:r>
+            <a:r>
+              <a:rPr lang="en-US" dirty="0" smtClean="0"/>
+              <a:t> 192.168.99.100</a:t>
+            </a:r>
+            <a:endParaRPr lang="en-US" dirty="0"/>
+          </a:p>
+        </p:txBody>
+      </p:sp>
+      <p:sp>
+        <p:nvSpPr>
+          <p:cNvPr id="4" name="Freeform 3"/>
+          <p:cNvSpPr/>
+          <p:nvPr/>
+        </p:nvSpPr>
+        <p:spPr>
+          <a:xfrm>
+            <a:off x="2493730" y="971550"/>
+            <a:ext cx="146600" cy="914400"/>
+          </a:xfrm>
+          <a:custGeom>
+            <a:avLst/>
+            <a:gdLst>
+              <a:gd name="connsiteX0" fmla="*/ 146600 w 146600"/>
+              <a:gd name="connsiteY0" fmla="*/ 0 h 914400"/>
+              <a:gd name="connsiteX1" fmla="*/ 9440 w 146600"/>
+              <a:gd name="connsiteY1" fmla="*/ 182880 h 914400"/>
+              <a:gd name="connsiteX2" fmla="*/ 32300 w 146600"/>
+              <a:gd name="connsiteY2" fmla="*/ 308610 h 914400"/>
+              <a:gd name="connsiteX3" fmla="*/ 89450 w 146600"/>
+              <a:gd name="connsiteY3" fmla="*/ 320040 h 914400"/>
+              <a:gd name="connsiteX4" fmla="*/ 123740 w 146600"/>
+              <a:gd name="connsiteY4" fmla="*/ 342900 h 914400"/>
+              <a:gd name="connsiteX5" fmla="*/ 135170 w 146600"/>
+              <a:gd name="connsiteY5" fmla="*/ 411480 h 914400"/>
+              <a:gd name="connsiteX6" fmla="*/ 146600 w 146600"/>
+              <a:gd name="connsiteY6" fmla="*/ 457200 h 914400"/>
+              <a:gd name="connsiteX7" fmla="*/ 135170 w 146600"/>
+              <a:gd name="connsiteY7" fmla="*/ 605790 h 914400"/>
+              <a:gd name="connsiteX8" fmla="*/ 123740 w 146600"/>
+              <a:gd name="connsiteY8" fmla="*/ 674370 h 914400"/>
+              <a:gd name="connsiteX9" fmla="*/ 123740 w 146600"/>
+              <a:gd name="connsiteY9" fmla="*/ 914400 h 914400"/>
+            </a:gdLst>
+            <a:ahLst/>
+            <a:cxnLst>
+              <a:cxn ang="0">
+                <a:pos x="connsiteX0" y="connsiteY0"/>
+              </a:cxn>
+              <a:cxn ang="0">
+                <a:pos x="connsiteX1" y="connsiteY1"/>
+              </a:cxn>
+              <a:cxn ang="0">
+                <a:pos x="connsiteX2" y="connsiteY2"/>
+              </a:cxn>
+              <a:cxn ang="0">
+                <a:pos x="connsiteX3" y="connsiteY3"/>
+              </a:cxn>
+              <a:cxn ang="0">
+                <a:pos x="connsiteX4" y="connsiteY4"/>
+              </a:cxn>
+              <a:cxn ang="0">
+                <a:pos x="connsiteX5" y="connsiteY5"/>
+              </a:cxn>
+              <a:cxn ang="0">
+                <a:pos x="connsiteX6" y="connsiteY6"/>
+              </a:cxn>
+              <a:cxn ang="0">
+                <a:pos x="connsiteX7" y="connsiteY7"/>
+              </a:cxn>
+              <a:cxn ang="0">
+                <a:pos x="connsiteX8" y="connsiteY8"/>
+              </a:cxn>
+              <a:cxn ang="0">
+                <a:pos x="connsiteX9" y="connsiteY9"/>
+              </a:cxn>
+            </a:cxnLst>
+            <a:rect l="l" t="t" r="r" b="b"/>
+            <a:pathLst>
+              <a:path w="146600" h="914400">
+                <a:moveTo>
+                  <a:pt x="146600" y="0"/>
+                </a:moveTo>
+                <a:cubicBezTo>
+                  <a:pt x="96948" y="49652"/>
+                  <a:pt x="25318" y="113017"/>
+                  <a:pt x="9440" y="182880"/>
+                </a:cubicBezTo>
+                <a:cubicBezTo>
+                  <a:pt x="0" y="224418"/>
+                  <a:pt x="10837" y="271816"/>
+                  <a:pt x="32300" y="308610"/>
+                </a:cubicBezTo>
+                <a:cubicBezTo>
+                  <a:pt x="42089" y="325391"/>
+                  <a:pt x="70400" y="316230"/>
+                  <a:pt x="89450" y="320040"/>
+                </a:cubicBezTo>
+                <a:cubicBezTo>
+                  <a:pt x="100880" y="327660"/>
+                  <a:pt x="117597" y="330613"/>
+                  <a:pt x="123740" y="342900"/>
+                </a:cubicBezTo>
+                <a:cubicBezTo>
+                  <a:pt x="134104" y="363629"/>
+                  <a:pt x="130625" y="388755"/>
+                  <a:pt x="135170" y="411480"/>
+                </a:cubicBezTo>
+                <a:cubicBezTo>
+                  <a:pt x="138251" y="426884"/>
+                  <a:pt x="142790" y="441960"/>
+                  <a:pt x="146600" y="457200"/>
+                </a:cubicBezTo>
+                <a:cubicBezTo>
+                  <a:pt x="142790" y="506730"/>
+                  <a:pt x="140370" y="556387"/>
+                  <a:pt x="135170" y="605790"/>
+                </a:cubicBezTo>
+                <a:cubicBezTo>
+                  <a:pt x="132744" y="628838"/>
+                  <a:pt x="124598" y="651211"/>
+                  <a:pt x="123740" y="674370"/>
+                </a:cubicBezTo>
+                <a:cubicBezTo>
+                  <a:pt x="120779" y="754325"/>
+                  <a:pt x="123740" y="834390"/>
+                  <a:pt x="123740" y="914400"/>
+                </a:cubicBezTo>
+              </a:path>
+            </a:pathLst>
+          </a:custGeom>
+        </p:spPr>
+        <p:style>
+          <a:lnRef idx="1">
+            <a:schemeClr val="accent1"/>
+          </a:lnRef>
+          <a:fillRef idx="0">
+            <a:schemeClr val="accent1"/>
+          </a:fillRef>
+          <a:effectRef idx="0">
+            <a:schemeClr val="accent1"/>
+          </a:effectRef>
+          <a:fontRef idx="minor">
+            <a:schemeClr val="tx1"/>
+          </a:fontRef>
+        </p:style>
+        <p:txBody>
+          <a:bodyPr rtlCol="0" anchor="ctr"/>
+          <a:lstStyle/>
+          <a:p>
+            <a:pPr algn="ctr"/>
+            <a:endParaRPr lang="en-US"/>
+          </a:p>
+        </p:txBody>
+      </p:sp>
+      <p:sp>
+        <p:nvSpPr>
+          <p:cNvPr id="5" name="TextBox 4"/>
+          <p:cNvSpPr txBox="1"/>
+          <p:nvPr/>
+        </p:nvSpPr>
+        <p:spPr>
+          <a:xfrm>
+            <a:off x="2514600" y="1104900"/>
+            <a:ext cx="937116" cy="369332"/>
+          </a:xfrm>
+          <a:prstGeom prst="rect">
+            <a:avLst/>
+          </a:prstGeom>
+          <a:noFill/>
+        </p:spPr>
+        <p:txBody>
+          <a:bodyPr wrap="none" rtlCol="0">
+            <a:spAutoFit/>
+          </a:bodyPr>
+          <a:lstStyle/>
+          <a:p>
+            <a:r>
+              <a:rPr lang="en-US" dirty="0" err="1" smtClean="0"/>
+              <a:t>dockerd</a:t>
+            </a:r>
+            <a:endParaRPr lang="en-US" dirty="0"/>
+          </a:p>
+        </p:txBody>
+      </p:sp>
+      <p:sp>
+        <p:nvSpPr>
+          <p:cNvPr id="6" name="TextBox 5"/>
+          <p:cNvSpPr txBox="1"/>
+          <p:nvPr/>
+        </p:nvSpPr>
+        <p:spPr>
+          <a:xfrm>
+            <a:off x="2743200" y="1790700"/>
+            <a:ext cx="2151166" cy="369332"/>
+          </a:xfrm>
+          <a:prstGeom prst="rect">
+            <a:avLst/>
+          </a:prstGeom>
+          <a:noFill/>
+        </p:spPr>
+        <p:txBody>
+          <a:bodyPr wrap="none" rtlCol="0">
+            <a:spAutoFit/>
+          </a:bodyPr>
+          <a:lstStyle/>
+          <a:p>
+            <a:r>
+              <a:rPr lang="en-US" dirty="0" smtClean="0"/>
+              <a:t>/</a:t>
+            </a:r>
+            <a:r>
+              <a:rPr lang="en-US" dirty="0" err="1" smtClean="0"/>
+              <a:t>var</a:t>
+            </a:r>
+            <a:r>
+              <a:rPr lang="en-US" dirty="0" smtClean="0"/>
+              <a:t>/run/</a:t>
+            </a:r>
+            <a:r>
+              <a:rPr lang="en-US" dirty="0" err="1" smtClean="0"/>
+              <a:t>docker.sock</a:t>
+            </a:r>
+            <a:endParaRPr lang="en-US" dirty="0"/>
+          </a:p>
+        </p:txBody>
+      </p:sp>
+      <p:cxnSp>
+        <p:nvCxnSpPr>
+          <p:cNvPr id="8" name="Straight Arrow Connector 7"/>
+          <p:cNvCxnSpPr>
+            <a:stCxn id="6" idx="0"/>
+            <a:endCxn id="5" idx="2"/>
+          </p:cNvCxnSpPr>
+          <p:nvPr/>
+        </p:nvCxnSpPr>
+        <p:spPr>
+          <a:xfrm flipH="1" flipV="1">
+            <a:off x="2983158" y="1474232"/>
+            <a:ext cx="835625" cy="316468"/>
+          </a:xfrm>
+          <a:prstGeom prst="straightConnector1">
+            <a:avLst/>
+          </a:prstGeom>
+          <a:ln>
+            <a:tailEnd type="arrow"/>
+          </a:ln>
+        </p:spPr>
+        <p:style>
+          <a:lnRef idx="1">
+            <a:schemeClr val="accent1"/>
+          </a:lnRef>
+          <a:fillRef idx="0">
+            <a:schemeClr val="accent1"/>
+          </a:fillRef>
+          <a:effectRef idx="0">
+            <a:schemeClr val="accent1"/>
+          </a:effectRef>
+          <a:fontRef idx="minor">
+            <a:schemeClr val="tx1"/>
+          </a:fontRef>
+        </p:style>
+      </p:cxnSp>
+      <p:sp>
+        <p:nvSpPr>
+          <p:cNvPr id="10" name="TextBox 9"/>
+          <p:cNvSpPr txBox="1"/>
+          <p:nvPr/>
+        </p:nvSpPr>
+        <p:spPr>
+          <a:xfrm>
+            <a:off x="2438400" y="4686300"/>
+            <a:ext cx="2129237" cy="369332"/>
+          </a:xfrm>
+          <a:prstGeom prst="rect">
+            <a:avLst/>
+          </a:prstGeom>
+          <a:noFill/>
+        </p:spPr>
+        <p:txBody>
+          <a:bodyPr wrap="none" rtlCol="0">
+            <a:spAutoFit/>
+          </a:bodyPr>
+          <a:lstStyle/>
+          <a:p>
+            <a:r>
+              <a:rPr lang="en-US" dirty="0" smtClean="0"/>
+              <a:t>$ </a:t>
+            </a:r>
+            <a:r>
+              <a:rPr lang="en-US" dirty="0" err="1" smtClean="0"/>
+              <a:t>docker</a:t>
+            </a:r>
+            <a:r>
+              <a:rPr lang="en-US" dirty="0" smtClean="0"/>
+              <a:t> container </a:t>
+            </a:r>
+            <a:r>
+              <a:rPr lang="en-US" dirty="0" err="1" smtClean="0"/>
+              <a:t>ls</a:t>
+            </a:r>
+            <a:endParaRPr lang="en-US" dirty="0"/>
+          </a:p>
+        </p:txBody>
+      </p:sp>
+      <p:cxnSp>
+        <p:nvCxnSpPr>
+          <p:cNvPr id="12" name="Straight Arrow Connector 11"/>
+          <p:cNvCxnSpPr>
+            <a:stCxn id="10" idx="0"/>
+            <a:endCxn id="6" idx="2"/>
+          </p:cNvCxnSpPr>
+          <p:nvPr/>
+        </p:nvCxnSpPr>
+        <p:spPr>
+          <a:xfrm flipV="1">
+            <a:off x="3503019" y="2160032"/>
+            <a:ext cx="315764" cy="2526268"/>
+          </a:xfrm>
+          <a:prstGeom prst="straightConnector1">
+            <a:avLst/>
+          </a:prstGeom>
+          <a:ln>
+            <a:tailEnd type="arrow"/>
+          </a:ln>
+        </p:spPr>
+        <p:style>
+          <a:lnRef idx="1">
+            <a:schemeClr val="accent1"/>
+          </a:lnRef>
+          <a:fillRef idx="0">
+            <a:schemeClr val="accent1"/>
+          </a:fillRef>
+          <a:effectRef idx="0">
+            <a:schemeClr val="accent1"/>
+          </a:effectRef>
+          <a:fontRef idx="minor">
+            <a:schemeClr val="tx1"/>
+          </a:fontRef>
+        </p:style>
+      </p:cxnSp>
+      <p:sp>
+        <p:nvSpPr>
+          <p:cNvPr id="13" name="Oval 12"/>
+          <p:cNvSpPr/>
+          <p:nvPr/>
+        </p:nvSpPr>
+        <p:spPr>
+          <a:xfrm>
+            <a:off x="5867400" y="2019300"/>
+            <a:ext cx="1828800" cy="1752600"/>
+          </a:xfrm>
+          <a:prstGeom prst="ellipse">
+            <a:avLst/>
+          </a:prstGeom>
+        </p:spPr>
+        <p:style>
+          <a:lnRef idx="2">
+            <a:schemeClr val="accent1">
+              <a:shade val="50000"/>
+            </a:schemeClr>
+          </a:lnRef>
+          <a:fillRef idx="1">
+            <a:schemeClr val="accent1"/>
+          </a:fillRef>
+          <a:effectRef idx="0">
+            <a:schemeClr val="accent1"/>
+          </a:effectRef>
+          <a:fontRef idx="minor">
+            <a:schemeClr val="lt1"/>
+          </a:fontRef>
+        </p:style>
+        <p:txBody>
+          <a:bodyPr rtlCol="0" anchor="ctr"/>
+          <a:lstStyle/>
+          <a:p>
+            <a:pPr algn="ctr"/>
+            <a:r>
+              <a:rPr lang="en-US" dirty="0" smtClean="0"/>
+              <a:t>Jenkins</a:t>
+            </a:r>
+          </a:p>
+          <a:p>
+            <a:pPr algn="ctr"/>
+            <a:r>
+              <a:rPr lang="en-US" dirty="0" err="1" smtClean="0"/>
+              <a:t>Docker</a:t>
+            </a:r>
+            <a:endParaRPr lang="en-US" dirty="0" smtClean="0"/>
+          </a:p>
+          <a:p>
+            <a:pPr algn="ctr"/>
+            <a:endParaRPr lang="en-US" dirty="0" smtClean="0"/>
+          </a:p>
+          <a:p>
+            <a:pPr algn="ctr"/>
+            <a:r>
+              <a:rPr lang="en-US" dirty="0" err="1" smtClean="0"/>
+              <a:t>d</a:t>
+            </a:r>
+            <a:r>
+              <a:rPr lang="en-US" dirty="0" err="1" smtClean="0"/>
+              <a:t>ocker</a:t>
+            </a:r>
+            <a:r>
+              <a:rPr lang="en-US" dirty="0" smtClean="0"/>
+              <a:t> container </a:t>
+            </a:r>
+            <a:r>
+              <a:rPr lang="en-US" dirty="0" err="1" smtClean="0"/>
+              <a:t>ls</a:t>
+            </a:r>
+            <a:endParaRPr lang="en-US" dirty="0"/>
+          </a:p>
+        </p:txBody>
+      </p:sp>
+      <p:sp>
+        <p:nvSpPr>
+          <p:cNvPr id="14" name="Right Arrow 13"/>
+          <p:cNvSpPr/>
+          <p:nvPr/>
+        </p:nvSpPr>
+        <p:spPr>
+          <a:xfrm rot="1788167">
+            <a:off x="4622709" y="2357715"/>
+            <a:ext cx="1524000" cy="609600"/>
+          </a:xfrm>
+          <a:prstGeom prst="rightArrow">
+            <a:avLst/>
+          </a:prstGeom>
+        </p:spPr>
+        <p:style>
+          <a:lnRef idx="2">
+            <a:schemeClr val="accent1">
+              <a:shade val="50000"/>
+            </a:schemeClr>
+          </a:lnRef>
+          <a:fillRef idx="1">
+            <a:schemeClr val="accent1"/>
+          </a:fillRef>
+          <a:effectRef idx="0">
+            <a:schemeClr val="accent1"/>
+          </a:effectRef>
+          <a:fontRef idx="minor">
+            <a:schemeClr val="lt1"/>
+          </a:fontRef>
+        </p:style>
+        <p:txBody>
+          <a:bodyPr rtlCol="0" anchor="ctr"/>
+          <a:lstStyle/>
+          <a:p>
+            <a:pPr algn="ctr"/>
+            <a:endParaRPr lang="en-US"/>
+          </a:p>
+        </p:txBody>
+      </p:sp>
+    </p:spTree>
+  </p:cSld>
+  <p:clrMapOvr>
+    <a:masterClrMapping/>
+  </p:clrMapOvr>
+</p:sld>
+</file>
+
+<file path=ppt/slides/slide12.xml><?xml version="1.0" encoding="utf-8"?>
+<p:sld xmlns:a="http://schemas.openxmlformats.org/drawingml/2006/main" xmlns:r="http://schemas.openxmlformats.org/officeDocument/2006/relationships" xmlns:p="http://schemas.openxmlformats.org/presentationml/2006/main">
+  <p:cSld>
+    <p:spTree>
+      <p:nvGrpSpPr>
+        <p:cNvPr id="1" name=""/>
+        <p:cNvGrpSpPr/>
+        <p:nvPr/>
+      </p:nvGrpSpPr>
+      <p:grpSpPr>
+        <a:xfrm>
+          <a:off x="0" y="0"/>
+          <a:ext cx="0" cy="0"/>
+          <a:chOff x="0" y="0"/>
+          <a:chExt cx="0" cy="0"/>
+        </a:xfrm>
+      </p:grpSpPr>
+      <p:sp>
+        <p:nvSpPr>
+          <p:cNvPr id="18" name="Rectangle 17"/>
+          <p:cNvSpPr/>
+          <p:nvPr/>
+        </p:nvSpPr>
+        <p:spPr>
+          <a:xfrm>
+            <a:off x="457200" y="266700"/>
+            <a:ext cx="2362200" cy="2438400"/>
+          </a:xfrm>
+          <a:prstGeom prst="rect">
+            <a:avLst/>
+          </a:prstGeom>
+        </p:spPr>
+        <p:style>
+          <a:lnRef idx="2">
+            <a:schemeClr val="accent1">
+              <a:shade val="50000"/>
+            </a:schemeClr>
+          </a:lnRef>
+          <a:fillRef idx="1">
+            <a:schemeClr val="accent1"/>
+          </a:fillRef>
+          <a:effectRef idx="0">
+            <a:schemeClr val="accent1"/>
+          </a:effectRef>
+          <a:fontRef idx="minor">
+            <a:schemeClr val="lt1"/>
+          </a:fontRef>
+        </p:style>
+        <p:txBody>
+          <a:bodyPr rtlCol="0" anchor="ctr"/>
+          <a:lstStyle/>
+          <a:p>
+            <a:pPr algn="ctr"/>
+            <a:endParaRPr lang="en-US"/>
+          </a:p>
+        </p:txBody>
+      </p:sp>
+      <p:sp>
+        <p:nvSpPr>
+          <p:cNvPr id="2" name="Rectangle 1"/>
+          <p:cNvSpPr/>
+          <p:nvPr/>
+        </p:nvSpPr>
+        <p:spPr>
+          <a:xfrm>
+            <a:off x="3048000" y="266700"/>
+            <a:ext cx="2667000" cy="2514600"/>
+          </a:xfrm>
+          <a:prstGeom prst="rect">
+            <a:avLst/>
+          </a:prstGeom>
+          <a:noFill/>
+        </p:spPr>
+        <p:style>
+          <a:lnRef idx="2">
+            <a:schemeClr val="accent1">
+              <a:shade val="50000"/>
+            </a:schemeClr>
+          </a:lnRef>
+          <a:fillRef idx="1">
+            <a:schemeClr val="accent1"/>
+          </a:fillRef>
+          <a:effectRef idx="0">
+            <a:schemeClr val="accent1"/>
+          </a:effectRef>
+          <a:fontRef idx="minor">
+            <a:schemeClr val="lt1"/>
+          </a:fontRef>
+        </p:style>
+        <p:txBody>
+          <a:bodyPr rtlCol="0" anchor="ctr"/>
+          <a:lstStyle/>
+          <a:p>
+            <a:pPr algn="ctr"/>
+            <a:endParaRPr lang="en-US"/>
+          </a:p>
+        </p:txBody>
+      </p:sp>
+      <p:sp>
+        <p:nvSpPr>
+          <p:cNvPr id="4" name="Freeform 3"/>
+          <p:cNvSpPr/>
+          <p:nvPr/>
+        </p:nvSpPr>
+        <p:spPr>
+          <a:xfrm>
+            <a:off x="6236970" y="2259330"/>
+            <a:ext cx="86321" cy="422910"/>
+          </a:xfrm>
+          <a:custGeom>
+            <a:avLst/>
+            <a:gdLst>
+              <a:gd name="connsiteX0" fmla="*/ 34290 w 86321"/>
+              <a:gd name="connsiteY0" fmla="*/ 0 h 422910"/>
+              <a:gd name="connsiteX1" fmla="*/ 11430 w 86321"/>
+              <a:gd name="connsiteY1" fmla="*/ 91440 h 422910"/>
+              <a:gd name="connsiteX2" fmla="*/ 0 w 86321"/>
+              <a:gd name="connsiteY2" fmla="*/ 137160 h 422910"/>
+              <a:gd name="connsiteX3" fmla="*/ 11430 w 86321"/>
+              <a:gd name="connsiteY3" fmla="*/ 194310 h 422910"/>
+              <a:gd name="connsiteX4" fmla="*/ 80010 w 86321"/>
+              <a:gd name="connsiteY4" fmla="*/ 251460 h 422910"/>
+              <a:gd name="connsiteX5" fmla="*/ 80010 w 86321"/>
+              <a:gd name="connsiteY5" fmla="*/ 422910 h 422910"/>
+            </a:gdLst>
+            <a:ahLst/>
+            <a:cxnLst>
+              <a:cxn ang="0">
+                <a:pos x="connsiteX0" y="connsiteY0"/>
+              </a:cxn>
+              <a:cxn ang="0">
+                <a:pos x="connsiteX1" y="connsiteY1"/>
+              </a:cxn>
+              <a:cxn ang="0">
+                <a:pos x="connsiteX2" y="connsiteY2"/>
+              </a:cxn>
+              <a:cxn ang="0">
+                <a:pos x="connsiteX3" y="connsiteY3"/>
+              </a:cxn>
+              <a:cxn ang="0">
+                <a:pos x="connsiteX4" y="connsiteY4"/>
+              </a:cxn>
+              <a:cxn ang="0">
+                <a:pos x="connsiteX5" y="connsiteY5"/>
+              </a:cxn>
+            </a:cxnLst>
+            <a:rect l="l" t="t" r="r" b="b"/>
+            <a:pathLst>
+              <a:path w="86321" h="422910">
+                <a:moveTo>
+                  <a:pt x="34290" y="0"/>
+                </a:moveTo>
+                <a:lnTo>
+                  <a:pt x="11430" y="91440"/>
+                </a:lnTo>
+                <a:lnTo>
+                  <a:pt x="0" y="137160"/>
+                </a:lnTo>
+                <a:cubicBezTo>
+                  <a:pt x="3810" y="156210"/>
+                  <a:pt x="138" y="178501"/>
+                  <a:pt x="11430" y="194310"/>
+                </a:cubicBezTo>
+                <a:cubicBezTo>
+                  <a:pt x="36756" y="229766"/>
+                  <a:pt x="74047" y="197790"/>
+                  <a:pt x="80010" y="251460"/>
+                </a:cubicBezTo>
+                <a:cubicBezTo>
+                  <a:pt x="86321" y="308260"/>
+                  <a:pt x="80010" y="365760"/>
+                  <a:pt x="80010" y="422910"/>
+                </a:cubicBezTo>
+              </a:path>
+            </a:pathLst>
+          </a:custGeom>
+        </p:spPr>
+        <p:style>
+          <a:lnRef idx="1">
+            <a:schemeClr val="accent1"/>
+          </a:lnRef>
+          <a:fillRef idx="0">
+            <a:schemeClr val="accent1"/>
+          </a:fillRef>
+          <a:effectRef idx="0">
+            <a:schemeClr val="accent1"/>
+          </a:effectRef>
+          <a:fontRef idx="minor">
+            <a:schemeClr val="tx1"/>
+          </a:fontRef>
+        </p:style>
+        <p:txBody>
+          <a:bodyPr rtlCol="0" anchor="ctr"/>
+          <a:lstStyle/>
+          <a:p>
+            <a:pPr algn="ctr"/>
+            <a:endParaRPr lang="en-US"/>
+          </a:p>
+        </p:txBody>
+      </p:sp>
+      <p:sp>
+        <p:nvSpPr>
+          <p:cNvPr id="5" name="TextBox 4"/>
+          <p:cNvSpPr txBox="1"/>
+          <p:nvPr/>
+        </p:nvSpPr>
+        <p:spPr>
+          <a:xfrm>
+            <a:off x="6248400" y="2324100"/>
+            <a:ext cx="937116" cy="369332"/>
+          </a:xfrm>
+          <a:prstGeom prst="rect">
+            <a:avLst/>
+          </a:prstGeom>
+          <a:noFill/>
+        </p:spPr>
+        <p:txBody>
+          <a:bodyPr wrap="none" rtlCol="0">
+            <a:spAutoFit/>
+          </a:bodyPr>
+          <a:lstStyle/>
+          <a:p>
+            <a:r>
+              <a:rPr lang="en-US" dirty="0" err="1" smtClean="0"/>
+              <a:t>dockerd</a:t>
+            </a:r>
+            <a:endParaRPr lang="en-US" dirty="0"/>
+          </a:p>
+        </p:txBody>
+      </p:sp>
+      <p:sp>
+        <p:nvSpPr>
+          <p:cNvPr id="6" name="Oval 5"/>
+          <p:cNvSpPr/>
+          <p:nvPr/>
+        </p:nvSpPr>
+        <p:spPr>
+          <a:xfrm>
+            <a:off x="3657600" y="876300"/>
+            <a:ext cx="609600" cy="533400"/>
+          </a:xfrm>
+          <a:prstGeom prst="ellipse">
+            <a:avLst/>
+          </a:prstGeom>
+        </p:spPr>
+        <p:style>
+          <a:lnRef idx="2">
+            <a:schemeClr val="accent1">
+              <a:shade val="50000"/>
+            </a:schemeClr>
+          </a:lnRef>
+          <a:fillRef idx="1">
+            <a:schemeClr val="accent1"/>
+          </a:fillRef>
+          <a:effectRef idx="0">
+            <a:schemeClr val="accent1"/>
+          </a:effectRef>
+          <a:fontRef idx="minor">
+            <a:schemeClr val="lt1"/>
+          </a:fontRef>
+        </p:style>
+        <p:txBody>
+          <a:bodyPr rtlCol="0" anchor="ctr"/>
+          <a:lstStyle/>
+          <a:p>
+            <a:pPr algn="ctr"/>
+            <a:endParaRPr lang="en-US"/>
+          </a:p>
+        </p:txBody>
+      </p:sp>
+      <p:sp>
+        <p:nvSpPr>
+          <p:cNvPr id="7" name="Oval 6"/>
+          <p:cNvSpPr/>
+          <p:nvPr/>
+        </p:nvSpPr>
+        <p:spPr>
+          <a:xfrm>
+            <a:off x="3810000" y="1028700"/>
+            <a:ext cx="609600" cy="533400"/>
+          </a:xfrm>
+          <a:prstGeom prst="ellipse">
+            <a:avLst/>
+          </a:prstGeom>
+        </p:spPr>
+        <p:style>
+          <a:lnRef idx="2">
+            <a:schemeClr val="accent1">
+              <a:shade val="50000"/>
+            </a:schemeClr>
+          </a:lnRef>
+          <a:fillRef idx="1">
+            <a:schemeClr val="accent1"/>
+          </a:fillRef>
+          <a:effectRef idx="0">
+            <a:schemeClr val="accent1"/>
+          </a:effectRef>
+          <a:fontRef idx="minor">
+            <a:schemeClr val="lt1"/>
+          </a:fontRef>
+        </p:style>
+        <p:txBody>
+          <a:bodyPr rtlCol="0" anchor="ctr"/>
+          <a:lstStyle/>
+          <a:p>
+            <a:pPr algn="ctr"/>
+            <a:endParaRPr lang="en-US"/>
+          </a:p>
+        </p:txBody>
+      </p:sp>
+      <p:sp>
+        <p:nvSpPr>
+          <p:cNvPr id="8" name="Oval 7"/>
+          <p:cNvSpPr/>
+          <p:nvPr/>
+        </p:nvSpPr>
+        <p:spPr>
+          <a:xfrm>
+            <a:off x="3352800" y="1485900"/>
+            <a:ext cx="2286000" cy="762000"/>
+          </a:xfrm>
+          <a:prstGeom prst="ellipse">
+            <a:avLst/>
+          </a:prstGeom>
+        </p:spPr>
+        <p:style>
+          <a:lnRef idx="2">
+            <a:schemeClr val="accent1">
+              <a:shade val="50000"/>
+            </a:schemeClr>
+          </a:lnRef>
+          <a:fillRef idx="1">
+            <a:schemeClr val="accent1"/>
+          </a:fillRef>
+          <a:effectRef idx="0">
+            <a:schemeClr val="accent1"/>
+          </a:effectRef>
+          <a:fontRef idx="minor">
+            <a:schemeClr val="lt1"/>
+          </a:fontRef>
+        </p:style>
+        <p:txBody>
+          <a:bodyPr rtlCol="0" anchor="ctr"/>
+          <a:lstStyle/>
+          <a:p>
+            <a:pPr algn="ctr"/>
+            <a:r>
+              <a:rPr lang="en-US" dirty="0" smtClean="0"/>
+              <a:t>Ghost</a:t>
+            </a:r>
+          </a:p>
+          <a:p>
+            <a:pPr algn="ctr"/>
+            <a:r>
+              <a:rPr lang="en-US" dirty="0" smtClean="0"/>
+              <a:t>172.17.0.4</a:t>
+            </a:r>
+          </a:p>
+          <a:p>
+            <a:pPr algn="ctr"/>
+            <a:r>
+              <a:rPr lang="en-US" dirty="0" smtClean="0"/>
+              <a:t>Db: db </a:t>
+            </a:r>
+            <a:endParaRPr lang="en-US" dirty="0"/>
+          </a:p>
+        </p:txBody>
+      </p:sp>
+      <p:sp>
+        <p:nvSpPr>
+          <p:cNvPr id="9" name="Oval 8"/>
+          <p:cNvSpPr/>
+          <p:nvPr/>
+        </p:nvSpPr>
+        <p:spPr>
+          <a:xfrm>
+            <a:off x="7086600" y="495300"/>
+            <a:ext cx="609600" cy="533400"/>
+          </a:xfrm>
+          <a:prstGeom prst="ellipse">
+            <a:avLst/>
+          </a:prstGeom>
+        </p:spPr>
+        <p:style>
+          <a:lnRef idx="2">
+            <a:schemeClr val="accent1">
+              <a:shade val="50000"/>
+            </a:schemeClr>
+          </a:lnRef>
+          <a:fillRef idx="1">
+            <a:schemeClr val="accent1"/>
+          </a:fillRef>
+          <a:effectRef idx="0">
+            <a:schemeClr val="accent1"/>
+          </a:effectRef>
+          <a:fontRef idx="minor">
+            <a:schemeClr val="lt1"/>
+          </a:fontRef>
+        </p:style>
+        <p:txBody>
+          <a:bodyPr rtlCol="0" anchor="ctr"/>
+          <a:lstStyle/>
+          <a:p>
+            <a:pPr algn="ctr"/>
+            <a:endParaRPr lang="en-US"/>
+          </a:p>
+        </p:txBody>
+      </p:sp>
+      <p:sp>
+        <p:nvSpPr>
+          <p:cNvPr id="10" name="Rectangle 9"/>
+          <p:cNvSpPr/>
+          <p:nvPr/>
+        </p:nvSpPr>
+        <p:spPr>
+          <a:xfrm>
+            <a:off x="6172200" y="266700"/>
+            <a:ext cx="2667000" cy="2514600"/>
+          </a:xfrm>
+          <a:prstGeom prst="rect">
+            <a:avLst/>
+          </a:prstGeom>
+          <a:noFill/>
+        </p:spPr>
+        <p:style>
+          <a:lnRef idx="2">
+            <a:schemeClr val="accent1">
+              <a:shade val="50000"/>
+            </a:schemeClr>
+          </a:lnRef>
+          <a:fillRef idx="1">
+            <a:schemeClr val="accent1"/>
+          </a:fillRef>
+          <a:effectRef idx="0">
+            <a:schemeClr val="accent1"/>
+          </a:effectRef>
+          <a:fontRef idx="minor">
+            <a:schemeClr val="lt1"/>
+          </a:fontRef>
+        </p:style>
+        <p:txBody>
+          <a:bodyPr rtlCol="0" anchor="ctr"/>
+          <a:lstStyle/>
+          <a:p>
+            <a:pPr algn="ctr"/>
+            <a:endParaRPr lang="en-US" dirty="0"/>
+          </a:p>
+        </p:txBody>
+      </p:sp>
+      <p:sp>
+        <p:nvSpPr>
+          <p:cNvPr id="11" name="Oval 10"/>
+          <p:cNvSpPr/>
+          <p:nvPr/>
+        </p:nvSpPr>
+        <p:spPr>
+          <a:xfrm>
+            <a:off x="762000" y="495300"/>
+            <a:ext cx="1752600" cy="685800"/>
+          </a:xfrm>
+          <a:prstGeom prst="ellipse">
+            <a:avLst/>
+          </a:prstGeom>
+        </p:spPr>
+        <p:style>
+          <a:lnRef idx="2">
+            <a:schemeClr val="accent1">
+              <a:shade val="50000"/>
+            </a:schemeClr>
+          </a:lnRef>
+          <a:fillRef idx="1">
+            <a:schemeClr val="accent1"/>
+          </a:fillRef>
+          <a:effectRef idx="0">
+            <a:schemeClr val="accent1"/>
+          </a:effectRef>
+          <a:fontRef idx="minor">
+            <a:schemeClr val="lt1"/>
+          </a:fontRef>
+        </p:style>
+        <p:txBody>
+          <a:bodyPr rtlCol="0" anchor="ctr"/>
+          <a:lstStyle/>
+          <a:p>
+            <a:pPr algn="ctr"/>
+            <a:r>
+              <a:rPr lang="en-US" dirty="0" err="1" smtClean="0"/>
+              <a:t>Mysql</a:t>
+            </a:r>
+            <a:endParaRPr lang="en-US" dirty="0" smtClean="0"/>
+          </a:p>
+          <a:p>
+            <a:pPr algn="ctr"/>
+            <a:r>
+              <a:rPr lang="en-US" dirty="0" smtClean="0"/>
+              <a:t>172.17.0.5:3306</a:t>
+            </a:r>
+            <a:endParaRPr lang="en-US" dirty="0"/>
+          </a:p>
+        </p:txBody>
+      </p:sp>
+      <p:sp>
+        <p:nvSpPr>
+          <p:cNvPr id="13" name="Freeform 12"/>
+          <p:cNvSpPr/>
+          <p:nvPr/>
+        </p:nvSpPr>
+        <p:spPr>
+          <a:xfrm>
+            <a:off x="3112770" y="2259330"/>
+            <a:ext cx="86321" cy="422910"/>
+          </a:xfrm>
+          <a:custGeom>
+            <a:avLst/>
+            <a:gdLst>
+              <a:gd name="connsiteX0" fmla="*/ 34290 w 86321"/>
+              <a:gd name="connsiteY0" fmla="*/ 0 h 422910"/>
+              <a:gd name="connsiteX1" fmla="*/ 11430 w 86321"/>
+              <a:gd name="connsiteY1" fmla="*/ 91440 h 422910"/>
+              <a:gd name="connsiteX2" fmla="*/ 0 w 86321"/>
+              <a:gd name="connsiteY2" fmla="*/ 137160 h 422910"/>
+              <a:gd name="connsiteX3" fmla="*/ 11430 w 86321"/>
+              <a:gd name="connsiteY3" fmla="*/ 194310 h 422910"/>
+              <a:gd name="connsiteX4" fmla="*/ 80010 w 86321"/>
+              <a:gd name="connsiteY4" fmla="*/ 251460 h 422910"/>
+              <a:gd name="connsiteX5" fmla="*/ 80010 w 86321"/>
+              <a:gd name="connsiteY5" fmla="*/ 422910 h 422910"/>
+            </a:gdLst>
+            <a:ahLst/>
+            <a:cxnLst>
+              <a:cxn ang="0">
+                <a:pos x="connsiteX0" y="connsiteY0"/>
+              </a:cxn>
+              <a:cxn ang="0">
+                <a:pos x="connsiteX1" y="connsiteY1"/>
+              </a:cxn>
+              <a:cxn ang="0">
+                <a:pos x="connsiteX2" y="connsiteY2"/>
+              </a:cxn>
+              <a:cxn ang="0">
+                <a:pos x="connsiteX3" y="connsiteY3"/>
+              </a:cxn>
+              <a:cxn ang="0">
+                <a:pos x="connsiteX4" y="connsiteY4"/>
+              </a:cxn>
+              <a:cxn ang="0">
+                <a:pos x="connsiteX5" y="connsiteY5"/>
+              </a:cxn>
+            </a:cxnLst>
+            <a:rect l="l" t="t" r="r" b="b"/>
+            <a:pathLst>
+              <a:path w="86321" h="422910">
+                <a:moveTo>
+                  <a:pt x="34290" y="0"/>
+                </a:moveTo>
+                <a:lnTo>
+                  <a:pt x="11430" y="91440"/>
+                </a:lnTo>
+                <a:lnTo>
+                  <a:pt x="0" y="137160"/>
+                </a:lnTo>
+                <a:cubicBezTo>
+                  <a:pt x="3810" y="156210"/>
+                  <a:pt x="138" y="178501"/>
+                  <a:pt x="11430" y="194310"/>
+                </a:cubicBezTo>
+                <a:cubicBezTo>
+                  <a:pt x="36756" y="229766"/>
+                  <a:pt x="74047" y="197790"/>
+                  <a:pt x="80010" y="251460"/>
+                </a:cubicBezTo>
+                <a:cubicBezTo>
+                  <a:pt x="86321" y="308260"/>
+                  <a:pt x="80010" y="365760"/>
+                  <a:pt x="80010" y="422910"/>
+                </a:cubicBezTo>
+              </a:path>
+            </a:pathLst>
+          </a:custGeom>
+        </p:spPr>
+        <p:style>
+          <a:lnRef idx="1">
+            <a:schemeClr val="accent1"/>
+          </a:lnRef>
+          <a:fillRef idx="0">
+            <a:schemeClr val="accent1"/>
+          </a:fillRef>
+          <a:effectRef idx="0">
+            <a:schemeClr val="accent1"/>
+          </a:effectRef>
+          <a:fontRef idx="minor">
+            <a:schemeClr val="tx1"/>
+          </a:fontRef>
+        </p:style>
+        <p:txBody>
+          <a:bodyPr rtlCol="0" anchor="ctr"/>
+          <a:lstStyle/>
+          <a:p>
+            <a:pPr algn="ctr"/>
+            <a:endParaRPr lang="en-US"/>
+          </a:p>
+        </p:txBody>
+      </p:sp>
+      <p:sp>
+        <p:nvSpPr>
+          <p:cNvPr id="14" name="TextBox 13"/>
+          <p:cNvSpPr txBox="1"/>
+          <p:nvPr/>
+        </p:nvSpPr>
+        <p:spPr>
+          <a:xfrm>
+            <a:off x="3124200" y="2324100"/>
+            <a:ext cx="937116" cy="369332"/>
+          </a:xfrm>
+          <a:prstGeom prst="rect">
+            <a:avLst/>
+          </a:prstGeom>
+          <a:noFill/>
+        </p:spPr>
+        <p:txBody>
+          <a:bodyPr wrap="none" rtlCol="0">
+            <a:spAutoFit/>
+          </a:bodyPr>
+          <a:lstStyle/>
+          <a:p>
+            <a:r>
+              <a:rPr lang="en-US" dirty="0" err="1" smtClean="0"/>
+              <a:t>dockerd</a:t>
+            </a:r>
+            <a:endParaRPr lang="en-US" dirty="0"/>
+          </a:p>
+        </p:txBody>
+      </p:sp>
+      <p:sp>
+        <p:nvSpPr>
+          <p:cNvPr id="15" name="TextBox 14"/>
+          <p:cNvSpPr txBox="1"/>
+          <p:nvPr/>
+        </p:nvSpPr>
+        <p:spPr>
+          <a:xfrm>
+            <a:off x="4114800" y="38100"/>
+            <a:ext cx="478016" cy="369332"/>
+          </a:xfrm>
+          <a:prstGeom prst="rect">
+            <a:avLst/>
+          </a:prstGeom>
+          <a:noFill/>
+        </p:spPr>
+        <p:txBody>
+          <a:bodyPr wrap="none" rtlCol="0">
+            <a:spAutoFit/>
+          </a:bodyPr>
+          <a:lstStyle/>
+          <a:p>
+            <a:r>
+              <a:rPr lang="en-US" smtClean="0"/>
+              <a:t>IP2</a:t>
+            </a:r>
+            <a:endParaRPr lang="en-US" dirty="0"/>
+          </a:p>
+        </p:txBody>
+      </p:sp>
+      <p:sp>
+        <p:nvSpPr>
+          <p:cNvPr id="16" name="TextBox 15"/>
+          <p:cNvSpPr txBox="1"/>
+          <p:nvPr/>
+        </p:nvSpPr>
+        <p:spPr>
+          <a:xfrm>
+            <a:off x="7065784" y="38100"/>
+            <a:ext cx="478016" cy="369332"/>
+          </a:xfrm>
+          <a:prstGeom prst="rect">
+            <a:avLst/>
+          </a:prstGeom>
+          <a:noFill/>
+        </p:spPr>
+        <p:txBody>
+          <a:bodyPr wrap="none" rtlCol="0">
+            <a:spAutoFit/>
+          </a:bodyPr>
+          <a:lstStyle/>
+          <a:p>
+            <a:r>
+              <a:rPr lang="en-US" dirty="0" smtClean="0"/>
+              <a:t>IP1</a:t>
+            </a:r>
+            <a:endParaRPr lang="en-US" dirty="0"/>
+          </a:p>
+        </p:txBody>
+      </p:sp>
+      <p:sp>
+        <p:nvSpPr>
+          <p:cNvPr id="17" name="TextBox 16"/>
+          <p:cNvSpPr txBox="1"/>
+          <p:nvPr/>
+        </p:nvSpPr>
+        <p:spPr>
+          <a:xfrm>
+            <a:off x="6324600" y="38100"/>
+            <a:ext cx="652743" cy="369332"/>
+          </a:xfrm>
+          <a:prstGeom prst="rect">
+            <a:avLst/>
+          </a:prstGeom>
+          <a:noFill/>
+        </p:spPr>
+        <p:txBody>
+          <a:bodyPr wrap="none" rtlCol="0">
+            <a:spAutoFit/>
+          </a:bodyPr>
+          <a:lstStyle/>
+          <a:p>
+            <a:r>
+              <a:rPr lang="en-US" dirty="0" smtClean="0"/>
+              <a:t>8888</a:t>
+            </a:r>
+            <a:endParaRPr lang="en-US" dirty="0"/>
+          </a:p>
+        </p:txBody>
+      </p:sp>
+      <p:sp>
+        <p:nvSpPr>
+          <p:cNvPr id="19" name="TextBox 18"/>
+          <p:cNvSpPr txBox="1"/>
+          <p:nvPr/>
+        </p:nvSpPr>
+        <p:spPr>
+          <a:xfrm>
+            <a:off x="304800" y="3009900"/>
+            <a:ext cx="5612434" cy="1754326"/>
+          </a:xfrm>
+          <a:prstGeom prst="rect">
+            <a:avLst/>
+          </a:prstGeom>
+          <a:noFill/>
+        </p:spPr>
+        <p:txBody>
+          <a:bodyPr wrap="none" rtlCol="0">
+            <a:spAutoFit/>
+          </a:bodyPr>
+          <a:lstStyle/>
+          <a:p>
+            <a:pPr marL="342900" indent="-342900">
+              <a:buAutoNum type="arabicPeriod"/>
+            </a:pPr>
+            <a:r>
+              <a:rPr lang="en-US" dirty="0" smtClean="0"/>
+              <a:t>Cluster view -&gt; view all machines as on entity</a:t>
+            </a:r>
+          </a:p>
+          <a:p>
+            <a:pPr marL="342900" indent="-342900">
+              <a:buAutoNum type="arabicPeriod"/>
+            </a:pPr>
+            <a:r>
+              <a:rPr lang="en-US" dirty="0" smtClean="0"/>
+              <a:t>No </a:t>
+            </a:r>
+            <a:r>
+              <a:rPr lang="en-US" dirty="0" err="1" smtClean="0"/>
+              <a:t>nodeawareness</a:t>
+            </a:r>
+            <a:endParaRPr lang="en-US" dirty="0" smtClean="0"/>
+          </a:p>
+          <a:p>
+            <a:pPr marL="342900" indent="-342900">
+              <a:buAutoNum type="arabicPeriod"/>
+            </a:pPr>
+            <a:r>
+              <a:rPr lang="en-US" dirty="0" smtClean="0"/>
+              <a:t>Manage containers irrespective of the node created in</a:t>
+            </a:r>
+          </a:p>
+          <a:p>
+            <a:pPr marL="342900" indent="-342900">
+              <a:buAutoNum type="arabicPeriod"/>
+            </a:pPr>
+            <a:r>
+              <a:rPr lang="en-US" dirty="0" smtClean="0"/>
+              <a:t>Scale my application</a:t>
+            </a:r>
+          </a:p>
+          <a:p>
+            <a:pPr marL="342900" indent="-342900">
+              <a:buAutoNum type="arabicPeriod"/>
+            </a:pPr>
+            <a:r>
+              <a:rPr lang="en-US" dirty="0" smtClean="0"/>
+              <a:t>Load balancing</a:t>
+            </a:r>
+          </a:p>
+          <a:p>
+            <a:pPr marL="342900" indent="-342900">
+              <a:buAutoNum type="arabicPeriod"/>
+            </a:pPr>
+            <a:endParaRPr lang="en-US" dirty="0"/>
+          </a:p>
+        </p:txBody>
+      </p:sp>
+      <p:sp>
+        <p:nvSpPr>
+          <p:cNvPr id="20" name="Oval 19"/>
+          <p:cNvSpPr/>
+          <p:nvPr/>
+        </p:nvSpPr>
+        <p:spPr>
+          <a:xfrm>
+            <a:off x="7162800" y="2019300"/>
+            <a:ext cx="2286000" cy="762000"/>
+          </a:xfrm>
+          <a:prstGeom prst="ellipse">
+            <a:avLst/>
+          </a:prstGeom>
+        </p:spPr>
+        <p:style>
+          <a:lnRef idx="2">
+            <a:schemeClr val="accent1">
+              <a:shade val="50000"/>
+            </a:schemeClr>
+          </a:lnRef>
+          <a:fillRef idx="1">
+            <a:schemeClr val="accent1"/>
+          </a:fillRef>
+          <a:effectRef idx="0">
+            <a:schemeClr val="accent1"/>
+          </a:effectRef>
+          <a:fontRef idx="minor">
+            <a:schemeClr val="lt1"/>
+          </a:fontRef>
+        </p:style>
+        <p:txBody>
+          <a:bodyPr rtlCol="0" anchor="ctr"/>
+          <a:lstStyle/>
+          <a:p>
+            <a:pPr algn="ctr"/>
+            <a:r>
+              <a:rPr lang="en-US" dirty="0" smtClean="0"/>
+              <a:t>Ghost</a:t>
+            </a:r>
+          </a:p>
+          <a:p>
+            <a:pPr algn="ctr"/>
+            <a:r>
+              <a:rPr lang="en-US" dirty="0" smtClean="0"/>
+              <a:t>172.17.0.4</a:t>
+            </a:r>
+          </a:p>
+          <a:p>
+            <a:pPr algn="ctr"/>
+            <a:r>
+              <a:rPr lang="en-US" dirty="0" smtClean="0"/>
+              <a:t>Db: db </a:t>
+            </a:r>
+            <a:endParaRPr lang="en-US" dirty="0"/>
+          </a:p>
+        </p:txBody>
+      </p:sp>
+      <p:sp>
+        <p:nvSpPr>
+          <p:cNvPr id="21" name="Oval 20"/>
+          <p:cNvSpPr/>
+          <p:nvPr/>
+        </p:nvSpPr>
+        <p:spPr>
+          <a:xfrm>
+            <a:off x="457200" y="1714500"/>
+            <a:ext cx="2286000" cy="762000"/>
+          </a:xfrm>
+          <a:prstGeom prst="ellipse">
+            <a:avLst/>
+          </a:prstGeom>
+        </p:spPr>
+        <p:style>
+          <a:lnRef idx="2">
+            <a:schemeClr val="accent1">
+              <a:shade val="50000"/>
+            </a:schemeClr>
+          </a:lnRef>
+          <a:fillRef idx="1">
+            <a:schemeClr val="accent1"/>
+          </a:fillRef>
+          <a:effectRef idx="0">
+            <a:schemeClr val="accent1"/>
+          </a:effectRef>
+          <a:fontRef idx="minor">
+            <a:schemeClr val="lt1"/>
+          </a:fontRef>
+        </p:style>
+        <p:txBody>
+          <a:bodyPr rtlCol="0" anchor="ctr"/>
+          <a:lstStyle/>
+          <a:p>
+            <a:pPr algn="ctr"/>
+            <a:r>
+              <a:rPr lang="en-US" dirty="0" smtClean="0"/>
+              <a:t>Ghost</a:t>
+            </a:r>
+          </a:p>
+          <a:p>
+            <a:pPr algn="ctr"/>
+            <a:r>
+              <a:rPr lang="en-US" dirty="0" smtClean="0"/>
+              <a:t>172.17.0.4</a:t>
+            </a:r>
+          </a:p>
+          <a:p>
+            <a:pPr algn="ctr"/>
+            <a:r>
+              <a:rPr lang="en-US" dirty="0" smtClean="0"/>
+              <a:t>Db: db </a:t>
+            </a:r>
+            <a:endParaRPr lang="en-US" dirty="0"/>
+          </a:p>
+        </p:txBody>
+      </p:sp>
+      <p:sp>
+        <p:nvSpPr>
+          <p:cNvPr id="22" name="TextBox 21"/>
+          <p:cNvSpPr txBox="1"/>
+          <p:nvPr/>
+        </p:nvSpPr>
+        <p:spPr>
+          <a:xfrm>
+            <a:off x="6477000" y="3771900"/>
+            <a:ext cx="1536062" cy="646331"/>
+          </a:xfrm>
+          <a:prstGeom prst="rect">
+            <a:avLst/>
+          </a:prstGeom>
+          <a:noFill/>
+        </p:spPr>
+        <p:txBody>
+          <a:bodyPr wrap="none" rtlCol="0">
+            <a:spAutoFit/>
+          </a:bodyPr>
+          <a:lstStyle/>
+          <a:p>
+            <a:r>
+              <a:rPr lang="en-US" dirty="0" smtClean="0"/>
+              <a:t>K8s</a:t>
+            </a:r>
+          </a:p>
+          <a:p>
+            <a:r>
+              <a:rPr lang="en-US" dirty="0" err="1" smtClean="0"/>
+              <a:t>Docker</a:t>
+            </a:r>
+            <a:r>
+              <a:rPr lang="en-US" dirty="0" smtClean="0"/>
+              <a:t>-swarm</a:t>
+            </a:r>
+            <a:endParaRPr lang="en-US" dirty="0"/>
+          </a:p>
+        </p:txBody>
+      </p:sp>
+      <p:cxnSp>
+        <p:nvCxnSpPr>
+          <p:cNvPr id="24" name="Straight Arrow Connector 23"/>
+          <p:cNvCxnSpPr>
+            <a:stCxn id="11" idx="6"/>
+          </p:cNvCxnSpPr>
+          <p:nvPr/>
+        </p:nvCxnSpPr>
+        <p:spPr>
+          <a:xfrm>
+            <a:off x="2514600" y="838200"/>
+            <a:ext cx="228600" cy="38100"/>
+          </a:xfrm>
+          <a:prstGeom prst="straightConnector1">
+            <a:avLst/>
+          </a:prstGeom>
+          <a:ln>
+            <a:tailEnd type="arrow"/>
+          </a:ln>
+        </p:spPr>
+        <p:style>
+          <a:lnRef idx="1">
+            <a:schemeClr val="accent1"/>
+          </a:lnRef>
+          <a:fillRef idx="0">
+            <a:schemeClr val="accent1"/>
+          </a:fillRef>
+          <a:effectRef idx="0">
+            <a:schemeClr val="accent1"/>
+          </a:effectRef>
+          <a:fontRef idx="minor">
+            <a:schemeClr val="tx1"/>
+          </a:fontRef>
+        </p:style>
+      </p:cxnSp>
+      <p:sp>
+        <p:nvSpPr>
+          <p:cNvPr id="25" name="Rectangle 24"/>
+          <p:cNvSpPr/>
+          <p:nvPr/>
+        </p:nvSpPr>
+        <p:spPr>
+          <a:xfrm>
+            <a:off x="8229600" y="1257300"/>
+            <a:ext cx="457200" cy="381000"/>
+          </a:xfrm>
+          <a:prstGeom prst="rect">
+            <a:avLst/>
+          </a:prstGeom>
+        </p:spPr>
+        <p:style>
+          <a:lnRef idx="2">
+            <a:schemeClr val="accent1">
+              <a:shade val="50000"/>
+            </a:schemeClr>
+          </a:lnRef>
+          <a:fillRef idx="1">
+            <a:schemeClr val="accent1"/>
+          </a:fillRef>
+          <a:effectRef idx="0">
+            <a:schemeClr val="accent1"/>
+          </a:effectRef>
+          <a:fontRef idx="minor">
+            <a:schemeClr val="lt1"/>
+          </a:fontRef>
+        </p:style>
+        <p:txBody>
+          <a:bodyPr rtlCol="0" anchor="ctr"/>
+          <a:lstStyle/>
+          <a:p>
+            <a:pPr algn="ctr"/>
+            <a:r>
+              <a:rPr lang="en-US" dirty="0" smtClean="0"/>
+              <a:t>files</a:t>
+            </a:r>
+            <a:endParaRPr lang="en-US" dirty="0"/>
+          </a:p>
+        </p:txBody>
+      </p:sp>
+    </p:spTree>
+  </p:cSld>
+  <p:clrMapOvr>
+    <a:masterClrMapping/>
+  </p:clrMapOvr>
+</p:sld>
+</file>
+
+<file path=ppt/slides/slide13.xml><?xml version="1.0" encoding="utf-8"?>
+<p:sld xmlns:a="http://schemas.openxmlformats.org/drawingml/2006/main" xmlns:r="http://schemas.openxmlformats.org/officeDocument/2006/relationships" xmlns:p="http://schemas.openxmlformats.org/presentationml/2006/main">
+  <p:cSld>
+    <p:spTree>
+      <p:nvGrpSpPr>
+        <p:cNvPr id="1" name=""/>
+        <p:cNvGrpSpPr/>
+        <p:nvPr/>
+      </p:nvGrpSpPr>
+      <p:grpSpPr>
+        <a:xfrm>
+          <a:off x="0" y="0"/>
+          <a:ext cx="0" cy="0"/>
+          <a:chOff x="0" y="0"/>
+          <a:chExt cx="0" cy="0"/>
+        </a:xfrm>
+      </p:grpSpPr>
+      <p:sp>
+        <p:nvSpPr>
+          <p:cNvPr id="2" name="TextBox 1"/>
+          <p:cNvSpPr txBox="1"/>
+          <p:nvPr/>
+        </p:nvSpPr>
+        <p:spPr>
+          <a:xfrm>
+            <a:off x="152400" y="160972"/>
+            <a:ext cx="4030462" cy="1754326"/>
+          </a:xfrm>
+          <a:prstGeom prst="rect">
+            <a:avLst/>
+          </a:prstGeom>
+          <a:noFill/>
+        </p:spPr>
+        <p:txBody>
+          <a:bodyPr wrap="none" rtlCol="0">
+            <a:spAutoFit/>
+          </a:bodyPr>
+          <a:lstStyle/>
+          <a:p>
+            <a:r>
+              <a:rPr lang="en-US" dirty="0" err="1" smtClean="0"/>
+              <a:t>Docker</a:t>
+            </a:r>
+            <a:r>
+              <a:rPr lang="en-US" dirty="0" smtClean="0"/>
+              <a:t>-swarm</a:t>
+            </a:r>
+          </a:p>
+          <a:p>
+            <a:pPr marL="342900" indent="-342900">
+              <a:buAutoNum type="arabicPeriod"/>
+            </a:pPr>
+            <a:r>
+              <a:rPr lang="en-US" dirty="0" smtClean="0"/>
+              <a:t>Open source, natively tied to </a:t>
+            </a:r>
+            <a:r>
+              <a:rPr lang="en-US" dirty="0" err="1" smtClean="0"/>
+              <a:t>Docker</a:t>
+            </a:r>
+            <a:endParaRPr lang="en-US" dirty="0" smtClean="0"/>
+          </a:p>
+          <a:p>
+            <a:pPr marL="342900" indent="-342900">
+              <a:buAutoNum type="arabicPeriod"/>
+            </a:pPr>
+            <a:r>
+              <a:rPr lang="en-US" dirty="0" smtClean="0"/>
+              <a:t>Fairly new – not battle tested</a:t>
+            </a:r>
+          </a:p>
+          <a:p>
+            <a:pPr marL="342900" indent="-342900">
+              <a:buAutoNum type="arabicPeriod"/>
+            </a:pPr>
+            <a:r>
+              <a:rPr lang="en-US" dirty="0" smtClean="0"/>
+              <a:t>Learning curve is easy</a:t>
+            </a:r>
+          </a:p>
+          <a:p>
+            <a:pPr marL="342900" indent="-342900">
+              <a:buAutoNum type="arabicPeriod"/>
+            </a:pPr>
+            <a:r>
+              <a:rPr lang="en-US" dirty="0" smtClean="0"/>
+              <a:t>Networking – default </a:t>
+            </a:r>
+            <a:r>
+              <a:rPr lang="en-US" dirty="0" err="1" smtClean="0"/>
+              <a:t>docker</a:t>
+            </a:r>
+            <a:r>
+              <a:rPr lang="en-US" dirty="0" smtClean="0"/>
+              <a:t> network</a:t>
+            </a:r>
+          </a:p>
+          <a:p>
+            <a:pPr marL="342900" indent="-342900">
+              <a:buAutoNum type="arabicPeriod"/>
+            </a:pPr>
+            <a:r>
+              <a:rPr lang="en-US" dirty="0" smtClean="0"/>
+              <a:t>Vendor lock-in</a:t>
+            </a:r>
+            <a:endParaRPr lang="en-US" dirty="0"/>
+          </a:p>
+        </p:txBody>
+      </p:sp>
+      <p:sp>
+        <p:nvSpPr>
+          <p:cNvPr id="3" name="TextBox 2"/>
+          <p:cNvSpPr txBox="1"/>
+          <p:nvPr/>
+        </p:nvSpPr>
+        <p:spPr>
+          <a:xfrm>
+            <a:off x="4495800" y="190500"/>
+            <a:ext cx="4747838" cy="1754326"/>
+          </a:xfrm>
+          <a:prstGeom prst="rect">
+            <a:avLst/>
+          </a:prstGeom>
+          <a:noFill/>
+        </p:spPr>
+        <p:txBody>
+          <a:bodyPr wrap="none" rtlCol="0">
+            <a:spAutoFit/>
+          </a:bodyPr>
+          <a:lstStyle/>
+          <a:p>
+            <a:r>
+              <a:rPr lang="en-US" dirty="0" smtClean="0"/>
+              <a:t>K8s</a:t>
+            </a:r>
+          </a:p>
+          <a:p>
+            <a:pPr marL="342900" indent="-342900">
+              <a:buAutoNum type="arabicPeriod"/>
+            </a:pPr>
+            <a:r>
+              <a:rPr lang="en-US" dirty="0" smtClean="0"/>
+              <a:t>Open source, no tie with </a:t>
+            </a:r>
+            <a:r>
+              <a:rPr lang="en-US" dirty="0" err="1" smtClean="0"/>
+              <a:t>Docker</a:t>
+            </a:r>
+            <a:endParaRPr lang="en-US" dirty="0" smtClean="0"/>
+          </a:p>
+          <a:p>
+            <a:pPr marL="342900" indent="-342900">
+              <a:buAutoNum type="arabicPeriod"/>
+            </a:pPr>
+            <a:r>
+              <a:rPr lang="en-US" dirty="0" smtClean="0"/>
+              <a:t>Bench marked on 10000’s nodes</a:t>
+            </a:r>
+          </a:p>
+          <a:p>
+            <a:pPr marL="342900" indent="-342900">
+              <a:buAutoNum type="arabicPeriod"/>
+            </a:pPr>
+            <a:r>
+              <a:rPr lang="en-US" dirty="0" err="1" smtClean="0"/>
+              <a:t>Learngin</a:t>
+            </a:r>
+            <a:r>
+              <a:rPr lang="en-US" dirty="0" smtClean="0"/>
+              <a:t> curve is steep- new terms, concepts</a:t>
+            </a:r>
+          </a:p>
+          <a:p>
+            <a:pPr marL="342900" indent="-342900">
+              <a:buAutoNum type="arabicPeriod"/>
+            </a:pPr>
+            <a:r>
+              <a:rPr lang="en-US" dirty="0" smtClean="0"/>
+              <a:t>Networking – brings its own networking</a:t>
+            </a:r>
+          </a:p>
+          <a:p>
+            <a:pPr marL="342900" indent="-342900">
+              <a:buAutoNum type="arabicPeriod"/>
+            </a:pPr>
+            <a:r>
+              <a:rPr lang="en-US" dirty="0" smtClean="0"/>
+              <a:t>No vendor lock in</a:t>
+            </a:r>
+            <a:endParaRPr lang="en-US" dirty="0"/>
+          </a:p>
+        </p:txBody>
+      </p:sp>
+      <p:sp>
+        <p:nvSpPr>
+          <p:cNvPr id="4" name="Rectangle 3"/>
+          <p:cNvSpPr/>
+          <p:nvPr/>
+        </p:nvSpPr>
+        <p:spPr>
+          <a:xfrm>
+            <a:off x="6248400" y="2781300"/>
+            <a:ext cx="304800" cy="1905000"/>
+          </a:xfrm>
+          <a:prstGeom prst="rect">
+            <a:avLst/>
+          </a:prstGeom>
+        </p:spPr>
+        <p:style>
+          <a:lnRef idx="2">
+            <a:schemeClr val="accent1">
+              <a:shade val="50000"/>
+            </a:schemeClr>
+          </a:lnRef>
+          <a:fillRef idx="1">
+            <a:schemeClr val="accent1"/>
+          </a:fillRef>
+          <a:effectRef idx="0">
+            <a:schemeClr val="accent1"/>
+          </a:effectRef>
+          <a:fontRef idx="minor">
+            <a:schemeClr val="lt1"/>
+          </a:fontRef>
+        </p:style>
+        <p:txBody>
+          <a:bodyPr rtlCol="0" anchor="ctr"/>
+          <a:lstStyle/>
+          <a:p>
+            <a:pPr algn="ctr"/>
+            <a:r>
+              <a:rPr lang="en-US" dirty="0" err="1" smtClean="0"/>
+              <a:t>docker</a:t>
+            </a:r>
+            <a:endParaRPr lang="en-US" dirty="0"/>
+          </a:p>
+        </p:txBody>
+      </p:sp>
+      <p:cxnSp>
+        <p:nvCxnSpPr>
+          <p:cNvPr id="6" name="Straight Arrow Connector 5"/>
+          <p:cNvCxnSpPr/>
+          <p:nvPr/>
+        </p:nvCxnSpPr>
+        <p:spPr>
+          <a:xfrm flipV="1">
+            <a:off x="6629400" y="2857500"/>
+            <a:ext cx="533400" cy="381000"/>
+          </a:xfrm>
+          <a:prstGeom prst="straightConnector1">
+            <a:avLst/>
+          </a:prstGeom>
+          <a:ln>
+            <a:tailEnd type="arrow"/>
+          </a:ln>
+        </p:spPr>
+        <p:style>
+          <a:lnRef idx="1">
+            <a:schemeClr val="accent1"/>
+          </a:lnRef>
+          <a:fillRef idx="0">
+            <a:schemeClr val="accent1"/>
+          </a:fillRef>
+          <a:effectRef idx="0">
+            <a:schemeClr val="accent1"/>
+          </a:effectRef>
+          <a:fontRef idx="minor">
+            <a:schemeClr val="tx1"/>
+          </a:fontRef>
+        </p:style>
+      </p:cxnSp>
+      <p:sp>
+        <p:nvSpPr>
+          <p:cNvPr id="7" name="Oval 6"/>
+          <p:cNvSpPr/>
+          <p:nvPr/>
+        </p:nvSpPr>
+        <p:spPr>
+          <a:xfrm>
+            <a:off x="7162800" y="2552700"/>
+            <a:ext cx="685800" cy="381000"/>
+          </a:xfrm>
+          <a:prstGeom prst="ellipse">
+            <a:avLst/>
+          </a:prstGeom>
+        </p:spPr>
+        <p:style>
+          <a:lnRef idx="2">
+            <a:schemeClr val="accent1">
+              <a:shade val="50000"/>
+            </a:schemeClr>
+          </a:lnRef>
+          <a:fillRef idx="1">
+            <a:schemeClr val="accent1"/>
+          </a:fillRef>
+          <a:effectRef idx="0">
+            <a:schemeClr val="accent1"/>
+          </a:effectRef>
+          <a:fontRef idx="minor">
+            <a:schemeClr val="lt1"/>
+          </a:fontRef>
+        </p:style>
+        <p:txBody>
+          <a:bodyPr rtlCol="0" anchor="ctr"/>
+          <a:lstStyle/>
+          <a:p>
+            <a:pPr algn="ctr"/>
+            <a:endParaRPr lang="en-US"/>
+          </a:p>
+        </p:txBody>
+      </p:sp>
+      <p:sp>
+        <p:nvSpPr>
+          <p:cNvPr id="8" name="Rectangle 7"/>
+          <p:cNvSpPr/>
+          <p:nvPr/>
+        </p:nvSpPr>
+        <p:spPr>
+          <a:xfrm>
+            <a:off x="5257800" y="2781300"/>
+            <a:ext cx="304800" cy="2057400"/>
+          </a:xfrm>
+          <a:prstGeom prst="rect">
+            <a:avLst/>
+          </a:prstGeom>
+        </p:spPr>
+        <p:style>
+          <a:lnRef idx="2">
+            <a:schemeClr val="accent1">
+              <a:shade val="50000"/>
+            </a:schemeClr>
+          </a:lnRef>
+          <a:fillRef idx="1">
+            <a:schemeClr val="accent1"/>
+          </a:fillRef>
+          <a:effectRef idx="0">
+            <a:schemeClr val="accent1"/>
+          </a:effectRef>
+          <a:fontRef idx="minor">
+            <a:schemeClr val="lt1"/>
+          </a:fontRef>
+        </p:style>
+        <p:txBody>
+          <a:bodyPr rtlCol="0" anchor="ctr"/>
+          <a:lstStyle/>
+          <a:p>
+            <a:pPr algn="ctr"/>
+            <a:r>
+              <a:rPr lang="en-US" dirty="0" smtClean="0"/>
+              <a:t>adapter</a:t>
+            </a:r>
+            <a:endParaRPr lang="en-US" dirty="0"/>
+          </a:p>
+        </p:txBody>
+      </p:sp>
+      <p:sp>
+        <p:nvSpPr>
+          <p:cNvPr id="9" name="TextBox 8"/>
+          <p:cNvSpPr txBox="1"/>
+          <p:nvPr/>
+        </p:nvSpPr>
+        <p:spPr>
+          <a:xfrm>
+            <a:off x="3124200" y="3543300"/>
+            <a:ext cx="495649" cy="369332"/>
+          </a:xfrm>
+          <a:prstGeom prst="rect">
+            <a:avLst/>
+          </a:prstGeom>
+          <a:noFill/>
+        </p:spPr>
+        <p:txBody>
+          <a:bodyPr wrap="none" rtlCol="0">
+            <a:spAutoFit/>
+          </a:bodyPr>
+          <a:lstStyle/>
+          <a:p>
+            <a:r>
+              <a:rPr lang="en-US" dirty="0" smtClean="0"/>
+              <a:t>k8s</a:t>
+            </a:r>
+            <a:endParaRPr lang="en-US" dirty="0"/>
+          </a:p>
+        </p:txBody>
+      </p:sp>
+      <p:cxnSp>
+        <p:nvCxnSpPr>
+          <p:cNvPr id="11" name="Straight Arrow Connector 10"/>
+          <p:cNvCxnSpPr>
+            <a:stCxn id="9" idx="3"/>
+            <a:endCxn id="8" idx="1"/>
+          </p:cNvCxnSpPr>
+          <p:nvPr/>
+        </p:nvCxnSpPr>
+        <p:spPr>
+          <a:xfrm>
+            <a:off x="3619849" y="3727966"/>
+            <a:ext cx="1637951" cy="82034"/>
+          </a:xfrm>
+          <a:prstGeom prst="straightConnector1">
+            <a:avLst/>
+          </a:prstGeom>
+          <a:ln>
+            <a:tailEnd type="arrow"/>
+          </a:ln>
+        </p:spPr>
+        <p:style>
+          <a:lnRef idx="1">
+            <a:schemeClr val="accent1"/>
+          </a:lnRef>
+          <a:fillRef idx="0">
+            <a:schemeClr val="accent1"/>
+          </a:fillRef>
+          <a:effectRef idx="0">
+            <a:schemeClr val="accent1"/>
+          </a:effectRef>
+          <a:fontRef idx="minor">
+            <a:schemeClr val="tx1"/>
+          </a:fontRef>
+        </p:style>
+      </p:cxnSp>
+      <p:cxnSp>
+        <p:nvCxnSpPr>
+          <p:cNvPr id="13" name="Straight Arrow Connector 12"/>
+          <p:cNvCxnSpPr>
+            <a:stCxn id="8" idx="3"/>
+            <a:endCxn id="4" idx="1"/>
+          </p:cNvCxnSpPr>
+          <p:nvPr/>
+        </p:nvCxnSpPr>
+        <p:spPr>
+          <a:xfrm flipV="1">
+            <a:off x="5562600" y="3733800"/>
+            <a:ext cx="685800" cy="76200"/>
+          </a:xfrm>
+          <a:prstGeom prst="straightConnector1">
+            <a:avLst/>
+          </a:prstGeom>
+          <a:ln>
+            <a:tailEnd type="arrow"/>
+          </a:ln>
+        </p:spPr>
+        <p:style>
+          <a:lnRef idx="1">
+            <a:schemeClr val="accent1"/>
+          </a:lnRef>
+          <a:fillRef idx="0">
+            <a:schemeClr val="accent1"/>
+          </a:fillRef>
+          <a:effectRef idx="0">
+            <a:schemeClr val="accent1"/>
+          </a:effectRef>
+          <a:fontRef idx="minor">
+            <a:schemeClr val="tx1"/>
+          </a:fontRef>
+        </p:style>
+      </p:cxnSp>
+      <p:sp>
+        <p:nvSpPr>
+          <p:cNvPr id="14" name="TextBox 13"/>
+          <p:cNvSpPr txBox="1"/>
+          <p:nvPr/>
+        </p:nvSpPr>
+        <p:spPr>
+          <a:xfrm>
+            <a:off x="6934200" y="5143500"/>
+            <a:ext cx="1518429" cy="369332"/>
+          </a:xfrm>
+          <a:prstGeom prst="rect">
+            <a:avLst/>
+          </a:prstGeom>
+          <a:noFill/>
+        </p:spPr>
+        <p:txBody>
+          <a:bodyPr wrap="none" rtlCol="0">
+            <a:spAutoFit/>
+          </a:bodyPr>
+          <a:lstStyle/>
+          <a:p>
+            <a:r>
+              <a:rPr lang="en-US" dirty="0" err="1" smtClean="0"/>
+              <a:t>Docker</a:t>
+            </a:r>
+            <a:r>
+              <a:rPr lang="en-US" dirty="0" smtClean="0"/>
+              <a:t> swarm</a:t>
+            </a:r>
+            <a:endParaRPr lang="en-US" dirty="0"/>
+          </a:p>
+        </p:txBody>
+      </p:sp>
+      <p:cxnSp>
+        <p:nvCxnSpPr>
+          <p:cNvPr id="16" name="Straight Arrow Connector 15"/>
+          <p:cNvCxnSpPr>
+            <a:stCxn id="14" idx="0"/>
+            <a:endCxn id="4" idx="2"/>
+          </p:cNvCxnSpPr>
+          <p:nvPr/>
+        </p:nvCxnSpPr>
+        <p:spPr>
+          <a:xfrm flipH="1" flipV="1">
+            <a:off x="6400800" y="4686300"/>
+            <a:ext cx="1292615" cy="457200"/>
+          </a:xfrm>
+          <a:prstGeom prst="straightConnector1">
+            <a:avLst/>
+          </a:prstGeom>
+          <a:ln>
+            <a:tailEnd type="arrow"/>
+          </a:ln>
+        </p:spPr>
+        <p:style>
+          <a:lnRef idx="1">
+            <a:schemeClr val="accent1"/>
+          </a:lnRef>
+          <a:fillRef idx="0">
+            <a:schemeClr val="accent1"/>
+          </a:fillRef>
+          <a:effectRef idx="0">
+            <a:schemeClr val="accent1"/>
+          </a:effectRef>
+          <a:fontRef idx="minor">
+            <a:schemeClr val="tx1"/>
+          </a:fontRef>
+        </p:style>
+      </p:cxnSp>
+    </p:spTree>
+  </p:cSld>
+  <p:clrMapOvr>
+    <a:masterClrMapping/>
+  </p:clrMapOvr>
+</p:sld>
+</file>
+
+<file path=ppt/slides/slide14.xml><?xml version="1.0" encoding="utf-8"?>
+<p:sld xmlns:a="http://schemas.openxmlformats.org/drawingml/2006/main" xmlns:r="http://schemas.openxmlformats.org/officeDocument/2006/relationships" xmlns:p="http://schemas.openxmlformats.org/presentationml/2006/main">
+  <p:cSld>
+    <p:spTree>
+      <p:nvGrpSpPr>
+        <p:cNvPr id="1" name=""/>
+        <p:cNvGrpSpPr/>
+        <p:nvPr/>
+      </p:nvGrpSpPr>
+      <p:grpSpPr>
+        <a:xfrm>
+          <a:off x="0" y="0"/>
+          <a:ext cx="0" cy="0"/>
+          <a:chOff x="0" y="0"/>
+          <a:chExt cx="0" cy="0"/>
+        </a:xfrm>
+      </p:grpSpPr>
+      <p:sp>
+        <p:nvSpPr>
+          <p:cNvPr id="2" name="Rectangle 1"/>
+          <p:cNvSpPr/>
+          <p:nvPr/>
+        </p:nvSpPr>
+        <p:spPr>
+          <a:xfrm>
+            <a:off x="3733800" y="419100"/>
+            <a:ext cx="4724400" cy="4495800"/>
+          </a:xfrm>
+          <a:prstGeom prst="rect">
+            <a:avLst/>
+          </a:prstGeom>
+          <a:noFill/>
+        </p:spPr>
+        <p:style>
+          <a:lnRef idx="2">
+            <a:schemeClr val="accent1">
+              <a:shade val="50000"/>
+            </a:schemeClr>
+          </a:lnRef>
+          <a:fillRef idx="1">
+            <a:schemeClr val="accent1"/>
+          </a:fillRef>
+          <a:effectRef idx="0">
+            <a:schemeClr val="accent1"/>
+          </a:effectRef>
+          <a:fontRef idx="minor">
+            <a:schemeClr val="lt1"/>
+          </a:fontRef>
+        </p:style>
+        <p:txBody>
+          <a:bodyPr rtlCol="0" anchor="ctr"/>
+          <a:lstStyle/>
+          <a:p>
+            <a:pPr algn="ctr"/>
+            <a:endParaRPr lang="en-US"/>
+          </a:p>
+        </p:txBody>
+      </p:sp>
+      <p:sp>
+        <p:nvSpPr>
+          <p:cNvPr id="3" name="TextBox 2"/>
+          <p:cNvSpPr txBox="1"/>
+          <p:nvPr/>
+        </p:nvSpPr>
+        <p:spPr>
+          <a:xfrm>
+            <a:off x="3733800" y="419100"/>
+            <a:ext cx="2592633" cy="369332"/>
+          </a:xfrm>
+          <a:prstGeom prst="rect">
+            <a:avLst/>
+          </a:prstGeom>
+          <a:noFill/>
+        </p:spPr>
+        <p:txBody>
+          <a:bodyPr wrap="none" rtlCol="0">
+            <a:spAutoFit/>
+          </a:bodyPr>
+          <a:lstStyle/>
+          <a:p>
+            <a:r>
+              <a:rPr lang="en-US" dirty="0" smtClean="0"/>
+              <a:t>Minikube:192.168.99.100</a:t>
+            </a:r>
+            <a:endParaRPr lang="en-US" dirty="0"/>
+          </a:p>
+        </p:txBody>
+      </p:sp>
+      <p:sp>
+        <p:nvSpPr>
+          <p:cNvPr id="4" name="Freeform 3"/>
+          <p:cNvSpPr/>
+          <p:nvPr/>
+        </p:nvSpPr>
+        <p:spPr>
+          <a:xfrm>
+            <a:off x="4080510" y="3726180"/>
+            <a:ext cx="194310" cy="1051560"/>
+          </a:xfrm>
+          <a:custGeom>
+            <a:avLst/>
+            <a:gdLst>
+              <a:gd name="connsiteX0" fmla="*/ 137160 w 194310"/>
+              <a:gd name="connsiteY0" fmla="*/ 0 h 1051560"/>
+              <a:gd name="connsiteX1" fmla="*/ 45720 w 194310"/>
+              <a:gd name="connsiteY1" fmla="*/ 91440 h 1051560"/>
+              <a:gd name="connsiteX2" fmla="*/ 0 w 194310"/>
+              <a:gd name="connsiteY2" fmla="*/ 297180 h 1051560"/>
+              <a:gd name="connsiteX3" fmla="*/ 91440 w 194310"/>
+              <a:gd name="connsiteY3" fmla="*/ 434340 h 1051560"/>
+              <a:gd name="connsiteX4" fmla="*/ 125730 w 194310"/>
+              <a:gd name="connsiteY4" fmla="*/ 445770 h 1051560"/>
+              <a:gd name="connsiteX5" fmla="*/ 137160 w 194310"/>
+              <a:gd name="connsiteY5" fmla="*/ 491490 h 1051560"/>
+              <a:gd name="connsiteX6" fmla="*/ 171450 w 194310"/>
+              <a:gd name="connsiteY6" fmla="*/ 548640 h 1051560"/>
+              <a:gd name="connsiteX7" fmla="*/ 182880 w 194310"/>
+              <a:gd name="connsiteY7" fmla="*/ 617220 h 1051560"/>
+              <a:gd name="connsiteX8" fmla="*/ 194310 w 194310"/>
+              <a:gd name="connsiteY8" fmla="*/ 822960 h 1051560"/>
+              <a:gd name="connsiteX9" fmla="*/ 182880 w 194310"/>
+              <a:gd name="connsiteY9" fmla="*/ 1017270 h 1051560"/>
+              <a:gd name="connsiteX10" fmla="*/ 182880 w 194310"/>
+              <a:gd name="connsiteY10" fmla="*/ 1051560 h 1051560"/>
+            </a:gdLst>
+            <a:ahLst/>
+            <a:cxnLst>
+              <a:cxn ang="0">
+                <a:pos x="connsiteX0" y="connsiteY0"/>
+              </a:cxn>
+              <a:cxn ang="0">
+                <a:pos x="connsiteX1" y="connsiteY1"/>
+              </a:cxn>
+              <a:cxn ang="0">
+                <a:pos x="connsiteX2" y="connsiteY2"/>
+              </a:cxn>
+              <a:cxn ang="0">
+                <a:pos x="connsiteX3" y="connsiteY3"/>
+              </a:cxn>
+              <a:cxn ang="0">
+                <a:pos x="connsiteX4" y="connsiteY4"/>
+              </a:cxn>
+              <a:cxn ang="0">
+                <a:pos x="connsiteX5" y="connsiteY5"/>
+              </a:cxn>
+              <a:cxn ang="0">
+                <a:pos x="connsiteX6" y="connsiteY6"/>
+              </a:cxn>
+              <a:cxn ang="0">
+                <a:pos x="connsiteX7" y="connsiteY7"/>
+              </a:cxn>
+              <a:cxn ang="0">
+                <a:pos x="connsiteX8" y="connsiteY8"/>
+              </a:cxn>
+              <a:cxn ang="0">
+                <a:pos x="connsiteX9" y="connsiteY9"/>
+              </a:cxn>
+              <a:cxn ang="0">
+                <a:pos x="connsiteX10" y="connsiteY10"/>
+              </a:cxn>
+            </a:cxnLst>
+            <a:rect l="l" t="t" r="r" b="b"/>
+            <a:pathLst>
+              <a:path w="194310" h="1051560">
+                <a:moveTo>
+                  <a:pt x="137160" y="0"/>
+                </a:moveTo>
+                <a:cubicBezTo>
+                  <a:pt x="106680" y="30480"/>
+                  <a:pt x="68197" y="54659"/>
+                  <a:pt x="45720" y="91440"/>
+                </a:cubicBezTo>
+                <a:cubicBezTo>
+                  <a:pt x="14101" y="143180"/>
+                  <a:pt x="7485" y="237300"/>
+                  <a:pt x="0" y="297180"/>
+                </a:cubicBezTo>
+                <a:cubicBezTo>
+                  <a:pt x="27654" y="366316"/>
+                  <a:pt x="23634" y="374068"/>
+                  <a:pt x="91440" y="434340"/>
+                </a:cubicBezTo>
+                <a:cubicBezTo>
+                  <a:pt x="100445" y="442344"/>
+                  <a:pt x="114300" y="441960"/>
+                  <a:pt x="125730" y="445770"/>
+                </a:cubicBezTo>
+                <a:cubicBezTo>
+                  <a:pt x="129540" y="461010"/>
+                  <a:pt x="130780" y="477135"/>
+                  <a:pt x="137160" y="491490"/>
+                </a:cubicBezTo>
+                <a:cubicBezTo>
+                  <a:pt x="146183" y="511791"/>
+                  <a:pt x="163858" y="527762"/>
+                  <a:pt x="171450" y="548640"/>
+                </a:cubicBezTo>
+                <a:cubicBezTo>
+                  <a:pt x="179370" y="570420"/>
+                  <a:pt x="179070" y="594360"/>
+                  <a:pt x="182880" y="617220"/>
+                </a:cubicBezTo>
+                <a:cubicBezTo>
+                  <a:pt x="186690" y="685800"/>
+                  <a:pt x="194310" y="754274"/>
+                  <a:pt x="194310" y="822960"/>
+                </a:cubicBezTo>
+                <a:cubicBezTo>
+                  <a:pt x="194310" y="887842"/>
+                  <a:pt x="186120" y="952469"/>
+                  <a:pt x="182880" y="1017270"/>
+                </a:cubicBezTo>
+                <a:cubicBezTo>
+                  <a:pt x="182309" y="1028686"/>
+                  <a:pt x="182880" y="1040130"/>
+                  <a:pt x="182880" y="1051560"/>
+                </a:cubicBezTo>
+              </a:path>
+            </a:pathLst>
+          </a:custGeom>
+        </p:spPr>
+        <p:style>
+          <a:lnRef idx="1">
+            <a:schemeClr val="accent1"/>
+          </a:lnRef>
+          <a:fillRef idx="0">
+            <a:schemeClr val="accent1"/>
+          </a:fillRef>
+          <a:effectRef idx="0">
+            <a:schemeClr val="accent1"/>
+          </a:effectRef>
+          <a:fontRef idx="minor">
+            <a:schemeClr val="tx1"/>
+          </a:fontRef>
+        </p:style>
+        <p:txBody>
+          <a:bodyPr rtlCol="0" anchor="ctr"/>
+          <a:lstStyle/>
+          <a:p>
+            <a:pPr algn="ctr"/>
+            <a:endParaRPr lang="en-US"/>
+          </a:p>
+        </p:txBody>
+      </p:sp>
+      <p:sp>
+        <p:nvSpPr>
+          <p:cNvPr id="5" name="TextBox 4"/>
+          <p:cNvSpPr txBox="1"/>
+          <p:nvPr/>
+        </p:nvSpPr>
+        <p:spPr>
+          <a:xfrm>
+            <a:off x="4267200" y="4152900"/>
+            <a:ext cx="937116" cy="369332"/>
+          </a:xfrm>
+          <a:prstGeom prst="rect">
+            <a:avLst/>
+          </a:prstGeom>
+          <a:noFill/>
+        </p:spPr>
+        <p:txBody>
+          <a:bodyPr wrap="none" rtlCol="0">
+            <a:spAutoFit/>
+          </a:bodyPr>
+          <a:lstStyle/>
+          <a:p>
+            <a:r>
+              <a:rPr lang="en-US" dirty="0" err="1" smtClean="0"/>
+              <a:t>dockerd</a:t>
+            </a:r>
+            <a:endParaRPr lang="en-US" dirty="0"/>
+          </a:p>
+        </p:txBody>
+      </p:sp>
+      <p:sp>
+        <p:nvSpPr>
+          <p:cNvPr id="7" name="Isosceles Triangle 6"/>
+          <p:cNvSpPr/>
+          <p:nvPr/>
+        </p:nvSpPr>
+        <p:spPr>
+          <a:xfrm>
+            <a:off x="838200" y="2171700"/>
+            <a:ext cx="533400" cy="762000"/>
+          </a:xfrm>
+          <a:prstGeom prst="triangle">
+            <a:avLst/>
+          </a:prstGeom>
+        </p:spPr>
+        <p:style>
+          <a:lnRef idx="2">
+            <a:schemeClr val="accent1">
+              <a:shade val="50000"/>
+            </a:schemeClr>
+          </a:lnRef>
+          <a:fillRef idx="1">
+            <a:schemeClr val="accent1"/>
+          </a:fillRef>
+          <a:effectRef idx="0">
+            <a:schemeClr val="accent1"/>
+          </a:effectRef>
+          <a:fontRef idx="minor">
+            <a:schemeClr val="lt1"/>
+          </a:fontRef>
+        </p:style>
+        <p:txBody>
+          <a:bodyPr rtlCol="0" anchor="ctr"/>
+          <a:lstStyle/>
+          <a:p>
+            <a:pPr algn="ctr"/>
+            <a:endParaRPr lang="en-US"/>
+          </a:p>
+        </p:txBody>
+      </p:sp>
+      <p:sp>
+        <p:nvSpPr>
+          <p:cNvPr id="6" name="Rectangle 5"/>
+          <p:cNvSpPr/>
+          <p:nvPr/>
+        </p:nvSpPr>
+        <p:spPr>
+          <a:xfrm>
+            <a:off x="228600" y="1409700"/>
+            <a:ext cx="1828800" cy="1219200"/>
+          </a:xfrm>
+          <a:prstGeom prst="rect">
+            <a:avLst/>
+          </a:prstGeom>
+        </p:spPr>
+        <p:style>
+          <a:lnRef idx="2">
+            <a:schemeClr val="accent1">
+              <a:shade val="50000"/>
+            </a:schemeClr>
+          </a:lnRef>
+          <a:fillRef idx="1">
+            <a:schemeClr val="accent1"/>
+          </a:fillRef>
+          <a:effectRef idx="0">
+            <a:schemeClr val="accent1"/>
+          </a:effectRef>
+          <a:fontRef idx="minor">
+            <a:schemeClr val="lt1"/>
+          </a:fontRef>
+        </p:style>
+        <p:txBody>
+          <a:bodyPr rtlCol="0" anchor="ctr"/>
+          <a:lstStyle/>
+          <a:p>
+            <a:pPr algn="ctr"/>
+            <a:r>
+              <a:rPr lang="en-US" dirty="0" err="1" smtClean="0"/>
+              <a:t>Kubectl</a:t>
+            </a:r>
+            <a:r>
+              <a:rPr lang="en-US" dirty="0" smtClean="0"/>
+              <a:t> apply –f pod.yml</a:t>
+            </a:r>
+            <a:endParaRPr lang="en-US" dirty="0"/>
+          </a:p>
+        </p:txBody>
+      </p:sp>
+      <p:sp>
+        <p:nvSpPr>
+          <p:cNvPr id="8" name="Freeform 7"/>
+          <p:cNvSpPr/>
+          <p:nvPr/>
+        </p:nvSpPr>
+        <p:spPr>
+          <a:xfrm>
+            <a:off x="4049129" y="1245870"/>
+            <a:ext cx="117907" cy="960120"/>
+          </a:xfrm>
+          <a:custGeom>
+            <a:avLst/>
+            <a:gdLst>
+              <a:gd name="connsiteX0" fmla="*/ 88531 w 117907"/>
+              <a:gd name="connsiteY0" fmla="*/ 0 h 960120"/>
+              <a:gd name="connsiteX1" fmla="*/ 31381 w 117907"/>
+              <a:gd name="connsiteY1" fmla="*/ 68580 h 960120"/>
+              <a:gd name="connsiteX2" fmla="*/ 8521 w 117907"/>
+              <a:gd name="connsiteY2" fmla="*/ 137160 h 960120"/>
+              <a:gd name="connsiteX3" fmla="*/ 19951 w 117907"/>
+              <a:gd name="connsiteY3" fmla="*/ 262890 h 960120"/>
+              <a:gd name="connsiteX4" fmla="*/ 88531 w 117907"/>
+              <a:gd name="connsiteY4" fmla="*/ 285750 h 960120"/>
+              <a:gd name="connsiteX5" fmla="*/ 77101 w 117907"/>
+              <a:gd name="connsiteY5" fmla="*/ 514350 h 960120"/>
+              <a:gd name="connsiteX6" fmla="*/ 42811 w 117907"/>
+              <a:gd name="connsiteY6" fmla="*/ 560070 h 960120"/>
+              <a:gd name="connsiteX7" fmla="*/ 31381 w 117907"/>
+              <a:gd name="connsiteY7" fmla="*/ 960120 h 960120"/>
+            </a:gdLst>
+            <a:ahLst/>
+            <a:cxnLst>
+              <a:cxn ang="0">
+                <a:pos x="connsiteX0" y="connsiteY0"/>
+              </a:cxn>
+              <a:cxn ang="0">
+                <a:pos x="connsiteX1" y="connsiteY1"/>
+              </a:cxn>
+              <a:cxn ang="0">
+                <a:pos x="connsiteX2" y="connsiteY2"/>
+              </a:cxn>
+              <a:cxn ang="0">
+                <a:pos x="connsiteX3" y="connsiteY3"/>
+              </a:cxn>
+              <a:cxn ang="0">
+                <a:pos x="connsiteX4" y="connsiteY4"/>
+              </a:cxn>
+              <a:cxn ang="0">
+                <a:pos x="connsiteX5" y="connsiteY5"/>
+              </a:cxn>
+              <a:cxn ang="0">
+                <a:pos x="connsiteX6" y="connsiteY6"/>
+              </a:cxn>
+              <a:cxn ang="0">
+                <a:pos x="connsiteX7" y="connsiteY7"/>
+              </a:cxn>
+            </a:cxnLst>
+            <a:rect l="l" t="t" r="r" b="b"/>
+            <a:pathLst>
+              <a:path w="117907" h="960120">
+                <a:moveTo>
+                  <a:pt x="88531" y="0"/>
+                </a:moveTo>
+                <a:cubicBezTo>
+                  <a:pt x="46441" y="28060"/>
+                  <a:pt x="52474" y="15846"/>
+                  <a:pt x="31381" y="68580"/>
+                </a:cubicBezTo>
+                <a:cubicBezTo>
+                  <a:pt x="22432" y="90953"/>
+                  <a:pt x="8521" y="137160"/>
+                  <a:pt x="8521" y="137160"/>
+                </a:cubicBezTo>
+                <a:cubicBezTo>
+                  <a:pt x="12331" y="179070"/>
+                  <a:pt x="0" y="225837"/>
+                  <a:pt x="19951" y="262890"/>
+                </a:cubicBezTo>
+                <a:cubicBezTo>
+                  <a:pt x="31375" y="284106"/>
+                  <a:pt x="88531" y="285750"/>
+                  <a:pt x="88531" y="285750"/>
+                </a:cubicBezTo>
+                <a:cubicBezTo>
+                  <a:pt x="117907" y="373877"/>
+                  <a:pt x="115862" y="351554"/>
+                  <a:pt x="77101" y="514350"/>
+                </a:cubicBezTo>
+                <a:cubicBezTo>
+                  <a:pt x="72689" y="532882"/>
+                  <a:pt x="54241" y="544830"/>
+                  <a:pt x="42811" y="560070"/>
+                </a:cubicBezTo>
+                <a:cubicBezTo>
+                  <a:pt x="30253" y="899139"/>
+                  <a:pt x="31381" y="765739"/>
+                  <a:pt x="31381" y="960120"/>
+                </a:cubicBezTo>
+              </a:path>
+            </a:pathLst>
+          </a:custGeom>
+        </p:spPr>
+        <p:style>
+          <a:lnRef idx="1">
+            <a:schemeClr val="accent1"/>
+          </a:lnRef>
+          <a:fillRef idx="0">
+            <a:schemeClr val="accent1"/>
+          </a:fillRef>
+          <a:effectRef idx="0">
+            <a:schemeClr val="accent1"/>
+          </a:effectRef>
+          <a:fontRef idx="minor">
+            <a:schemeClr val="tx1"/>
+          </a:fontRef>
+        </p:style>
+        <p:txBody>
+          <a:bodyPr rtlCol="0" anchor="ctr"/>
+          <a:lstStyle/>
+          <a:p>
+            <a:pPr algn="ctr"/>
+            <a:endParaRPr lang="en-US"/>
+          </a:p>
+        </p:txBody>
+      </p:sp>
+      <p:sp>
+        <p:nvSpPr>
+          <p:cNvPr id="9" name="TextBox 8"/>
+          <p:cNvSpPr txBox="1"/>
+          <p:nvPr/>
+        </p:nvSpPr>
+        <p:spPr>
+          <a:xfrm>
+            <a:off x="4038600" y="1485900"/>
+            <a:ext cx="1312090" cy="369332"/>
+          </a:xfrm>
+          <a:prstGeom prst="rect">
+            <a:avLst/>
+          </a:prstGeom>
+          <a:noFill/>
+        </p:spPr>
+        <p:txBody>
+          <a:bodyPr wrap="none" rtlCol="0">
+            <a:spAutoFit/>
+          </a:bodyPr>
+          <a:lstStyle/>
+          <a:p>
+            <a:r>
+              <a:rPr lang="en-US" dirty="0" smtClean="0"/>
+              <a:t>K8s services</a:t>
+            </a:r>
+            <a:endParaRPr lang="en-US" dirty="0"/>
+          </a:p>
+        </p:txBody>
+      </p:sp>
+      <p:cxnSp>
+        <p:nvCxnSpPr>
+          <p:cNvPr id="11" name="Straight Arrow Connector 10"/>
+          <p:cNvCxnSpPr>
+            <a:stCxn id="6" idx="3"/>
+            <a:endCxn id="9" idx="1"/>
+          </p:cNvCxnSpPr>
+          <p:nvPr/>
+        </p:nvCxnSpPr>
+        <p:spPr>
+          <a:xfrm flipV="1">
+            <a:off x="2057400" y="1670566"/>
+            <a:ext cx="1981200" cy="348734"/>
+          </a:xfrm>
+          <a:prstGeom prst="straightConnector1">
+            <a:avLst/>
+          </a:prstGeom>
+          <a:ln>
+            <a:tailEnd type="arrow"/>
+          </a:ln>
+        </p:spPr>
+        <p:style>
+          <a:lnRef idx="1">
+            <a:schemeClr val="accent1"/>
+          </a:lnRef>
+          <a:fillRef idx="0">
+            <a:schemeClr val="accent1"/>
+          </a:fillRef>
+          <a:effectRef idx="0">
+            <a:schemeClr val="accent1"/>
+          </a:effectRef>
+          <a:fontRef idx="minor">
+            <a:schemeClr val="tx1"/>
+          </a:fontRef>
+        </p:style>
+      </p:cxnSp>
+      <p:sp>
+        <p:nvSpPr>
+          <p:cNvPr id="12" name="TextBox 11"/>
+          <p:cNvSpPr txBox="1"/>
+          <p:nvPr/>
+        </p:nvSpPr>
+        <p:spPr>
+          <a:xfrm>
+            <a:off x="2514600" y="1638300"/>
+            <a:ext cx="665439" cy="369332"/>
+          </a:xfrm>
+          <a:prstGeom prst="rect">
+            <a:avLst/>
+          </a:prstGeom>
+          <a:noFill/>
+        </p:spPr>
+        <p:txBody>
+          <a:bodyPr wrap="none" rtlCol="0">
+            <a:spAutoFit/>
+          </a:bodyPr>
+          <a:lstStyle/>
+          <a:p>
+            <a:r>
+              <a:rPr lang="en-US" dirty="0" smtClean="0"/>
+              <a:t>https</a:t>
+            </a:r>
+            <a:endParaRPr lang="en-US" dirty="0"/>
+          </a:p>
+        </p:txBody>
+      </p:sp>
+      <p:cxnSp>
+        <p:nvCxnSpPr>
+          <p:cNvPr id="14" name="Straight Arrow Connector 13"/>
+          <p:cNvCxnSpPr>
+            <a:endCxn id="5" idx="0"/>
+          </p:cNvCxnSpPr>
+          <p:nvPr/>
+        </p:nvCxnSpPr>
+        <p:spPr>
+          <a:xfrm>
+            <a:off x="4191000" y="1943100"/>
+            <a:ext cx="544758" cy="2209800"/>
+          </a:xfrm>
+          <a:prstGeom prst="straightConnector1">
+            <a:avLst/>
+          </a:prstGeom>
+          <a:ln>
+            <a:tailEnd type="arrow"/>
+          </a:ln>
+        </p:spPr>
+        <p:style>
+          <a:lnRef idx="1">
+            <a:schemeClr val="accent1"/>
+          </a:lnRef>
+          <a:fillRef idx="0">
+            <a:schemeClr val="accent1"/>
+          </a:fillRef>
+          <a:effectRef idx="0">
+            <a:schemeClr val="accent1"/>
+          </a:effectRef>
+          <a:fontRef idx="minor">
+            <a:schemeClr val="tx1"/>
+          </a:fontRef>
+        </p:style>
+      </p:cxnSp>
+      <p:cxnSp>
+        <p:nvCxnSpPr>
+          <p:cNvPr id="16" name="Straight Arrow Connector 15"/>
+          <p:cNvCxnSpPr>
+            <a:stCxn id="5" idx="0"/>
+          </p:cNvCxnSpPr>
+          <p:nvPr/>
+        </p:nvCxnSpPr>
+        <p:spPr>
+          <a:xfrm flipV="1">
+            <a:off x="4735758" y="3238500"/>
+            <a:ext cx="674442" cy="914400"/>
+          </a:xfrm>
+          <a:prstGeom prst="straightConnector1">
+            <a:avLst/>
+          </a:prstGeom>
+          <a:ln>
+            <a:tailEnd type="arrow"/>
+          </a:ln>
+        </p:spPr>
+        <p:style>
+          <a:lnRef idx="1">
+            <a:schemeClr val="accent1"/>
+          </a:lnRef>
+          <a:fillRef idx="0">
+            <a:schemeClr val="accent1"/>
+          </a:fillRef>
+          <a:effectRef idx="0">
+            <a:schemeClr val="accent1"/>
+          </a:effectRef>
+          <a:fontRef idx="minor">
+            <a:schemeClr val="tx1"/>
+          </a:fontRef>
+        </p:style>
+      </p:cxnSp>
+      <p:sp>
+        <p:nvSpPr>
+          <p:cNvPr id="17" name="Oval 16"/>
+          <p:cNvSpPr/>
+          <p:nvPr/>
+        </p:nvSpPr>
+        <p:spPr>
+          <a:xfrm>
+            <a:off x="5334000" y="2705100"/>
+            <a:ext cx="1143000" cy="609600"/>
+          </a:xfrm>
+          <a:prstGeom prst="ellipse">
+            <a:avLst/>
+          </a:prstGeom>
+        </p:spPr>
+        <p:style>
+          <a:lnRef idx="2">
+            <a:schemeClr val="accent1">
+              <a:shade val="50000"/>
+            </a:schemeClr>
+          </a:lnRef>
+          <a:fillRef idx="1">
+            <a:schemeClr val="accent1"/>
+          </a:fillRef>
+          <a:effectRef idx="0">
+            <a:schemeClr val="accent1"/>
+          </a:effectRef>
+          <a:fontRef idx="minor">
+            <a:schemeClr val="lt1"/>
+          </a:fontRef>
+        </p:style>
+        <p:txBody>
+          <a:bodyPr rtlCol="0" anchor="ctr"/>
+          <a:lstStyle/>
+          <a:p>
+            <a:pPr algn="ctr"/>
+            <a:r>
+              <a:rPr lang="en-US" dirty="0" smtClean="0"/>
+              <a:t>pod</a:t>
+            </a:r>
+            <a:endParaRPr lang="en-US" dirty="0"/>
+          </a:p>
+        </p:txBody>
+      </p:sp>
+      <p:cxnSp>
+        <p:nvCxnSpPr>
+          <p:cNvPr id="19" name="Straight Arrow Connector 18"/>
+          <p:cNvCxnSpPr>
+            <a:stCxn id="17" idx="4"/>
+          </p:cNvCxnSpPr>
+          <p:nvPr/>
+        </p:nvCxnSpPr>
+        <p:spPr>
+          <a:xfrm flipH="1">
+            <a:off x="5029200" y="3314700"/>
+            <a:ext cx="876300" cy="914400"/>
+          </a:xfrm>
+          <a:prstGeom prst="straightConnector1">
+            <a:avLst/>
+          </a:prstGeom>
+          <a:ln>
+            <a:tailEnd type="arrow"/>
+          </a:ln>
+        </p:spPr>
+        <p:style>
+          <a:lnRef idx="1">
+            <a:schemeClr val="accent1"/>
+          </a:lnRef>
+          <a:fillRef idx="0">
+            <a:schemeClr val="accent1"/>
+          </a:fillRef>
+          <a:effectRef idx="0">
+            <a:schemeClr val="accent1"/>
+          </a:effectRef>
+          <a:fontRef idx="minor">
+            <a:schemeClr val="tx1"/>
+          </a:fontRef>
+        </p:style>
+      </p:cxnSp>
+      <p:cxnSp>
+        <p:nvCxnSpPr>
+          <p:cNvPr id="21" name="Straight Arrow Connector 20"/>
+          <p:cNvCxnSpPr>
+            <a:stCxn id="5" idx="3"/>
+          </p:cNvCxnSpPr>
+          <p:nvPr/>
+        </p:nvCxnSpPr>
+        <p:spPr>
+          <a:xfrm flipV="1">
+            <a:off x="5204316" y="4000500"/>
+            <a:ext cx="1044084" cy="337066"/>
+          </a:xfrm>
+          <a:prstGeom prst="straightConnector1">
+            <a:avLst/>
+          </a:prstGeom>
+          <a:ln>
+            <a:tailEnd type="arrow"/>
+          </a:ln>
+        </p:spPr>
+        <p:style>
+          <a:lnRef idx="1">
+            <a:schemeClr val="accent1"/>
+          </a:lnRef>
+          <a:fillRef idx="0">
+            <a:schemeClr val="accent1"/>
+          </a:fillRef>
+          <a:effectRef idx="0">
+            <a:schemeClr val="accent1"/>
+          </a:effectRef>
+          <a:fontRef idx="minor">
+            <a:schemeClr val="tx1"/>
+          </a:fontRef>
+        </p:style>
+      </p:cxnSp>
+      <p:sp>
+        <p:nvSpPr>
+          <p:cNvPr id="22" name="Oval 21"/>
+          <p:cNvSpPr/>
+          <p:nvPr/>
+        </p:nvSpPr>
+        <p:spPr>
+          <a:xfrm>
+            <a:off x="6324600" y="3619500"/>
+            <a:ext cx="1219200" cy="685800"/>
+          </a:xfrm>
+          <a:prstGeom prst="ellipse">
+            <a:avLst/>
+          </a:prstGeom>
+        </p:spPr>
+        <p:style>
+          <a:lnRef idx="2">
+            <a:schemeClr val="accent1">
+              <a:shade val="50000"/>
+            </a:schemeClr>
+          </a:lnRef>
+          <a:fillRef idx="1">
+            <a:schemeClr val="accent1"/>
+          </a:fillRef>
+          <a:effectRef idx="0">
+            <a:schemeClr val="accent1"/>
+          </a:effectRef>
+          <a:fontRef idx="minor">
+            <a:schemeClr val="lt1"/>
+          </a:fontRef>
+        </p:style>
+        <p:txBody>
+          <a:bodyPr rtlCol="0" anchor="ctr"/>
+          <a:lstStyle/>
+          <a:p>
+            <a:pPr algn="ctr"/>
+            <a:r>
+              <a:rPr lang="en-US" dirty="0" err="1" smtClean="0"/>
+              <a:t>nginx</a:t>
+            </a:r>
+            <a:endParaRPr lang="en-US" dirty="0"/>
+          </a:p>
+        </p:txBody>
+      </p:sp>
+      <p:sp>
+        <p:nvSpPr>
+          <p:cNvPr id="23" name="Rectangle 22"/>
+          <p:cNvSpPr/>
+          <p:nvPr/>
+        </p:nvSpPr>
+        <p:spPr>
+          <a:xfrm>
+            <a:off x="6781800" y="1257300"/>
+            <a:ext cx="1447800" cy="1524000"/>
+          </a:xfrm>
+          <a:prstGeom prst="rect">
+            <a:avLst/>
+          </a:prstGeom>
+          <a:noFill/>
+        </p:spPr>
+        <p:style>
+          <a:lnRef idx="2">
+            <a:schemeClr val="accent1">
+              <a:shade val="50000"/>
+            </a:schemeClr>
+          </a:lnRef>
+          <a:fillRef idx="1">
+            <a:schemeClr val="accent1"/>
+          </a:fillRef>
+          <a:effectRef idx="0">
+            <a:schemeClr val="accent1"/>
+          </a:effectRef>
+          <a:fontRef idx="minor">
+            <a:schemeClr val="lt1"/>
+          </a:fontRef>
+        </p:style>
+        <p:txBody>
+          <a:bodyPr rtlCol="0" anchor="ctr"/>
+          <a:lstStyle/>
+          <a:p>
+            <a:pPr algn="ctr"/>
+            <a:endParaRPr lang="en-US"/>
+          </a:p>
+        </p:txBody>
+      </p:sp>
+      <p:sp>
+        <p:nvSpPr>
+          <p:cNvPr id="24" name="Oval 23"/>
+          <p:cNvSpPr/>
+          <p:nvPr/>
+        </p:nvSpPr>
+        <p:spPr>
+          <a:xfrm>
+            <a:off x="7239000" y="1790700"/>
+            <a:ext cx="990600" cy="533400"/>
+          </a:xfrm>
+          <a:prstGeom prst="ellipse">
+            <a:avLst/>
+          </a:prstGeom>
+        </p:spPr>
+        <p:style>
+          <a:lnRef idx="2">
+            <a:schemeClr val="accent1">
+              <a:shade val="50000"/>
+            </a:schemeClr>
+          </a:lnRef>
+          <a:fillRef idx="1">
+            <a:schemeClr val="accent1"/>
+          </a:fillRef>
+          <a:effectRef idx="0">
+            <a:schemeClr val="accent1"/>
+          </a:effectRef>
+          <a:fontRef idx="minor">
+            <a:schemeClr val="lt1"/>
+          </a:fontRef>
+        </p:style>
+        <p:txBody>
+          <a:bodyPr rtlCol="0" anchor="ctr"/>
+          <a:lstStyle/>
+          <a:p>
+            <a:pPr algn="ctr"/>
+            <a:r>
+              <a:rPr lang="en-US" dirty="0" err="1" smtClean="0"/>
+              <a:t>nginx</a:t>
+            </a:r>
+            <a:endParaRPr lang="en-US" dirty="0"/>
+          </a:p>
+        </p:txBody>
+      </p:sp>
+      <p:sp>
+        <p:nvSpPr>
+          <p:cNvPr id="25" name="TextBox 24"/>
+          <p:cNvSpPr txBox="1"/>
+          <p:nvPr/>
+        </p:nvSpPr>
+        <p:spPr>
+          <a:xfrm>
+            <a:off x="6768944" y="1104900"/>
+            <a:ext cx="1460656" cy="307777"/>
+          </a:xfrm>
+          <a:prstGeom prst="rect">
+            <a:avLst/>
+          </a:prstGeom>
+          <a:noFill/>
+        </p:spPr>
+        <p:txBody>
+          <a:bodyPr wrap="none" rtlCol="0">
+            <a:spAutoFit/>
+          </a:bodyPr>
+          <a:lstStyle/>
+          <a:p>
+            <a:r>
+              <a:rPr lang="en-US" sz="1400" dirty="0" smtClean="0"/>
+              <a:t>POD: 172.17.0.14</a:t>
+            </a:r>
+            <a:endParaRPr lang="en-US" dirty="0"/>
+          </a:p>
+        </p:txBody>
+      </p:sp>
+    </p:spTree>
+  </p:cSld>
+  <p:clrMapOvr>
+    <a:masterClrMapping/>
+  </p:clrMapOvr>
+</p:sld>
+</file>
+
+<file path=ppt/slides/slide15.xml><?xml version="1.0" encoding="utf-8"?>
+<p:sld xmlns:a="http://schemas.openxmlformats.org/drawingml/2006/main" xmlns:r="http://schemas.openxmlformats.org/officeDocument/2006/relationships" xmlns:p="http://schemas.openxmlformats.org/presentationml/2006/main">
+  <p:cSld>
+    <p:spTree>
+      <p:nvGrpSpPr>
+        <p:cNvPr id="1" name=""/>
+        <p:cNvGrpSpPr/>
+        <p:nvPr/>
+      </p:nvGrpSpPr>
+      <p:grpSpPr>
+        <a:xfrm>
+          <a:off x="0" y="0"/>
+          <a:ext cx="0" cy="0"/>
+          <a:chOff x="0" y="0"/>
+          <a:chExt cx="0" cy="0"/>
+        </a:xfrm>
+      </p:grpSpPr>
+      <p:sp>
+        <p:nvSpPr>
+          <p:cNvPr id="2" name="Rectangle 1"/>
+          <p:cNvSpPr/>
+          <p:nvPr/>
+        </p:nvSpPr>
+        <p:spPr>
+          <a:xfrm>
+            <a:off x="152400" y="1409700"/>
+            <a:ext cx="1447800" cy="2895600"/>
+          </a:xfrm>
+          <a:prstGeom prst="rect">
+            <a:avLst/>
+          </a:prstGeom>
+          <a:noFill/>
+        </p:spPr>
+        <p:style>
+          <a:lnRef idx="2">
+            <a:schemeClr val="accent1">
+              <a:shade val="50000"/>
+            </a:schemeClr>
+          </a:lnRef>
+          <a:fillRef idx="1">
+            <a:schemeClr val="accent1"/>
+          </a:fillRef>
+          <a:effectRef idx="0">
+            <a:schemeClr val="accent1"/>
+          </a:effectRef>
+          <a:fontRef idx="minor">
+            <a:schemeClr val="lt1"/>
+          </a:fontRef>
+        </p:style>
+        <p:txBody>
+          <a:bodyPr rtlCol="0" anchor="ctr"/>
+          <a:lstStyle/>
+          <a:p>
+            <a:pPr algn="ctr"/>
+            <a:endParaRPr lang="en-US"/>
+          </a:p>
+        </p:txBody>
+      </p:sp>
+      <p:sp>
+        <p:nvSpPr>
+          <p:cNvPr id="3" name="Oval 2"/>
+          <p:cNvSpPr/>
+          <p:nvPr/>
+        </p:nvSpPr>
+        <p:spPr>
+          <a:xfrm>
+            <a:off x="609600" y="1943100"/>
+            <a:ext cx="990600" cy="533400"/>
+          </a:xfrm>
+          <a:prstGeom prst="ellipse">
+            <a:avLst/>
+          </a:prstGeom>
+        </p:spPr>
+        <p:style>
+          <a:lnRef idx="2">
+            <a:schemeClr val="accent1">
+              <a:shade val="50000"/>
+            </a:schemeClr>
+          </a:lnRef>
+          <a:fillRef idx="1">
+            <a:schemeClr val="accent1"/>
+          </a:fillRef>
+          <a:effectRef idx="0">
+            <a:schemeClr val="accent1"/>
+          </a:effectRef>
+          <a:fontRef idx="minor">
+            <a:schemeClr val="lt1"/>
+          </a:fontRef>
+        </p:style>
+        <p:txBody>
+          <a:bodyPr rtlCol="0" anchor="ctr"/>
+          <a:lstStyle/>
+          <a:p>
+            <a:pPr algn="ctr"/>
+            <a:r>
+              <a:rPr lang="en-US" dirty="0" smtClean="0"/>
+              <a:t>Nginx:80</a:t>
+            </a:r>
+            <a:endParaRPr lang="en-US" dirty="0"/>
+          </a:p>
+        </p:txBody>
+      </p:sp>
+      <p:sp>
+        <p:nvSpPr>
+          <p:cNvPr id="4" name="TextBox 3"/>
+          <p:cNvSpPr txBox="1"/>
+          <p:nvPr/>
+        </p:nvSpPr>
+        <p:spPr>
+          <a:xfrm>
+            <a:off x="139544" y="1257300"/>
+            <a:ext cx="1460656" cy="307777"/>
+          </a:xfrm>
+          <a:prstGeom prst="rect">
+            <a:avLst/>
+          </a:prstGeom>
+          <a:noFill/>
+        </p:spPr>
+        <p:txBody>
+          <a:bodyPr wrap="none" rtlCol="0">
+            <a:spAutoFit/>
+          </a:bodyPr>
+          <a:lstStyle/>
+          <a:p>
+            <a:r>
+              <a:rPr lang="en-US" sz="1400" dirty="0" smtClean="0"/>
+              <a:t>POD: 172.17.0.14</a:t>
+            </a:r>
+            <a:endParaRPr lang="en-US" dirty="0"/>
+          </a:p>
+        </p:txBody>
+      </p:sp>
+      <p:sp>
+        <p:nvSpPr>
+          <p:cNvPr id="5" name="Oval 4"/>
+          <p:cNvSpPr/>
+          <p:nvPr/>
+        </p:nvSpPr>
+        <p:spPr>
+          <a:xfrm>
+            <a:off x="152400" y="3162300"/>
+            <a:ext cx="990600" cy="533400"/>
+          </a:xfrm>
+          <a:prstGeom prst="ellipse">
+            <a:avLst/>
+          </a:prstGeom>
+        </p:spPr>
+        <p:style>
+          <a:lnRef idx="2">
+            <a:schemeClr val="accent1">
+              <a:shade val="50000"/>
+            </a:schemeClr>
+          </a:lnRef>
+          <a:fillRef idx="1">
+            <a:schemeClr val="accent1"/>
+          </a:fillRef>
+          <a:effectRef idx="0">
+            <a:schemeClr val="accent1"/>
+          </a:effectRef>
+          <a:fontRef idx="minor">
+            <a:schemeClr val="lt1"/>
+          </a:fontRef>
+        </p:style>
+        <p:txBody>
+          <a:bodyPr rtlCol="0" anchor="ctr"/>
+          <a:lstStyle/>
+          <a:p>
+            <a:pPr algn="ctr"/>
+            <a:r>
+              <a:rPr lang="en-US" dirty="0" smtClean="0"/>
+              <a:t>App:80</a:t>
+            </a:r>
+            <a:endParaRPr lang="en-US" dirty="0"/>
+          </a:p>
+        </p:txBody>
+      </p:sp>
+      <p:sp>
+        <p:nvSpPr>
+          <p:cNvPr id="6" name="TextBox 5"/>
+          <p:cNvSpPr txBox="1"/>
+          <p:nvPr/>
+        </p:nvSpPr>
+        <p:spPr>
+          <a:xfrm>
+            <a:off x="0" y="1104900"/>
+            <a:ext cx="716863" cy="1323439"/>
+          </a:xfrm>
+          <a:prstGeom prst="rect">
+            <a:avLst/>
+          </a:prstGeom>
+          <a:noFill/>
+        </p:spPr>
+        <p:txBody>
+          <a:bodyPr wrap="none" rtlCol="0">
+            <a:spAutoFit/>
+          </a:bodyPr>
+          <a:lstStyle/>
+          <a:p>
+            <a:r>
+              <a:rPr lang="en-US" sz="8000" dirty="0" smtClean="0">
+                <a:solidFill>
+                  <a:srgbClr val="FF0000"/>
+                </a:solidFill>
+              </a:rPr>
+              <a:t>X</a:t>
+            </a:r>
+            <a:endParaRPr lang="en-US" dirty="0">
+              <a:solidFill>
+                <a:srgbClr val="FF0000"/>
+              </a:solidFill>
+            </a:endParaRPr>
+          </a:p>
+        </p:txBody>
+      </p:sp>
+      <p:sp>
+        <p:nvSpPr>
+          <p:cNvPr id="7" name="Rectangle 6"/>
+          <p:cNvSpPr/>
+          <p:nvPr/>
+        </p:nvSpPr>
+        <p:spPr>
+          <a:xfrm>
+            <a:off x="2209800" y="1485900"/>
+            <a:ext cx="1447800" cy="2895600"/>
+          </a:xfrm>
+          <a:prstGeom prst="rect">
+            <a:avLst/>
+          </a:prstGeom>
+          <a:noFill/>
+        </p:spPr>
+        <p:style>
+          <a:lnRef idx="2">
+            <a:schemeClr val="accent1">
+              <a:shade val="50000"/>
+            </a:schemeClr>
+          </a:lnRef>
+          <a:fillRef idx="1">
+            <a:schemeClr val="accent1"/>
+          </a:fillRef>
+          <a:effectRef idx="0">
+            <a:schemeClr val="accent1"/>
+          </a:effectRef>
+          <a:fontRef idx="minor">
+            <a:schemeClr val="lt1"/>
+          </a:fontRef>
+        </p:style>
+        <p:txBody>
+          <a:bodyPr rtlCol="0" anchor="ctr"/>
+          <a:lstStyle/>
+          <a:p>
+            <a:pPr algn="ctr"/>
+            <a:endParaRPr lang="en-US"/>
+          </a:p>
+        </p:txBody>
+      </p:sp>
+      <p:sp>
+        <p:nvSpPr>
+          <p:cNvPr id="8" name="TextBox 7"/>
+          <p:cNvSpPr txBox="1"/>
+          <p:nvPr/>
+        </p:nvSpPr>
+        <p:spPr>
+          <a:xfrm>
+            <a:off x="2196944" y="1333500"/>
+            <a:ext cx="1460656" cy="307777"/>
+          </a:xfrm>
+          <a:prstGeom prst="rect">
+            <a:avLst/>
+          </a:prstGeom>
+          <a:noFill/>
+        </p:spPr>
+        <p:txBody>
+          <a:bodyPr wrap="none" rtlCol="0">
+            <a:spAutoFit/>
+          </a:bodyPr>
+          <a:lstStyle/>
+          <a:p>
+            <a:r>
+              <a:rPr lang="en-US" sz="1400" dirty="0" smtClean="0"/>
+              <a:t>POD: 172.17.0.14</a:t>
+            </a:r>
+            <a:endParaRPr lang="en-US" dirty="0"/>
+          </a:p>
+        </p:txBody>
+      </p:sp>
+      <p:sp>
+        <p:nvSpPr>
+          <p:cNvPr id="11" name="Oval 10"/>
+          <p:cNvSpPr/>
+          <p:nvPr/>
+        </p:nvSpPr>
+        <p:spPr>
+          <a:xfrm>
+            <a:off x="2209800" y="1943100"/>
+            <a:ext cx="1219200" cy="1219200"/>
+          </a:xfrm>
+          <a:prstGeom prst="ellipse">
+            <a:avLst/>
+          </a:prstGeom>
+        </p:spPr>
+        <p:style>
+          <a:lnRef idx="2">
+            <a:schemeClr val="accent1">
+              <a:shade val="50000"/>
+            </a:schemeClr>
+          </a:lnRef>
+          <a:fillRef idx="1">
+            <a:schemeClr val="accent1"/>
+          </a:fillRef>
+          <a:effectRef idx="0">
+            <a:schemeClr val="accent1"/>
+          </a:effectRef>
+          <a:fontRef idx="minor">
+            <a:schemeClr val="lt1"/>
+          </a:fontRef>
+        </p:style>
+        <p:txBody>
+          <a:bodyPr rtlCol="0" anchor="ctr"/>
+          <a:lstStyle/>
+          <a:p>
+            <a:pPr algn="ctr"/>
+            <a:r>
+              <a:rPr lang="en-US" sz="1400" dirty="0" smtClean="0"/>
+              <a:t>Ghost:2368</a:t>
+            </a:r>
+          </a:p>
+          <a:p>
+            <a:pPr algn="ctr"/>
+            <a:r>
+              <a:rPr lang="en-US" sz="1400" dirty="0" smtClean="0"/>
+              <a:t>Db: localhost:3306</a:t>
+            </a:r>
+            <a:endParaRPr lang="en-US" sz="1400" dirty="0"/>
+          </a:p>
+        </p:txBody>
+      </p:sp>
+      <p:sp>
+        <p:nvSpPr>
+          <p:cNvPr id="12" name="Oval 11"/>
+          <p:cNvSpPr/>
+          <p:nvPr/>
+        </p:nvSpPr>
+        <p:spPr>
+          <a:xfrm>
+            <a:off x="2590800" y="3314700"/>
+            <a:ext cx="990600" cy="533400"/>
+          </a:xfrm>
+          <a:prstGeom prst="ellipse">
+            <a:avLst/>
+          </a:prstGeom>
+        </p:spPr>
+        <p:style>
+          <a:lnRef idx="2">
+            <a:schemeClr val="accent1">
+              <a:shade val="50000"/>
+            </a:schemeClr>
+          </a:lnRef>
+          <a:fillRef idx="1">
+            <a:schemeClr val="accent1"/>
+          </a:fillRef>
+          <a:effectRef idx="0">
+            <a:schemeClr val="accent1"/>
+          </a:effectRef>
+          <a:fontRef idx="minor">
+            <a:schemeClr val="lt1"/>
+          </a:fontRef>
+        </p:style>
+        <p:txBody>
+          <a:bodyPr rtlCol="0" anchor="ctr"/>
+          <a:lstStyle/>
+          <a:p>
+            <a:pPr algn="ctr"/>
+            <a:r>
+              <a:rPr lang="en-US" sz="1600" dirty="0" smtClean="0"/>
+              <a:t>Db:3306</a:t>
+            </a:r>
+            <a:endParaRPr lang="en-US" sz="1600" dirty="0"/>
+          </a:p>
+        </p:txBody>
+      </p:sp>
+      <p:sp>
+        <p:nvSpPr>
+          <p:cNvPr id="13" name="Rectangle 12"/>
+          <p:cNvSpPr/>
+          <p:nvPr/>
+        </p:nvSpPr>
+        <p:spPr>
+          <a:xfrm>
+            <a:off x="4495800" y="1485900"/>
+            <a:ext cx="1447800" cy="1828800"/>
+          </a:xfrm>
+          <a:prstGeom prst="rect">
+            <a:avLst/>
+          </a:prstGeom>
+          <a:noFill/>
+        </p:spPr>
+        <p:style>
+          <a:lnRef idx="2">
+            <a:schemeClr val="accent1">
+              <a:shade val="50000"/>
+            </a:schemeClr>
+          </a:lnRef>
+          <a:fillRef idx="1">
+            <a:schemeClr val="accent1"/>
+          </a:fillRef>
+          <a:effectRef idx="0">
+            <a:schemeClr val="accent1"/>
+          </a:effectRef>
+          <a:fontRef idx="minor">
+            <a:schemeClr val="lt1"/>
+          </a:fontRef>
+        </p:style>
+        <p:txBody>
+          <a:bodyPr rtlCol="0" anchor="ctr"/>
+          <a:lstStyle/>
+          <a:p>
+            <a:pPr algn="ctr"/>
+            <a:endParaRPr lang="en-US"/>
+          </a:p>
+        </p:txBody>
+      </p:sp>
+      <p:sp>
+        <p:nvSpPr>
+          <p:cNvPr id="14" name="TextBox 13"/>
+          <p:cNvSpPr txBox="1"/>
+          <p:nvPr/>
+        </p:nvSpPr>
+        <p:spPr>
+          <a:xfrm>
+            <a:off x="4482944" y="1333500"/>
+            <a:ext cx="1460656" cy="307777"/>
+          </a:xfrm>
+          <a:prstGeom prst="rect">
+            <a:avLst/>
+          </a:prstGeom>
+          <a:noFill/>
+        </p:spPr>
+        <p:txBody>
+          <a:bodyPr wrap="none" rtlCol="0">
+            <a:spAutoFit/>
+          </a:bodyPr>
+          <a:lstStyle/>
+          <a:p>
+            <a:r>
+              <a:rPr lang="en-US" sz="1400" dirty="0" smtClean="0"/>
+              <a:t>POD: 172.17.0.14</a:t>
+            </a:r>
+            <a:endParaRPr lang="en-US" dirty="0"/>
+          </a:p>
+        </p:txBody>
+      </p:sp>
+      <p:sp>
+        <p:nvSpPr>
+          <p:cNvPr id="15" name="Oval 14"/>
+          <p:cNvSpPr/>
+          <p:nvPr/>
+        </p:nvSpPr>
+        <p:spPr>
+          <a:xfrm>
+            <a:off x="4495800" y="1943100"/>
+            <a:ext cx="1219200" cy="1219200"/>
+          </a:xfrm>
+          <a:prstGeom prst="ellipse">
+            <a:avLst/>
+          </a:prstGeom>
+        </p:spPr>
+        <p:style>
+          <a:lnRef idx="2">
+            <a:schemeClr val="accent1">
+              <a:shade val="50000"/>
+            </a:schemeClr>
+          </a:lnRef>
+          <a:fillRef idx="1">
+            <a:schemeClr val="accent1"/>
+          </a:fillRef>
+          <a:effectRef idx="0">
+            <a:schemeClr val="accent1"/>
+          </a:effectRef>
+          <a:fontRef idx="minor">
+            <a:schemeClr val="lt1"/>
+          </a:fontRef>
+        </p:style>
+        <p:txBody>
+          <a:bodyPr rtlCol="0" anchor="ctr"/>
+          <a:lstStyle/>
+          <a:p>
+            <a:pPr algn="ctr"/>
+            <a:r>
+              <a:rPr lang="en-US" sz="1400" dirty="0" smtClean="0"/>
+              <a:t>Ghost:2368</a:t>
+            </a:r>
+          </a:p>
+          <a:p>
+            <a:pPr algn="ctr"/>
+            <a:r>
+              <a:rPr lang="en-US" sz="1400" dirty="0" smtClean="0"/>
+              <a:t>Db: 172.17.0.15:3306</a:t>
+            </a:r>
+            <a:endParaRPr lang="en-US" sz="1400" dirty="0"/>
+          </a:p>
+        </p:txBody>
+      </p:sp>
+      <p:sp>
+        <p:nvSpPr>
+          <p:cNvPr id="16" name="Oval 15"/>
+          <p:cNvSpPr/>
+          <p:nvPr/>
+        </p:nvSpPr>
+        <p:spPr>
+          <a:xfrm>
+            <a:off x="6858000" y="2247900"/>
+            <a:ext cx="990600" cy="533400"/>
+          </a:xfrm>
+          <a:prstGeom prst="ellipse">
+            <a:avLst/>
+          </a:prstGeom>
+        </p:spPr>
+        <p:style>
+          <a:lnRef idx="2">
+            <a:schemeClr val="accent1">
+              <a:shade val="50000"/>
+            </a:schemeClr>
+          </a:lnRef>
+          <a:fillRef idx="1">
+            <a:schemeClr val="accent1"/>
+          </a:fillRef>
+          <a:effectRef idx="0">
+            <a:schemeClr val="accent1"/>
+          </a:effectRef>
+          <a:fontRef idx="minor">
+            <a:schemeClr val="lt1"/>
+          </a:fontRef>
+        </p:style>
+        <p:txBody>
+          <a:bodyPr rtlCol="0" anchor="ctr"/>
+          <a:lstStyle/>
+          <a:p>
+            <a:pPr algn="ctr"/>
+            <a:r>
+              <a:rPr lang="en-US" sz="1600" dirty="0" smtClean="0"/>
+              <a:t>Db:3306</a:t>
+            </a:r>
+            <a:endParaRPr lang="en-US" sz="1600" dirty="0"/>
+          </a:p>
+        </p:txBody>
+      </p:sp>
+      <p:sp>
+        <p:nvSpPr>
+          <p:cNvPr id="17" name="Rectangle 16"/>
+          <p:cNvSpPr/>
+          <p:nvPr/>
+        </p:nvSpPr>
+        <p:spPr>
+          <a:xfrm>
+            <a:off x="6705600" y="1562100"/>
+            <a:ext cx="1447800" cy="2895600"/>
+          </a:xfrm>
+          <a:prstGeom prst="rect">
+            <a:avLst/>
+          </a:prstGeom>
+          <a:noFill/>
+        </p:spPr>
+        <p:style>
+          <a:lnRef idx="2">
+            <a:schemeClr val="accent1">
+              <a:shade val="50000"/>
+            </a:schemeClr>
+          </a:lnRef>
+          <a:fillRef idx="1">
+            <a:schemeClr val="accent1"/>
+          </a:fillRef>
+          <a:effectRef idx="0">
+            <a:schemeClr val="accent1"/>
+          </a:effectRef>
+          <a:fontRef idx="minor">
+            <a:schemeClr val="lt1"/>
+          </a:fontRef>
+        </p:style>
+        <p:txBody>
+          <a:bodyPr rtlCol="0" anchor="ctr"/>
+          <a:lstStyle/>
+          <a:p>
+            <a:pPr algn="ctr"/>
+            <a:endParaRPr lang="en-US"/>
+          </a:p>
+        </p:txBody>
+      </p:sp>
+      <p:sp>
+        <p:nvSpPr>
+          <p:cNvPr id="18" name="TextBox 17"/>
+          <p:cNvSpPr txBox="1"/>
+          <p:nvPr/>
+        </p:nvSpPr>
+        <p:spPr>
+          <a:xfrm>
+            <a:off x="6692744" y="1409700"/>
+            <a:ext cx="1460656" cy="307777"/>
+          </a:xfrm>
+          <a:prstGeom prst="rect">
+            <a:avLst/>
+          </a:prstGeom>
+          <a:noFill/>
+        </p:spPr>
+        <p:txBody>
+          <a:bodyPr wrap="none" rtlCol="0">
+            <a:spAutoFit/>
+          </a:bodyPr>
+          <a:lstStyle/>
+          <a:p>
+            <a:r>
+              <a:rPr lang="en-US" sz="1400" dirty="0" smtClean="0"/>
+              <a:t>POD: 172.17.0.15</a:t>
+            </a:r>
+            <a:endParaRPr lang="en-US" dirty="0"/>
+          </a:p>
+        </p:txBody>
+      </p:sp>
+      <p:sp>
+        <p:nvSpPr>
+          <p:cNvPr id="19" name="Rectangle 18"/>
+          <p:cNvSpPr/>
+          <p:nvPr/>
+        </p:nvSpPr>
+        <p:spPr>
+          <a:xfrm>
+            <a:off x="4648200" y="3619500"/>
+            <a:ext cx="1447800" cy="1828800"/>
+          </a:xfrm>
+          <a:prstGeom prst="rect">
+            <a:avLst/>
+          </a:prstGeom>
+          <a:noFill/>
+        </p:spPr>
+        <p:style>
+          <a:lnRef idx="2">
+            <a:schemeClr val="accent1">
+              <a:shade val="50000"/>
+            </a:schemeClr>
+          </a:lnRef>
+          <a:fillRef idx="1">
+            <a:schemeClr val="accent1"/>
+          </a:fillRef>
+          <a:effectRef idx="0">
+            <a:schemeClr val="accent1"/>
+          </a:effectRef>
+          <a:fontRef idx="minor">
+            <a:schemeClr val="lt1"/>
+          </a:fontRef>
+        </p:style>
+        <p:txBody>
+          <a:bodyPr rtlCol="0" anchor="ctr"/>
+          <a:lstStyle/>
+          <a:p>
+            <a:pPr algn="ctr"/>
+            <a:endParaRPr lang="en-US"/>
+          </a:p>
+        </p:txBody>
+      </p:sp>
+      <p:sp>
+        <p:nvSpPr>
+          <p:cNvPr id="20" name="TextBox 19"/>
+          <p:cNvSpPr txBox="1"/>
+          <p:nvPr/>
+        </p:nvSpPr>
+        <p:spPr>
+          <a:xfrm>
+            <a:off x="4635344" y="3467100"/>
+            <a:ext cx="1460656" cy="307777"/>
+          </a:xfrm>
+          <a:prstGeom prst="rect">
+            <a:avLst/>
+          </a:prstGeom>
+          <a:noFill/>
+        </p:spPr>
+        <p:txBody>
+          <a:bodyPr wrap="none" rtlCol="0">
+            <a:spAutoFit/>
+          </a:bodyPr>
+          <a:lstStyle/>
+          <a:p>
+            <a:r>
+              <a:rPr lang="en-US" sz="1400" dirty="0" smtClean="0"/>
+              <a:t>POD: 172.17.0.14</a:t>
+            </a:r>
+            <a:endParaRPr lang="en-US" dirty="0"/>
+          </a:p>
+        </p:txBody>
+      </p:sp>
+      <p:sp>
+        <p:nvSpPr>
+          <p:cNvPr id="21" name="Oval 20"/>
+          <p:cNvSpPr/>
+          <p:nvPr/>
+        </p:nvSpPr>
+        <p:spPr>
+          <a:xfrm>
+            <a:off x="4648200" y="4076700"/>
+            <a:ext cx="1219200" cy="1219200"/>
+          </a:xfrm>
+          <a:prstGeom prst="ellipse">
+            <a:avLst/>
+          </a:prstGeom>
+        </p:spPr>
+        <p:style>
+          <a:lnRef idx="2">
+            <a:schemeClr val="accent1">
+              <a:shade val="50000"/>
+            </a:schemeClr>
+          </a:lnRef>
+          <a:fillRef idx="1">
+            <a:schemeClr val="accent1"/>
+          </a:fillRef>
+          <a:effectRef idx="0">
+            <a:schemeClr val="accent1"/>
+          </a:effectRef>
+          <a:fontRef idx="minor">
+            <a:schemeClr val="lt1"/>
+          </a:fontRef>
+        </p:style>
+        <p:txBody>
+          <a:bodyPr rtlCol="0" anchor="ctr"/>
+          <a:lstStyle/>
+          <a:p>
+            <a:pPr algn="ctr"/>
+            <a:r>
+              <a:rPr lang="en-US" sz="1400" dirty="0" smtClean="0"/>
+              <a:t>Ghost:2368</a:t>
+            </a:r>
+          </a:p>
+          <a:p>
+            <a:pPr algn="ctr"/>
+            <a:r>
+              <a:rPr lang="en-US" sz="1400" dirty="0" smtClean="0"/>
+              <a:t>Db: 172.17.0.15:3306</a:t>
+            </a:r>
+            <a:endParaRPr lang="en-US" sz="1400" dirty="0"/>
+          </a:p>
+        </p:txBody>
+      </p:sp>
+      <p:cxnSp>
+        <p:nvCxnSpPr>
+          <p:cNvPr id="23" name="Straight Arrow Connector 22"/>
+          <p:cNvCxnSpPr>
+            <a:stCxn id="15" idx="6"/>
+            <a:endCxn id="16" idx="2"/>
+          </p:cNvCxnSpPr>
+          <p:nvPr/>
+        </p:nvCxnSpPr>
+        <p:spPr>
+          <a:xfrm flipV="1">
+            <a:off x="5715000" y="2514600"/>
+            <a:ext cx="1143000" cy="38100"/>
+          </a:xfrm>
+          <a:prstGeom prst="straightConnector1">
+            <a:avLst/>
+          </a:prstGeom>
+          <a:ln>
+            <a:tailEnd type="arrow"/>
+          </a:ln>
+        </p:spPr>
+        <p:style>
+          <a:lnRef idx="1">
+            <a:schemeClr val="accent1"/>
+          </a:lnRef>
+          <a:fillRef idx="0">
+            <a:schemeClr val="accent1"/>
+          </a:fillRef>
+          <a:effectRef idx="0">
+            <a:schemeClr val="accent1"/>
+          </a:effectRef>
+          <a:fontRef idx="minor">
+            <a:schemeClr val="tx1"/>
+          </a:fontRef>
+        </p:style>
+      </p:cxnSp>
+      <p:cxnSp>
+        <p:nvCxnSpPr>
+          <p:cNvPr id="25" name="Straight Arrow Connector 24"/>
+          <p:cNvCxnSpPr>
+            <a:stCxn id="21" idx="6"/>
+            <a:endCxn id="16" idx="2"/>
+          </p:cNvCxnSpPr>
+          <p:nvPr/>
+        </p:nvCxnSpPr>
+        <p:spPr>
+          <a:xfrm flipV="1">
+            <a:off x="5867400" y="2514600"/>
+            <a:ext cx="990600" cy="2171700"/>
+          </a:xfrm>
+          <a:prstGeom prst="straightConnector1">
+            <a:avLst/>
+          </a:prstGeom>
+          <a:ln>
+            <a:tailEnd type="arrow"/>
+          </a:ln>
+        </p:spPr>
+        <p:style>
+          <a:lnRef idx="1">
+            <a:schemeClr val="accent1"/>
+          </a:lnRef>
+          <a:fillRef idx="0">
+            <a:schemeClr val="accent1"/>
+          </a:fillRef>
+          <a:effectRef idx="0">
+            <a:schemeClr val="accent1"/>
+          </a:effectRef>
+          <a:fontRef idx="minor">
+            <a:schemeClr val="tx1"/>
+          </a:fontRef>
+        </p:style>
+      </p:cxnSp>
     </p:spTree>
   </p:cSld>
   <p:clrMapOvr>

--- a/rough-diag.pptx
+++ b/rough-diag.pptx
@@ -5,7 +5,7 @@
     <p:sldMasterId id="2147483648" r:id="rId1"/>
   </p:sldMasterIdLst>
   <p:notesMasterIdLst>
-    <p:notesMasterId r:id="rId17"/>
+    <p:notesMasterId r:id="rId24"/>
   </p:notesMasterIdLst>
   <p:sldIdLst>
     <p:sldId id="712" r:id="rId2"/>
@@ -23,6 +23,13 @@
     <p:sldId id="723" r:id="rId14"/>
     <p:sldId id="724" r:id="rId15"/>
     <p:sldId id="725" r:id="rId16"/>
+    <p:sldId id="727" r:id="rId17"/>
+    <p:sldId id="729" r:id="rId18"/>
+    <p:sldId id="728" r:id="rId19"/>
+    <p:sldId id="730" r:id="rId20"/>
+    <p:sldId id="731" r:id="rId21"/>
+    <p:sldId id="733" r:id="rId22"/>
+    <p:sldId id="732" r:id="rId23"/>
   </p:sldIdLst>
   <p:sldSz cx="9144000" cy="5715000" type="screen16x10"/>
   <p:notesSz cx="6858000" cy="9144000"/>
@@ -4346,7 +4353,7 @@
         </p:nvSpPr>
         <p:spPr>
           <a:xfrm>
-            <a:off x="2209800" y="342900"/>
+            <a:off x="2209800" y="495300"/>
             <a:ext cx="6096000" cy="4724400"/>
           </a:xfrm>
           <a:prstGeom prst="rect">
@@ -4387,7 +4394,7 @@
         </p:nvSpPr>
         <p:spPr>
           <a:xfrm>
-            <a:off x="2209800" y="342900"/>
+            <a:off x="2209800" y="495300"/>
             <a:ext cx="2583015" cy="369332"/>
           </a:xfrm>
           <a:prstGeom prst="rect">
@@ -4753,7 +4760,7 @@
         </p:nvSpPr>
         <p:spPr>
           <a:xfrm>
-            <a:off x="5867400" y="2019300"/>
+            <a:off x="5867400" y="2171700"/>
             <a:ext cx="1828800" cy="1752600"/>
           </a:xfrm>
           <a:prstGeom prst="ellipse">
@@ -8201,6 +8208,3447 @@
 </p:sld>
 </file>
 
+<file path=ppt/slides/slide16.xml><?xml version="1.0" encoding="utf-8"?>
+<p:sld xmlns:a="http://schemas.openxmlformats.org/drawingml/2006/main" xmlns:r="http://schemas.openxmlformats.org/officeDocument/2006/relationships" xmlns:p="http://schemas.openxmlformats.org/presentationml/2006/main">
+  <p:cSld>
+    <p:spTree>
+      <p:nvGrpSpPr>
+        <p:cNvPr id="1" name=""/>
+        <p:cNvGrpSpPr/>
+        <p:nvPr/>
+      </p:nvGrpSpPr>
+      <p:grpSpPr>
+        <a:xfrm>
+          <a:off x="0" y="0"/>
+          <a:ext cx="0" cy="0"/>
+          <a:chOff x="0" y="0"/>
+          <a:chExt cx="0" cy="0"/>
+        </a:xfrm>
+      </p:grpSpPr>
+      <p:sp>
+        <p:nvSpPr>
+          <p:cNvPr id="2" name="Rectangle 1"/>
+          <p:cNvSpPr/>
+          <p:nvPr/>
+        </p:nvSpPr>
+        <p:spPr>
+          <a:xfrm>
+            <a:off x="4419600" y="876300"/>
+            <a:ext cx="4495800" cy="4724400"/>
+          </a:xfrm>
+          <a:prstGeom prst="rect">
+            <a:avLst/>
+          </a:prstGeom>
+          <a:noFill/>
+        </p:spPr>
+        <p:style>
+          <a:lnRef idx="2">
+            <a:schemeClr val="accent1">
+              <a:shade val="50000"/>
+            </a:schemeClr>
+          </a:lnRef>
+          <a:fillRef idx="1">
+            <a:schemeClr val="accent1"/>
+          </a:fillRef>
+          <a:effectRef idx="0">
+            <a:schemeClr val="accent1"/>
+          </a:effectRef>
+          <a:fontRef idx="minor">
+            <a:schemeClr val="lt1"/>
+          </a:fontRef>
+        </p:style>
+        <p:txBody>
+          <a:bodyPr rtlCol="0" anchor="ctr"/>
+          <a:lstStyle/>
+          <a:p>
+            <a:pPr algn="ctr"/>
+            <a:endParaRPr lang="en-US"/>
+          </a:p>
+        </p:txBody>
+      </p:sp>
+      <p:sp>
+        <p:nvSpPr>
+          <p:cNvPr id="3" name="TextBox 2"/>
+          <p:cNvSpPr txBox="1"/>
+          <p:nvPr/>
+        </p:nvSpPr>
+        <p:spPr>
+          <a:xfrm>
+            <a:off x="4495800" y="952500"/>
+            <a:ext cx="2583015" cy="369332"/>
+          </a:xfrm>
+          <a:prstGeom prst="rect">
+            <a:avLst/>
+          </a:prstGeom>
+          <a:noFill/>
+        </p:spPr>
+        <p:txBody>
+          <a:bodyPr wrap="none" rtlCol="0">
+            <a:spAutoFit/>
+          </a:bodyPr>
+          <a:lstStyle/>
+          <a:p>
+            <a:r>
+              <a:rPr lang="en-US" dirty="0" err="1" smtClean="0"/>
+              <a:t>Minikube</a:t>
+            </a:r>
+            <a:r>
+              <a:rPr lang="en-US" dirty="0" smtClean="0"/>
+              <a:t> 192.168.99.100</a:t>
+            </a:r>
+            <a:endParaRPr lang="en-US" dirty="0"/>
+          </a:p>
+        </p:txBody>
+      </p:sp>
+      <p:sp>
+        <p:nvSpPr>
+          <p:cNvPr id="4" name="Oval 3"/>
+          <p:cNvSpPr/>
+          <p:nvPr/>
+        </p:nvSpPr>
+        <p:spPr>
+          <a:xfrm>
+            <a:off x="7010400" y="1714500"/>
+            <a:ext cx="1828800" cy="990600"/>
+          </a:xfrm>
+          <a:prstGeom prst="ellipse">
+            <a:avLst/>
+          </a:prstGeom>
+        </p:spPr>
+        <p:style>
+          <a:lnRef idx="2">
+            <a:schemeClr val="accent1">
+              <a:shade val="50000"/>
+            </a:schemeClr>
+          </a:lnRef>
+          <a:fillRef idx="1">
+            <a:schemeClr val="accent1"/>
+          </a:fillRef>
+          <a:effectRef idx="0">
+            <a:schemeClr val="accent1"/>
+          </a:effectRef>
+          <a:fontRef idx="minor">
+            <a:schemeClr val="lt1"/>
+          </a:fontRef>
+        </p:style>
+        <p:txBody>
+          <a:bodyPr rtlCol="0" anchor="ctr"/>
+          <a:lstStyle/>
+          <a:p>
+            <a:pPr algn="ctr"/>
+            <a:r>
+              <a:rPr lang="en-US" dirty="0" smtClean="0"/>
+              <a:t>Mynginx:80</a:t>
+            </a:r>
+            <a:endParaRPr lang="en-US" dirty="0"/>
+          </a:p>
+        </p:txBody>
+      </p:sp>
+      <p:sp>
+        <p:nvSpPr>
+          <p:cNvPr id="5" name="Rectangle 4"/>
+          <p:cNvSpPr/>
+          <p:nvPr/>
+        </p:nvSpPr>
+        <p:spPr>
+          <a:xfrm>
+            <a:off x="7391400" y="2705100"/>
+            <a:ext cx="1176925" cy="369332"/>
+          </a:xfrm>
+          <a:prstGeom prst="rect">
+            <a:avLst/>
+          </a:prstGeom>
+        </p:spPr>
+        <p:txBody>
+          <a:bodyPr wrap="none">
+            <a:spAutoFit/>
+          </a:bodyPr>
+          <a:lstStyle/>
+          <a:p>
+            <a:r>
+              <a:rPr lang="en-US" dirty="0" smtClean="0"/>
+              <a:t>172.17.0.4</a:t>
+            </a:r>
+            <a:endParaRPr lang="en-US" dirty="0"/>
+          </a:p>
+        </p:txBody>
+      </p:sp>
+      <p:sp>
+        <p:nvSpPr>
+          <p:cNvPr id="6" name="TextBox 5"/>
+          <p:cNvSpPr txBox="1"/>
+          <p:nvPr/>
+        </p:nvSpPr>
+        <p:spPr>
+          <a:xfrm>
+            <a:off x="0" y="38100"/>
+            <a:ext cx="4267200" cy="1754326"/>
+          </a:xfrm>
+          <a:prstGeom prst="rect">
+            <a:avLst/>
+          </a:prstGeom>
+          <a:noFill/>
+        </p:spPr>
+        <p:txBody>
+          <a:bodyPr wrap="square" rtlCol="0">
+            <a:spAutoFit/>
+          </a:bodyPr>
+          <a:lstStyle/>
+          <a:p>
+            <a:r>
+              <a:rPr lang="en-US" dirty="0" smtClean="0"/>
+              <a:t>Service</a:t>
+            </a:r>
+          </a:p>
+          <a:p>
+            <a:pPr marL="342900" indent="-342900">
+              <a:buAutoNum type="arabicPeriod"/>
+            </a:pPr>
+            <a:r>
+              <a:rPr lang="en-US" dirty="0" smtClean="0"/>
+              <a:t>(optional): open up a port on the Node</a:t>
+            </a:r>
+          </a:p>
+          <a:p>
+            <a:pPr marL="342900" indent="-342900">
+              <a:buAutoNum type="arabicPeriod"/>
+            </a:pPr>
+            <a:r>
+              <a:rPr lang="en-US" dirty="0" smtClean="0"/>
+              <a:t>Load balancing</a:t>
+            </a:r>
+          </a:p>
+          <a:p>
+            <a:pPr marL="342900" indent="-342900">
+              <a:buAutoNum type="arabicPeriod"/>
+            </a:pPr>
+            <a:r>
+              <a:rPr lang="en-US" dirty="0" err="1" smtClean="0"/>
+              <a:t>Dns</a:t>
+            </a:r>
+            <a:r>
+              <a:rPr lang="en-US" dirty="0" smtClean="0"/>
+              <a:t>-resolution:  Service discovery hw-svc:8888</a:t>
+            </a:r>
+          </a:p>
+          <a:p>
+            <a:pPr marL="342900" indent="-342900">
+              <a:buAutoNum type="arabicPeriod"/>
+            </a:pPr>
+            <a:endParaRPr lang="en-US" dirty="0"/>
+          </a:p>
+        </p:txBody>
+      </p:sp>
+      <p:sp>
+        <p:nvSpPr>
+          <p:cNvPr id="7" name="TextBox 6"/>
+          <p:cNvSpPr txBox="1"/>
+          <p:nvPr/>
+        </p:nvSpPr>
+        <p:spPr>
+          <a:xfrm>
+            <a:off x="4030837" y="2933700"/>
+            <a:ext cx="769763" cy="369332"/>
+          </a:xfrm>
+          <a:prstGeom prst="rect">
+            <a:avLst/>
+          </a:prstGeom>
+          <a:noFill/>
+        </p:spPr>
+        <p:txBody>
+          <a:bodyPr wrap="none" rtlCol="0">
+            <a:spAutoFit/>
+          </a:bodyPr>
+          <a:lstStyle/>
+          <a:p>
+            <a:r>
+              <a:rPr lang="en-US" dirty="0" smtClean="0"/>
+              <a:t>31001</a:t>
+            </a:r>
+            <a:endParaRPr lang="en-US" dirty="0"/>
+          </a:p>
+        </p:txBody>
+      </p:sp>
+      <p:sp>
+        <p:nvSpPr>
+          <p:cNvPr id="8" name="Oval 7"/>
+          <p:cNvSpPr/>
+          <p:nvPr/>
+        </p:nvSpPr>
+        <p:spPr>
+          <a:xfrm>
+            <a:off x="7086600" y="3009900"/>
+            <a:ext cx="1828800" cy="990600"/>
+          </a:xfrm>
+          <a:prstGeom prst="ellipse">
+            <a:avLst/>
+          </a:prstGeom>
+        </p:spPr>
+        <p:style>
+          <a:lnRef idx="2">
+            <a:schemeClr val="accent1">
+              <a:shade val="50000"/>
+            </a:schemeClr>
+          </a:lnRef>
+          <a:fillRef idx="1">
+            <a:schemeClr val="accent1"/>
+          </a:fillRef>
+          <a:effectRef idx="0">
+            <a:schemeClr val="accent1"/>
+          </a:effectRef>
+          <a:fontRef idx="minor">
+            <a:schemeClr val="lt1"/>
+          </a:fontRef>
+        </p:style>
+        <p:txBody>
+          <a:bodyPr rtlCol="0" anchor="ctr"/>
+          <a:lstStyle/>
+          <a:p>
+            <a:pPr algn="ctr"/>
+            <a:r>
+              <a:rPr lang="en-US" dirty="0" smtClean="0"/>
+              <a:t>Mynginx:80</a:t>
+            </a:r>
+            <a:endParaRPr lang="en-US" dirty="0"/>
+          </a:p>
+        </p:txBody>
+      </p:sp>
+      <p:sp>
+        <p:nvSpPr>
+          <p:cNvPr id="9" name="Rectangle 8"/>
+          <p:cNvSpPr/>
+          <p:nvPr/>
+        </p:nvSpPr>
+        <p:spPr>
+          <a:xfrm>
+            <a:off x="7467600" y="4000500"/>
+            <a:ext cx="1176925" cy="369332"/>
+          </a:xfrm>
+          <a:prstGeom prst="rect">
+            <a:avLst/>
+          </a:prstGeom>
+        </p:spPr>
+        <p:txBody>
+          <a:bodyPr wrap="none">
+            <a:spAutoFit/>
+          </a:bodyPr>
+          <a:lstStyle/>
+          <a:p>
+            <a:r>
+              <a:rPr lang="en-US" dirty="0" smtClean="0"/>
+              <a:t>172.17.0.7</a:t>
+            </a:r>
+            <a:endParaRPr lang="en-US" dirty="0"/>
+          </a:p>
+        </p:txBody>
+      </p:sp>
+      <p:sp>
+        <p:nvSpPr>
+          <p:cNvPr id="10" name="Rectangle 9"/>
+          <p:cNvSpPr/>
+          <p:nvPr/>
+        </p:nvSpPr>
+        <p:spPr>
+          <a:xfrm>
+            <a:off x="4495800" y="3467100"/>
+            <a:ext cx="1981200" cy="369332"/>
+          </a:xfrm>
+          <a:prstGeom prst="rect">
+            <a:avLst/>
+          </a:prstGeom>
+        </p:spPr>
+        <p:txBody>
+          <a:bodyPr wrap="square">
+            <a:spAutoFit/>
+          </a:bodyPr>
+          <a:lstStyle/>
+          <a:p>
+            <a:r>
+              <a:rPr lang="en-US" dirty="0" smtClean="0"/>
+              <a:t>10.98.220.82:8888</a:t>
+            </a:r>
+            <a:endParaRPr lang="en-US" dirty="0" smtClean="0"/>
+          </a:p>
+        </p:txBody>
+      </p:sp>
+      <p:cxnSp>
+        <p:nvCxnSpPr>
+          <p:cNvPr id="12" name="Straight Arrow Connector 11"/>
+          <p:cNvCxnSpPr>
+            <a:stCxn id="7" idx="3"/>
+            <a:endCxn id="10" idx="0"/>
+          </p:cNvCxnSpPr>
+          <p:nvPr/>
+        </p:nvCxnSpPr>
+        <p:spPr>
+          <a:xfrm>
+            <a:off x="4800600" y="3118366"/>
+            <a:ext cx="685800" cy="348734"/>
+          </a:xfrm>
+          <a:prstGeom prst="straightConnector1">
+            <a:avLst/>
+          </a:prstGeom>
+          <a:ln>
+            <a:tailEnd type="arrow"/>
+          </a:ln>
+        </p:spPr>
+        <p:style>
+          <a:lnRef idx="1">
+            <a:schemeClr val="accent1"/>
+          </a:lnRef>
+          <a:fillRef idx="0">
+            <a:schemeClr val="accent1"/>
+          </a:fillRef>
+          <a:effectRef idx="0">
+            <a:schemeClr val="accent1"/>
+          </a:effectRef>
+          <a:fontRef idx="minor">
+            <a:schemeClr val="tx1"/>
+          </a:fontRef>
+        </p:style>
+      </p:cxnSp>
+      <p:cxnSp>
+        <p:nvCxnSpPr>
+          <p:cNvPr id="14" name="Straight Arrow Connector 13"/>
+          <p:cNvCxnSpPr>
+            <a:stCxn id="10" idx="3"/>
+            <a:endCxn id="4" idx="2"/>
+          </p:cNvCxnSpPr>
+          <p:nvPr/>
+        </p:nvCxnSpPr>
+        <p:spPr>
+          <a:xfrm flipV="1">
+            <a:off x="6477000" y="2209800"/>
+            <a:ext cx="533400" cy="1441966"/>
+          </a:xfrm>
+          <a:prstGeom prst="straightConnector1">
+            <a:avLst/>
+          </a:prstGeom>
+          <a:ln>
+            <a:tailEnd type="arrow"/>
+          </a:ln>
+        </p:spPr>
+        <p:style>
+          <a:lnRef idx="1">
+            <a:schemeClr val="accent1"/>
+          </a:lnRef>
+          <a:fillRef idx="0">
+            <a:schemeClr val="accent1"/>
+          </a:fillRef>
+          <a:effectRef idx="0">
+            <a:schemeClr val="accent1"/>
+          </a:effectRef>
+          <a:fontRef idx="minor">
+            <a:schemeClr val="tx1"/>
+          </a:fontRef>
+        </p:style>
+      </p:cxnSp>
+      <p:cxnSp>
+        <p:nvCxnSpPr>
+          <p:cNvPr id="16" name="Straight Arrow Connector 15"/>
+          <p:cNvCxnSpPr>
+            <a:stCxn id="10" idx="3"/>
+            <a:endCxn id="8" idx="2"/>
+          </p:cNvCxnSpPr>
+          <p:nvPr/>
+        </p:nvCxnSpPr>
+        <p:spPr>
+          <a:xfrm flipV="1">
+            <a:off x="6477000" y="3505200"/>
+            <a:ext cx="609600" cy="146566"/>
+          </a:xfrm>
+          <a:prstGeom prst="straightConnector1">
+            <a:avLst/>
+          </a:prstGeom>
+          <a:ln>
+            <a:tailEnd type="arrow"/>
+          </a:ln>
+        </p:spPr>
+        <p:style>
+          <a:lnRef idx="1">
+            <a:schemeClr val="accent1"/>
+          </a:lnRef>
+          <a:fillRef idx="0">
+            <a:schemeClr val="accent1"/>
+          </a:fillRef>
+          <a:effectRef idx="0">
+            <a:schemeClr val="accent1"/>
+          </a:effectRef>
+          <a:fontRef idx="minor">
+            <a:schemeClr val="tx1"/>
+          </a:fontRef>
+        </p:style>
+      </p:cxnSp>
+      <p:sp>
+        <p:nvSpPr>
+          <p:cNvPr id="17" name="Rectangle 16"/>
+          <p:cNvSpPr/>
+          <p:nvPr/>
+        </p:nvSpPr>
+        <p:spPr>
+          <a:xfrm>
+            <a:off x="1066800" y="3695700"/>
+            <a:ext cx="2971800" cy="1524000"/>
+          </a:xfrm>
+          <a:prstGeom prst="rect">
+            <a:avLst/>
+          </a:prstGeom>
+          <a:noFill/>
+        </p:spPr>
+        <p:style>
+          <a:lnRef idx="2">
+            <a:schemeClr val="accent1">
+              <a:shade val="50000"/>
+            </a:schemeClr>
+          </a:lnRef>
+          <a:fillRef idx="1">
+            <a:schemeClr val="accent1"/>
+          </a:fillRef>
+          <a:effectRef idx="0">
+            <a:schemeClr val="accent1"/>
+          </a:effectRef>
+          <a:fontRef idx="minor">
+            <a:schemeClr val="lt1"/>
+          </a:fontRef>
+        </p:style>
+        <p:txBody>
+          <a:bodyPr rtlCol="0" anchor="ctr"/>
+          <a:lstStyle/>
+          <a:p>
+            <a:pPr algn="ctr"/>
+            <a:endParaRPr lang="en-US"/>
+          </a:p>
+        </p:txBody>
+      </p:sp>
+      <p:sp>
+        <p:nvSpPr>
+          <p:cNvPr id="18" name="Rectangle 17"/>
+          <p:cNvSpPr/>
+          <p:nvPr/>
+        </p:nvSpPr>
+        <p:spPr>
+          <a:xfrm>
+            <a:off x="1143000" y="3771900"/>
+            <a:ext cx="2819400" cy="304800"/>
+          </a:xfrm>
+          <a:prstGeom prst="rect">
+            <a:avLst/>
+          </a:prstGeom>
+        </p:spPr>
+        <p:style>
+          <a:lnRef idx="2">
+            <a:schemeClr val="accent1">
+              <a:shade val="50000"/>
+            </a:schemeClr>
+          </a:lnRef>
+          <a:fillRef idx="1">
+            <a:schemeClr val="accent1"/>
+          </a:fillRef>
+          <a:effectRef idx="0">
+            <a:schemeClr val="accent1"/>
+          </a:effectRef>
+          <a:fontRef idx="minor">
+            <a:schemeClr val="lt1"/>
+          </a:fontRef>
+        </p:style>
+        <p:txBody>
+          <a:bodyPr rtlCol="0" anchor="ctr"/>
+          <a:lstStyle/>
+          <a:p>
+            <a:pPr algn="ctr"/>
+            <a:r>
+              <a:rPr lang="en-US" sz="1600" dirty="0" smtClean="0"/>
+              <a:t>http://192.168.99.100:31001</a:t>
+            </a:r>
+            <a:endParaRPr lang="en-US" dirty="0"/>
+          </a:p>
+        </p:txBody>
+      </p:sp>
+      <p:cxnSp>
+        <p:nvCxnSpPr>
+          <p:cNvPr id="20" name="Straight Arrow Connector 19"/>
+          <p:cNvCxnSpPr>
+            <a:stCxn id="18" idx="3"/>
+            <a:endCxn id="7" idx="1"/>
+          </p:cNvCxnSpPr>
+          <p:nvPr/>
+        </p:nvCxnSpPr>
+        <p:spPr>
+          <a:xfrm flipV="1">
+            <a:off x="3962400" y="3118366"/>
+            <a:ext cx="68437" cy="805934"/>
+          </a:xfrm>
+          <a:prstGeom prst="straightConnector1">
+            <a:avLst/>
+          </a:prstGeom>
+          <a:ln>
+            <a:tailEnd type="arrow"/>
+          </a:ln>
+        </p:spPr>
+        <p:style>
+          <a:lnRef idx="1">
+            <a:schemeClr val="accent1"/>
+          </a:lnRef>
+          <a:fillRef idx="0">
+            <a:schemeClr val="accent1"/>
+          </a:fillRef>
+          <a:effectRef idx="0">
+            <a:schemeClr val="accent1"/>
+          </a:effectRef>
+          <a:fontRef idx="minor">
+            <a:schemeClr val="tx1"/>
+          </a:fontRef>
+        </p:style>
+      </p:cxnSp>
+    </p:spTree>
+  </p:cSld>
+  <p:clrMapOvr>
+    <a:masterClrMapping/>
+  </p:clrMapOvr>
+</p:sld>
+</file>
+
+<file path=ppt/slides/slide17.xml><?xml version="1.0" encoding="utf-8"?>
+<p:sld xmlns:a="http://schemas.openxmlformats.org/drawingml/2006/main" xmlns:r="http://schemas.openxmlformats.org/officeDocument/2006/relationships" xmlns:p="http://schemas.openxmlformats.org/presentationml/2006/main">
+  <p:cSld>
+    <p:spTree>
+      <p:nvGrpSpPr>
+        <p:cNvPr id="1" name=""/>
+        <p:cNvGrpSpPr/>
+        <p:nvPr/>
+      </p:nvGrpSpPr>
+      <p:grpSpPr>
+        <a:xfrm>
+          <a:off x="0" y="0"/>
+          <a:ext cx="0" cy="0"/>
+          <a:chOff x="0" y="0"/>
+          <a:chExt cx="0" cy="0"/>
+        </a:xfrm>
+      </p:grpSpPr>
+      <p:sp>
+        <p:nvSpPr>
+          <p:cNvPr id="2" name="Rectangle 1"/>
+          <p:cNvSpPr/>
+          <p:nvPr/>
+        </p:nvSpPr>
+        <p:spPr>
+          <a:xfrm>
+            <a:off x="4419600" y="876300"/>
+            <a:ext cx="4495800" cy="4724400"/>
+          </a:xfrm>
+          <a:prstGeom prst="rect">
+            <a:avLst/>
+          </a:prstGeom>
+          <a:noFill/>
+        </p:spPr>
+        <p:style>
+          <a:lnRef idx="2">
+            <a:schemeClr val="accent1">
+              <a:shade val="50000"/>
+            </a:schemeClr>
+          </a:lnRef>
+          <a:fillRef idx="1">
+            <a:schemeClr val="accent1"/>
+          </a:fillRef>
+          <a:effectRef idx="0">
+            <a:schemeClr val="accent1"/>
+          </a:effectRef>
+          <a:fontRef idx="minor">
+            <a:schemeClr val="lt1"/>
+          </a:fontRef>
+        </p:style>
+        <p:txBody>
+          <a:bodyPr rtlCol="0" anchor="ctr"/>
+          <a:lstStyle/>
+          <a:p>
+            <a:pPr algn="ctr"/>
+            <a:endParaRPr lang="en-US"/>
+          </a:p>
+        </p:txBody>
+      </p:sp>
+      <p:sp>
+        <p:nvSpPr>
+          <p:cNvPr id="3" name="TextBox 2"/>
+          <p:cNvSpPr txBox="1"/>
+          <p:nvPr/>
+        </p:nvSpPr>
+        <p:spPr>
+          <a:xfrm>
+            <a:off x="4495800" y="952500"/>
+            <a:ext cx="2583015" cy="369332"/>
+          </a:xfrm>
+          <a:prstGeom prst="rect">
+            <a:avLst/>
+          </a:prstGeom>
+          <a:noFill/>
+        </p:spPr>
+        <p:txBody>
+          <a:bodyPr wrap="none" rtlCol="0">
+            <a:spAutoFit/>
+          </a:bodyPr>
+          <a:lstStyle/>
+          <a:p>
+            <a:r>
+              <a:rPr lang="en-US" dirty="0" err="1" smtClean="0"/>
+              <a:t>Minikube</a:t>
+            </a:r>
+            <a:r>
+              <a:rPr lang="en-US" dirty="0" smtClean="0"/>
+              <a:t> 192.168.99.100</a:t>
+            </a:r>
+            <a:endParaRPr lang="en-US" dirty="0"/>
+          </a:p>
+        </p:txBody>
+      </p:sp>
+      <p:sp>
+        <p:nvSpPr>
+          <p:cNvPr id="4" name="Oval 3"/>
+          <p:cNvSpPr/>
+          <p:nvPr/>
+        </p:nvSpPr>
+        <p:spPr>
+          <a:xfrm>
+            <a:off x="7162800" y="3467100"/>
+            <a:ext cx="1447800" cy="609600"/>
+          </a:xfrm>
+          <a:prstGeom prst="ellipse">
+            <a:avLst/>
+          </a:prstGeom>
+        </p:spPr>
+        <p:style>
+          <a:lnRef idx="2">
+            <a:schemeClr val="accent1">
+              <a:shade val="50000"/>
+            </a:schemeClr>
+          </a:lnRef>
+          <a:fillRef idx="1">
+            <a:schemeClr val="accent1"/>
+          </a:fillRef>
+          <a:effectRef idx="0">
+            <a:schemeClr val="accent1"/>
+          </a:effectRef>
+          <a:fontRef idx="minor">
+            <a:schemeClr val="lt1"/>
+          </a:fontRef>
+        </p:style>
+        <p:txBody>
+          <a:bodyPr rtlCol="0" anchor="ctr"/>
+          <a:lstStyle/>
+          <a:p>
+            <a:pPr algn="ctr"/>
+            <a:r>
+              <a:rPr lang="en-US" dirty="0" smtClean="0"/>
+              <a:t>Blog-db:3306</a:t>
+            </a:r>
+          </a:p>
+        </p:txBody>
+      </p:sp>
+      <p:sp>
+        <p:nvSpPr>
+          <p:cNvPr id="5" name="TextBox 4"/>
+          <p:cNvSpPr txBox="1"/>
+          <p:nvPr/>
+        </p:nvSpPr>
+        <p:spPr>
+          <a:xfrm>
+            <a:off x="7315200" y="4076700"/>
+            <a:ext cx="1176925" cy="369332"/>
+          </a:xfrm>
+          <a:prstGeom prst="rect">
+            <a:avLst/>
+          </a:prstGeom>
+          <a:noFill/>
+        </p:spPr>
+        <p:txBody>
+          <a:bodyPr wrap="none" rtlCol="0">
+            <a:spAutoFit/>
+          </a:bodyPr>
+          <a:lstStyle/>
+          <a:p>
+            <a:r>
+              <a:rPr lang="en-US" dirty="0" smtClean="0"/>
+              <a:t>172.17.0.4</a:t>
+            </a:r>
+            <a:endParaRPr lang="en-US" dirty="0"/>
+          </a:p>
+        </p:txBody>
+      </p:sp>
+      <p:sp>
+        <p:nvSpPr>
+          <p:cNvPr id="6" name="Oval 5"/>
+          <p:cNvSpPr/>
+          <p:nvPr/>
+        </p:nvSpPr>
+        <p:spPr>
+          <a:xfrm>
+            <a:off x="4572000" y="3543300"/>
+            <a:ext cx="1905000" cy="1143000"/>
+          </a:xfrm>
+          <a:prstGeom prst="ellipse">
+            <a:avLst/>
+          </a:prstGeom>
+        </p:spPr>
+        <p:style>
+          <a:lnRef idx="2">
+            <a:schemeClr val="accent1">
+              <a:shade val="50000"/>
+            </a:schemeClr>
+          </a:lnRef>
+          <a:fillRef idx="1">
+            <a:schemeClr val="accent1"/>
+          </a:fillRef>
+          <a:effectRef idx="0">
+            <a:schemeClr val="accent1"/>
+          </a:effectRef>
+          <a:fontRef idx="minor">
+            <a:schemeClr val="lt1"/>
+          </a:fontRef>
+        </p:style>
+        <p:txBody>
+          <a:bodyPr rtlCol="0" anchor="ctr"/>
+          <a:lstStyle/>
+          <a:p>
+            <a:pPr algn="ctr"/>
+            <a:r>
+              <a:rPr lang="en-US" dirty="0" smtClean="0"/>
+              <a:t>ghost:2368</a:t>
+            </a:r>
+          </a:p>
+          <a:p>
+            <a:pPr algn="ctr"/>
+            <a:r>
+              <a:rPr lang="en-US" dirty="0" smtClean="0"/>
+              <a:t>Db: db-svc:8888</a:t>
+            </a:r>
+          </a:p>
+          <a:p>
+            <a:pPr algn="ctr"/>
+            <a:endParaRPr lang="en-US" dirty="0" smtClean="0"/>
+          </a:p>
+        </p:txBody>
+      </p:sp>
+      <p:sp>
+        <p:nvSpPr>
+          <p:cNvPr id="7" name="TextBox 6"/>
+          <p:cNvSpPr txBox="1"/>
+          <p:nvPr/>
+        </p:nvSpPr>
+        <p:spPr>
+          <a:xfrm>
+            <a:off x="6639788" y="2552700"/>
+            <a:ext cx="2504212" cy="923330"/>
+          </a:xfrm>
+          <a:prstGeom prst="rect">
+            <a:avLst/>
+          </a:prstGeom>
+          <a:noFill/>
+        </p:spPr>
+        <p:txBody>
+          <a:bodyPr wrap="none" rtlCol="0">
+            <a:spAutoFit/>
+          </a:bodyPr>
+          <a:lstStyle/>
+          <a:p>
+            <a:r>
+              <a:rPr lang="en-US" dirty="0" smtClean="0"/>
+              <a:t>db-svc: </a:t>
+            </a:r>
+          </a:p>
+          <a:p>
+            <a:r>
+              <a:rPr lang="en-US" dirty="0" smtClean="0"/>
+              <a:t>IP: 10.45.67.90, SP:8888 </a:t>
+            </a:r>
+          </a:p>
+          <a:p>
+            <a:r>
+              <a:rPr lang="en-US" dirty="0" smtClean="0"/>
+              <a:t>EP:172.17.0.4:3306</a:t>
+            </a:r>
+            <a:endParaRPr lang="en-US" dirty="0"/>
+          </a:p>
+        </p:txBody>
+      </p:sp>
+      <p:cxnSp>
+        <p:nvCxnSpPr>
+          <p:cNvPr id="9" name="Straight Arrow Connector 8"/>
+          <p:cNvCxnSpPr>
+            <a:endCxn id="7" idx="1"/>
+          </p:cNvCxnSpPr>
+          <p:nvPr/>
+        </p:nvCxnSpPr>
+        <p:spPr>
+          <a:xfrm flipV="1">
+            <a:off x="5791200" y="3014365"/>
+            <a:ext cx="848588" cy="986135"/>
+          </a:xfrm>
+          <a:prstGeom prst="straightConnector1">
+            <a:avLst/>
+          </a:prstGeom>
+          <a:ln>
+            <a:solidFill>
+              <a:srgbClr val="FF0000"/>
+            </a:solidFill>
+            <a:tailEnd type="arrow"/>
+          </a:ln>
+        </p:spPr>
+        <p:style>
+          <a:lnRef idx="1">
+            <a:schemeClr val="accent1"/>
+          </a:lnRef>
+          <a:fillRef idx="0">
+            <a:schemeClr val="accent1"/>
+          </a:fillRef>
+          <a:effectRef idx="0">
+            <a:schemeClr val="accent1"/>
+          </a:effectRef>
+          <a:fontRef idx="minor">
+            <a:schemeClr val="tx1"/>
+          </a:fontRef>
+        </p:style>
+      </p:cxnSp>
+      <p:sp>
+        <p:nvSpPr>
+          <p:cNvPr id="10" name="TextBox 9"/>
+          <p:cNvSpPr txBox="1"/>
+          <p:nvPr/>
+        </p:nvSpPr>
+        <p:spPr>
+          <a:xfrm>
+            <a:off x="4876800" y="2705100"/>
+            <a:ext cx="1094339" cy="369332"/>
+          </a:xfrm>
+          <a:prstGeom prst="rect">
+            <a:avLst/>
+          </a:prstGeom>
+          <a:noFill/>
+        </p:spPr>
+        <p:txBody>
+          <a:bodyPr wrap="none" rtlCol="0">
+            <a:spAutoFit/>
+          </a:bodyPr>
+          <a:lstStyle/>
+          <a:p>
+            <a:r>
+              <a:rPr lang="en-US" dirty="0" smtClean="0"/>
+              <a:t>ghost-svc</a:t>
+            </a:r>
+            <a:endParaRPr lang="en-US" dirty="0"/>
+          </a:p>
+        </p:txBody>
+      </p:sp>
+      <p:sp>
+        <p:nvSpPr>
+          <p:cNvPr id="11" name="TextBox 10"/>
+          <p:cNvSpPr txBox="1"/>
+          <p:nvPr/>
+        </p:nvSpPr>
+        <p:spPr>
+          <a:xfrm>
+            <a:off x="3733800" y="2781300"/>
+            <a:ext cx="769763" cy="369332"/>
+          </a:xfrm>
+          <a:prstGeom prst="rect">
+            <a:avLst/>
+          </a:prstGeom>
+          <a:noFill/>
+        </p:spPr>
+        <p:txBody>
+          <a:bodyPr wrap="none" rtlCol="0">
+            <a:spAutoFit/>
+          </a:bodyPr>
+          <a:lstStyle/>
+          <a:p>
+            <a:r>
+              <a:rPr lang="en-US" dirty="0" smtClean="0"/>
+              <a:t>32022</a:t>
+            </a:r>
+            <a:endParaRPr lang="en-US" dirty="0"/>
+          </a:p>
+        </p:txBody>
+      </p:sp>
+      <p:cxnSp>
+        <p:nvCxnSpPr>
+          <p:cNvPr id="13" name="Straight Arrow Connector 12"/>
+          <p:cNvCxnSpPr>
+            <a:stCxn id="11" idx="3"/>
+            <a:endCxn id="10" idx="1"/>
+          </p:cNvCxnSpPr>
+          <p:nvPr/>
+        </p:nvCxnSpPr>
+        <p:spPr>
+          <a:xfrm flipV="1">
+            <a:off x="4503563" y="2889766"/>
+            <a:ext cx="373237" cy="76200"/>
+          </a:xfrm>
+          <a:prstGeom prst="straightConnector1">
+            <a:avLst/>
+          </a:prstGeom>
+          <a:ln>
+            <a:tailEnd type="arrow"/>
+          </a:ln>
+        </p:spPr>
+        <p:style>
+          <a:lnRef idx="1">
+            <a:schemeClr val="accent1"/>
+          </a:lnRef>
+          <a:fillRef idx="0">
+            <a:schemeClr val="accent1"/>
+          </a:fillRef>
+          <a:effectRef idx="0">
+            <a:schemeClr val="accent1"/>
+          </a:effectRef>
+          <a:fontRef idx="minor">
+            <a:schemeClr val="tx1"/>
+          </a:fontRef>
+        </p:style>
+      </p:cxnSp>
+      <p:cxnSp>
+        <p:nvCxnSpPr>
+          <p:cNvPr id="15" name="Straight Arrow Connector 14"/>
+          <p:cNvCxnSpPr>
+            <a:stCxn id="10" idx="2"/>
+            <a:endCxn id="6" idx="0"/>
+          </p:cNvCxnSpPr>
+          <p:nvPr/>
+        </p:nvCxnSpPr>
+        <p:spPr>
+          <a:xfrm>
+            <a:off x="5423970" y="3074432"/>
+            <a:ext cx="100530" cy="468868"/>
+          </a:xfrm>
+          <a:prstGeom prst="straightConnector1">
+            <a:avLst/>
+          </a:prstGeom>
+          <a:ln>
+            <a:tailEnd type="arrow"/>
+          </a:ln>
+        </p:spPr>
+        <p:style>
+          <a:lnRef idx="1">
+            <a:schemeClr val="accent1"/>
+          </a:lnRef>
+          <a:fillRef idx="0">
+            <a:schemeClr val="accent1"/>
+          </a:fillRef>
+          <a:effectRef idx="0">
+            <a:schemeClr val="accent1"/>
+          </a:effectRef>
+          <a:fontRef idx="minor">
+            <a:schemeClr val="tx1"/>
+          </a:fontRef>
+        </p:style>
+      </p:cxnSp>
+      <p:cxnSp>
+        <p:nvCxnSpPr>
+          <p:cNvPr id="18" name="Straight Arrow Connector 17"/>
+          <p:cNvCxnSpPr>
+            <a:endCxn id="4" idx="1"/>
+          </p:cNvCxnSpPr>
+          <p:nvPr/>
+        </p:nvCxnSpPr>
+        <p:spPr>
+          <a:xfrm>
+            <a:off x="7162800" y="3314700"/>
+            <a:ext cx="212026" cy="241674"/>
+          </a:xfrm>
+          <a:prstGeom prst="straightConnector1">
+            <a:avLst/>
+          </a:prstGeom>
+          <a:ln>
+            <a:tailEnd type="arrow"/>
+          </a:ln>
+        </p:spPr>
+        <p:style>
+          <a:lnRef idx="1">
+            <a:schemeClr val="accent1"/>
+          </a:lnRef>
+          <a:fillRef idx="0">
+            <a:schemeClr val="accent1"/>
+          </a:fillRef>
+          <a:effectRef idx="0">
+            <a:schemeClr val="accent1"/>
+          </a:effectRef>
+          <a:fontRef idx="minor">
+            <a:schemeClr val="tx1"/>
+          </a:fontRef>
+        </p:style>
+      </p:cxnSp>
+    </p:spTree>
+  </p:cSld>
+  <p:clrMapOvr>
+    <a:masterClrMapping/>
+  </p:clrMapOvr>
+</p:sld>
+</file>
+
+<file path=ppt/slides/slide18.xml><?xml version="1.0" encoding="utf-8"?>
+<p:sld xmlns:a="http://schemas.openxmlformats.org/drawingml/2006/main" xmlns:r="http://schemas.openxmlformats.org/officeDocument/2006/relationships" xmlns:p="http://schemas.openxmlformats.org/presentationml/2006/main">
+  <p:cSld>
+    <p:spTree>
+      <p:nvGrpSpPr>
+        <p:cNvPr id="1" name=""/>
+        <p:cNvGrpSpPr/>
+        <p:nvPr/>
+      </p:nvGrpSpPr>
+      <p:grpSpPr>
+        <a:xfrm>
+          <a:off x="0" y="0"/>
+          <a:ext cx="0" cy="0"/>
+          <a:chOff x="0" y="0"/>
+          <a:chExt cx="0" cy="0"/>
+        </a:xfrm>
+      </p:grpSpPr>
+      <p:sp>
+        <p:nvSpPr>
+          <p:cNvPr id="2" name="Can 1"/>
+          <p:cNvSpPr/>
+          <p:nvPr/>
+        </p:nvSpPr>
+        <p:spPr>
+          <a:xfrm>
+            <a:off x="7010400" y="342900"/>
+            <a:ext cx="990600" cy="1524000"/>
+          </a:xfrm>
+          <a:prstGeom prst="can">
+            <a:avLst/>
+          </a:prstGeom>
+        </p:spPr>
+        <p:style>
+          <a:lnRef idx="2">
+            <a:schemeClr val="accent1">
+              <a:shade val="50000"/>
+            </a:schemeClr>
+          </a:lnRef>
+          <a:fillRef idx="1">
+            <a:schemeClr val="accent1"/>
+          </a:fillRef>
+          <a:effectRef idx="0">
+            <a:schemeClr val="accent1"/>
+          </a:effectRef>
+          <a:fontRef idx="minor">
+            <a:schemeClr val="lt1"/>
+          </a:fontRef>
+        </p:style>
+        <p:txBody>
+          <a:bodyPr rtlCol="0" anchor="ctr"/>
+          <a:lstStyle/>
+          <a:p>
+            <a:pPr algn="ctr"/>
+            <a:r>
+              <a:rPr lang="en-US" dirty="0" smtClean="0"/>
+              <a:t>Mysql:3306</a:t>
+            </a:r>
+            <a:endParaRPr lang="en-US" dirty="0"/>
+          </a:p>
+        </p:txBody>
+      </p:sp>
+      <p:sp>
+        <p:nvSpPr>
+          <p:cNvPr id="3" name="Rectangle 2"/>
+          <p:cNvSpPr/>
+          <p:nvPr/>
+        </p:nvSpPr>
+        <p:spPr>
+          <a:xfrm>
+            <a:off x="4724400" y="331232"/>
+            <a:ext cx="1447800" cy="1066800"/>
+          </a:xfrm>
+          <a:prstGeom prst="rect">
+            <a:avLst/>
+          </a:prstGeom>
+        </p:spPr>
+        <p:style>
+          <a:lnRef idx="2">
+            <a:schemeClr val="accent1">
+              <a:shade val="50000"/>
+            </a:schemeClr>
+          </a:lnRef>
+          <a:fillRef idx="1">
+            <a:schemeClr val="accent1"/>
+          </a:fillRef>
+          <a:effectRef idx="0">
+            <a:schemeClr val="accent1"/>
+          </a:effectRef>
+          <a:fontRef idx="minor">
+            <a:schemeClr val="lt1"/>
+          </a:fontRef>
+        </p:style>
+        <p:txBody>
+          <a:bodyPr rtlCol="0" anchor="ctr"/>
+          <a:lstStyle/>
+          <a:p>
+            <a:pPr algn="ctr"/>
+            <a:r>
+              <a:rPr lang="en-US" dirty="0" smtClean="0"/>
+              <a:t>Apache:8080</a:t>
+            </a:r>
+            <a:endParaRPr lang="en-US" dirty="0"/>
+          </a:p>
+        </p:txBody>
+      </p:sp>
+      <p:cxnSp>
+        <p:nvCxnSpPr>
+          <p:cNvPr id="5" name="Straight Arrow Connector 4"/>
+          <p:cNvCxnSpPr>
+            <a:stCxn id="3" idx="3"/>
+            <a:endCxn id="2" idx="2"/>
+          </p:cNvCxnSpPr>
+          <p:nvPr/>
+        </p:nvCxnSpPr>
+        <p:spPr>
+          <a:xfrm>
+            <a:off x="6172200" y="864632"/>
+            <a:ext cx="838200" cy="240268"/>
+          </a:xfrm>
+          <a:prstGeom prst="straightConnector1">
+            <a:avLst/>
+          </a:prstGeom>
+          <a:ln>
+            <a:tailEnd type="arrow"/>
+          </a:ln>
+        </p:spPr>
+        <p:style>
+          <a:lnRef idx="1">
+            <a:schemeClr val="accent1"/>
+          </a:lnRef>
+          <a:fillRef idx="0">
+            <a:schemeClr val="accent1"/>
+          </a:fillRef>
+          <a:effectRef idx="0">
+            <a:schemeClr val="accent1"/>
+          </a:effectRef>
+          <a:fontRef idx="minor">
+            <a:schemeClr val="tx1"/>
+          </a:fontRef>
+        </p:style>
+      </p:cxnSp>
+      <p:sp>
+        <p:nvSpPr>
+          <p:cNvPr id="6" name="TextBox 5"/>
+          <p:cNvSpPr txBox="1"/>
+          <p:nvPr/>
+        </p:nvSpPr>
+        <p:spPr>
+          <a:xfrm>
+            <a:off x="6934200" y="2019300"/>
+            <a:ext cx="1410964" cy="369332"/>
+          </a:xfrm>
+          <a:prstGeom prst="rect">
+            <a:avLst/>
+          </a:prstGeom>
+          <a:noFill/>
+        </p:spPr>
+        <p:txBody>
+          <a:bodyPr wrap="none" rtlCol="0">
+            <a:spAutoFit/>
+          </a:bodyPr>
+          <a:lstStyle/>
+          <a:p>
+            <a:r>
+              <a:rPr lang="en-US" dirty="0" smtClean="0"/>
+              <a:t>123.34.56.23</a:t>
+            </a:r>
+            <a:endParaRPr lang="en-US" dirty="0"/>
+          </a:p>
+        </p:txBody>
+      </p:sp>
+      <p:sp>
+        <p:nvSpPr>
+          <p:cNvPr id="7" name="TextBox 6"/>
+          <p:cNvSpPr txBox="1"/>
+          <p:nvPr/>
+        </p:nvSpPr>
+        <p:spPr>
+          <a:xfrm>
+            <a:off x="4724400" y="1321832"/>
+            <a:ext cx="1410964" cy="369332"/>
+          </a:xfrm>
+          <a:prstGeom prst="rect">
+            <a:avLst/>
+          </a:prstGeom>
+          <a:noFill/>
+        </p:spPr>
+        <p:txBody>
+          <a:bodyPr wrap="none" rtlCol="0">
+            <a:spAutoFit/>
+          </a:bodyPr>
+          <a:lstStyle/>
+          <a:p>
+            <a:r>
+              <a:rPr lang="en-US" dirty="0" smtClean="0"/>
+              <a:t>123.34.56.24</a:t>
+            </a:r>
+            <a:endParaRPr lang="en-US" dirty="0"/>
+          </a:p>
+        </p:txBody>
+      </p:sp>
+      <p:sp>
+        <p:nvSpPr>
+          <p:cNvPr id="8" name="Smiley Face 7"/>
+          <p:cNvSpPr/>
+          <p:nvPr/>
+        </p:nvSpPr>
+        <p:spPr>
+          <a:xfrm>
+            <a:off x="152400" y="1028700"/>
+            <a:ext cx="762000" cy="762000"/>
+          </a:xfrm>
+          <a:prstGeom prst="smileyFace">
+            <a:avLst/>
+          </a:prstGeom>
+        </p:spPr>
+        <p:style>
+          <a:lnRef idx="2">
+            <a:schemeClr val="accent1">
+              <a:shade val="50000"/>
+            </a:schemeClr>
+          </a:lnRef>
+          <a:fillRef idx="1">
+            <a:schemeClr val="accent1"/>
+          </a:fillRef>
+          <a:effectRef idx="0">
+            <a:schemeClr val="accent1"/>
+          </a:effectRef>
+          <a:fontRef idx="minor">
+            <a:schemeClr val="lt1"/>
+          </a:fontRef>
+        </p:style>
+        <p:txBody>
+          <a:bodyPr rtlCol="0" anchor="ctr"/>
+          <a:lstStyle/>
+          <a:p>
+            <a:pPr algn="ctr"/>
+            <a:endParaRPr lang="en-US"/>
+          </a:p>
+        </p:txBody>
+      </p:sp>
+      <p:sp>
+        <p:nvSpPr>
+          <p:cNvPr id="9" name="TextBox 8"/>
+          <p:cNvSpPr txBox="1"/>
+          <p:nvPr/>
+        </p:nvSpPr>
+        <p:spPr>
+          <a:xfrm>
+            <a:off x="-152400" y="1714500"/>
+            <a:ext cx="1465529" cy="369332"/>
+          </a:xfrm>
+          <a:prstGeom prst="rect">
+            <a:avLst/>
+          </a:prstGeom>
+          <a:noFill/>
+        </p:spPr>
+        <p:txBody>
+          <a:bodyPr wrap="none" rtlCol="0">
+            <a:spAutoFit/>
+          </a:bodyPr>
+          <a:lstStyle/>
+          <a:p>
+            <a:r>
+              <a:rPr lang="en-US" dirty="0" smtClean="0"/>
+              <a:t>http://app:80</a:t>
+            </a:r>
+            <a:endParaRPr lang="en-US" dirty="0"/>
+          </a:p>
+        </p:txBody>
+      </p:sp>
+      <p:cxnSp>
+        <p:nvCxnSpPr>
+          <p:cNvPr id="11" name="Straight Arrow Connector 10"/>
+          <p:cNvCxnSpPr>
+            <a:stCxn id="8" idx="6"/>
+            <a:endCxn id="22" idx="1"/>
+          </p:cNvCxnSpPr>
+          <p:nvPr/>
+        </p:nvCxnSpPr>
+        <p:spPr>
+          <a:xfrm>
+            <a:off x="914400" y="1409700"/>
+            <a:ext cx="1219200" cy="76200"/>
+          </a:xfrm>
+          <a:prstGeom prst="straightConnector1">
+            <a:avLst/>
+          </a:prstGeom>
+          <a:ln>
+            <a:tailEnd type="arrow"/>
+          </a:ln>
+        </p:spPr>
+        <p:style>
+          <a:lnRef idx="1">
+            <a:schemeClr val="accent1"/>
+          </a:lnRef>
+          <a:fillRef idx="0">
+            <a:schemeClr val="accent1"/>
+          </a:fillRef>
+          <a:effectRef idx="0">
+            <a:schemeClr val="accent1"/>
+          </a:effectRef>
+          <a:fontRef idx="minor">
+            <a:schemeClr val="tx1"/>
+          </a:fontRef>
+        </p:style>
+      </p:cxnSp>
+      <p:sp>
+        <p:nvSpPr>
+          <p:cNvPr id="15" name="Rectangle 14"/>
+          <p:cNvSpPr/>
+          <p:nvPr/>
+        </p:nvSpPr>
+        <p:spPr>
+          <a:xfrm>
+            <a:off x="4800600" y="1866900"/>
+            <a:ext cx="1447800" cy="1066800"/>
+          </a:xfrm>
+          <a:prstGeom prst="rect">
+            <a:avLst/>
+          </a:prstGeom>
+        </p:spPr>
+        <p:style>
+          <a:lnRef idx="2">
+            <a:schemeClr val="accent1">
+              <a:shade val="50000"/>
+            </a:schemeClr>
+          </a:lnRef>
+          <a:fillRef idx="1">
+            <a:schemeClr val="accent1"/>
+          </a:fillRef>
+          <a:effectRef idx="0">
+            <a:schemeClr val="accent1"/>
+          </a:effectRef>
+          <a:fontRef idx="minor">
+            <a:schemeClr val="lt1"/>
+          </a:fontRef>
+        </p:style>
+        <p:txBody>
+          <a:bodyPr rtlCol="0" anchor="ctr"/>
+          <a:lstStyle/>
+          <a:p>
+            <a:pPr algn="ctr"/>
+            <a:r>
+              <a:rPr lang="en-US" dirty="0" smtClean="0"/>
+              <a:t>Apache:8080</a:t>
+            </a:r>
+            <a:endParaRPr lang="en-US" dirty="0"/>
+          </a:p>
+        </p:txBody>
+      </p:sp>
+      <p:sp>
+        <p:nvSpPr>
+          <p:cNvPr id="16" name="TextBox 15"/>
+          <p:cNvSpPr txBox="1"/>
+          <p:nvPr/>
+        </p:nvSpPr>
+        <p:spPr>
+          <a:xfrm>
+            <a:off x="4800600" y="2922032"/>
+            <a:ext cx="1410964" cy="369332"/>
+          </a:xfrm>
+          <a:prstGeom prst="rect">
+            <a:avLst/>
+          </a:prstGeom>
+          <a:noFill/>
+        </p:spPr>
+        <p:txBody>
+          <a:bodyPr wrap="none" rtlCol="0">
+            <a:spAutoFit/>
+          </a:bodyPr>
+          <a:lstStyle/>
+          <a:p>
+            <a:r>
+              <a:rPr lang="en-US" dirty="0" smtClean="0"/>
+              <a:t>123.34.56.25</a:t>
+            </a:r>
+            <a:endParaRPr lang="en-US" dirty="0"/>
+          </a:p>
+        </p:txBody>
+      </p:sp>
+      <p:cxnSp>
+        <p:nvCxnSpPr>
+          <p:cNvPr id="18" name="Straight Arrow Connector 17"/>
+          <p:cNvCxnSpPr>
+            <a:stCxn id="15" idx="3"/>
+            <a:endCxn id="2" idx="2"/>
+          </p:cNvCxnSpPr>
+          <p:nvPr/>
+        </p:nvCxnSpPr>
+        <p:spPr>
+          <a:xfrm flipV="1">
+            <a:off x="6248400" y="1104900"/>
+            <a:ext cx="762000" cy="1295400"/>
+          </a:xfrm>
+          <a:prstGeom prst="straightConnector1">
+            <a:avLst/>
+          </a:prstGeom>
+          <a:ln>
+            <a:tailEnd type="arrow"/>
+          </a:ln>
+        </p:spPr>
+        <p:style>
+          <a:lnRef idx="1">
+            <a:schemeClr val="accent1"/>
+          </a:lnRef>
+          <a:fillRef idx="0">
+            <a:schemeClr val="accent1"/>
+          </a:fillRef>
+          <a:effectRef idx="0">
+            <a:schemeClr val="accent1"/>
+          </a:effectRef>
+          <a:fontRef idx="minor">
+            <a:schemeClr val="tx1"/>
+          </a:fontRef>
+        </p:style>
+      </p:cxnSp>
+      <p:sp>
+        <p:nvSpPr>
+          <p:cNvPr id="22" name="Rectangle 21"/>
+          <p:cNvSpPr/>
+          <p:nvPr/>
+        </p:nvSpPr>
+        <p:spPr>
+          <a:xfrm>
+            <a:off x="2133600" y="1028700"/>
+            <a:ext cx="1524000" cy="914400"/>
+          </a:xfrm>
+          <a:prstGeom prst="rect">
+            <a:avLst/>
+          </a:prstGeom>
+        </p:spPr>
+        <p:style>
+          <a:lnRef idx="2">
+            <a:schemeClr val="accent1">
+              <a:shade val="50000"/>
+            </a:schemeClr>
+          </a:lnRef>
+          <a:fillRef idx="1">
+            <a:schemeClr val="accent1"/>
+          </a:fillRef>
+          <a:effectRef idx="0">
+            <a:schemeClr val="accent1"/>
+          </a:effectRef>
+          <a:fontRef idx="minor">
+            <a:schemeClr val="lt1"/>
+          </a:fontRef>
+        </p:style>
+        <p:txBody>
+          <a:bodyPr rtlCol="0" anchor="ctr"/>
+          <a:lstStyle/>
+          <a:p>
+            <a:pPr algn="ctr"/>
+            <a:r>
+              <a:rPr lang="en-US" dirty="0" smtClean="0"/>
+              <a:t>ha-proxy</a:t>
+            </a:r>
+            <a:endParaRPr lang="en-US" dirty="0"/>
+          </a:p>
+        </p:txBody>
+      </p:sp>
+      <p:sp>
+        <p:nvSpPr>
+          <p:cNvPr id="23" name="TextBox 22"/>
+          <p:cNvSpPr txBox="1"/>
+          <p:nvPr/>
+        </p:nvSpPr>
+        <p:spPr>
+          <a:xfrm>
+            <a:off x="2057400" y="647700"/>
+            <a:ext cx="1590500" cy="369332"/>
+          </a:xfrm>
+          <a:prstGeom prst="rect">
+            <a:avLst/>
+          </a:prstGeom>
+          <a:noFill/>
+        </p:spPr>
+        <p:txBody>
+          <a:bodyPr wrap="none" rtlCol="0">
+            <a:spAutoFit/>
+          </a:bodyPr>
+          <a:lstStyle/>
+          <a:p>
+            <a:r>
+              <a:rPr lang="en-US" dirty="0" smtClean="0"/>
+              <a:t>12.45.67.89:80</a:t>
+            </a:r>
+            <a:endParaRPr lang="en-US" dirty="0"/>
+          </a:p>
+        </p:txBody>
+      </p:sp>
+      <p:sp>
+        <p:nvSpPr>
+          <p:cNvPr id="24" name="TextBox 23"/>
+          <p:cNvSpPr txBox="1"/>
+          <p:nvPr/>
+        </p:nvSpPr>
+        <p:spPr>
+          <a:xfrm>
+            <a:off x="2133600" y="2095500"/>
+            <a:ext cx="2271327" cy="923330"/>
+          </a:xfrm>
+          <a:prstGeom prst="rect">
+            <a:avLst/>
+          </a:prstGeom>
+          <a:noFill/>
+        </p:spPr>
+        <p:txBody>
+          <a:bodyPr wrap="none" rtlCol="0">
+            <a:spAutoFit/>
+          </a:bodyPr>
+          <a:lstStyle/>
+          <a:p>
+            <a:r>
+              <a:rPr lang="en-US" dirty="0" smtClean="0"/>
+              <a:t>Backend:  round-robin</a:t>
+            </a:r>
+          </a:p>
+          <a:p>
+            <a:r>
+              <a:rPr lang="en-US" dirty="0" smtClean="0"/>
+              <a:t>     123.34.56.24:8080</a:t>
+            </a:r>
+          </a:p>
+          <a:p>
+            <a:r>
+              <a:rPr lang="en-US" dirty="0" smtClean="0"/>
+              <a:t>     123.34.56.25:8080</a:t>
+            </a:r>
+            <a:endParaRPr lang="en-US" dirty="0"/>
+          </a:p>
+        </p:txBody>
+      </p:sp>
+      <p:cxnSp>
+        <p:nvCxnSpPr>
+          <p:cNvPr id="26" name="Straight Arrow Connector 25"/>
+          <p:cNvCxnSpPr>
+            <a:stCxn id="22" idx="3"/>
+            <a:endCxn id="3" idx="1"/>
+          </p:cNvCxnSpPr>
+          <p:nvPr/>
+        </p:nvCxnSpPr>
+        <p:spPr>
+          <a:xfrm flipV="1">
+            <a:off x="3657600" y="864632"/>
+            <a:ext cx="1066800" cy="621268"/>
+          </a:xfrm>
+          <a:prstGeom prst="straightConnector1">
+            <a:avLst/>
+          </a:prstGeom>
+          <a:ln>
+            <a:tailEnd type="arrow"/>
+          </a:ln>
+        </p:spPr>
+        <p:style>
+          <a:lnRef idx="1">
+            <a:schemeClr val="accent1"/>
+          </a:lnRef>
+          <a:fillRef idx="0">
+            <a:schemeClr val="accent1"/>
+          </a:fillRef>
+          <a:effectRef idx="0">
+            <a:schemeClr val="accent1"/>
+          </a:effectRef>
+          <a:fontRef idx="minor">
+            <a:schemeClr val="tx1"/>
+          </a:fontRef>
+        </p:style>
+      </p:cxnSp>
+      <p:cxnSp>
+        <p:nvCxnSpPr>
+          <p:cNvPr id="28" name="Straight Arrow Connector 27"/>
+          <p:cNvCxnSpPr>
+            <a:stCxn id="22" idx="3"/>
+            <a:endCxn id="15" idx="1"/>
+          </p:cNvCxnSpPr>
+          <p:nvPr/>
+        </p:nvCxnSpPr>
+        <p:spPr>
+          <a:xfrm>
+            <a:off x="3657600" y="1485900"/>
+            <a:ext cx="1143000" cy="914400"/>
+          </a:xfrm>
+          <a:prstGeom prst="straightConnector1">
+            <a:avLst/>
+          </a:prstGeom>
+          <a:ln>
+            <a:tailEnd type="arrow"/>
+          </a:ln>
+        </p:spPr>
+        <p:style>
+          <a:lnRef idx="1">
+            <a:schemeClr val="accent1"/>
+          </a:lnRef>
+          <a:fillRef idx="0">
+            <a:schemeClr val="accent1"/>
+          </a:fillRef>
+          <a:effectRef idx="0">
+            <a:schemeClr val="accent1"/>
+          </a:effectRef>
+          <a:fontRef idx="minor">
+            <a:schemeClr val="tx1"/>
+          </a:fontRef>
+        </p:style>
+      </p:cxnSp>
+      <p:sp>
+        <p:nvSpPr>
+          <p:cNvPr id="35" name="Oval 34"/>
+          <p:cNvSpPr/>
+          <p:nvPr/>
+        </p:nvSpPr>
+        <p:spPr>
+          <a:xfrm>
+            <a:off x="533400" y="0"/>
+            <a:ext cx="1600200" cy="495300"/>
+          </a:xfrm>
+          <a:prstGeom prst="ellipse">
+            <a:avLst/>
+          </a:prstGeom>
+        </p:spPr>
+        <p:style>
+          <a:lnRef idx="2">
+            <a:schemeClr val="accent1">
+              <a:shade val="50000"/>
+            </a:schemeClr>
+          </a:lnRef>
+          <a:fillRef idx="1">
+            <a:schemeClr val="accent1"/>
+          </a:fillRef>
+          <a:effectRef idx="0">
+            <a:schemeClr val="accent1"/>
+          </a:effectRef>
+          <a:fontRef idx="minor">
+            <a:schemeClr val="lt1"/>
+          </a:fontRef>
+        </p:style>
+        <p:txBody>
+          <a:bodyPr rtlCol="0" anchor="ctr"/>
+          <a:lstStyle/>
+          <a:p>
+            <a:pPr algn="ctr"/>
+            <a:r>
+              <a:rPr lang="en-US" dirty="0" err="1" smtClean="0"/>
+              <a:t>dns</a:t>
+            </a:r>
+            <a:r>
+              <a:rPr lang="en-US" dirty="0" smtClean="0"/>
+              <a:t>-service</a:t>
+            </a:r>
+            <a:endParaRPr lang="en-US" dirty="0"/>
+          </a:p>
+        </p:txBody>
+      </p:sp>
+      <p:sp>
+        <p:nvSpPr>
+          <p:cNvPr id="36" name="TextBox 35"/>
+          <p:cNvSpPr txBox="1"/>
+          <p:nvPr/>
+        </p:nvSpPr>
+        <p:spPr>
+          <a:xfrm>
+            <a:off x="702542" y="495300"/>
+            <a:ext cx="1354858" cy="276999"/>
+          </a:xfrm>
+          <a:prstGeom prst="rect">
+            <a:avLst/>
+          </a:prstGeom>
+          <a:noFill/>
+        </p:spPr>
+        <p:txBody>
+          <a:bodyPr wrap="none" rtlCol="0">
+            <a:spAutoFit/>
+          </a:bodyPr>
+          <a:lstStyle/>
+          <a:p>
+            <a:r>
+              <a:rPr lang="en-US" sz="1200" dirty="0" smtClean="0"/>
+              <a:t>App     12.45.67.89</a:t>
+            </a:r>
+            <a:endParaRPr lang="en-US" dirty="0"/>
+          </a:p>
+        </p:txBody>
+      </p:sp>
+      <p:sp>
+        <p:nvSpPr>
+          <p:cNvPr id="37" name="TextBox 36"/>
+          <p:cNvSpPr txBox="1"/>
+          <p:nvPr/>
+        </p:nvSpPr>
+        <p:spPr>
+          <a:xfrm>
+            <a:off x="228600" y="4457700"/>
+            <a:ext cx="1465529" cy="369332"/>
+          </a:xfrm>
+          <a:prstGeom prst="rect">
+            <a:avLst/>
+          </a:prstGeom>
+          <a:noFill/>
+        </p:spPr>
+        <p:txBody>
+          <a:bodyPr wrap="none" rtlCol="0">
+            <a:spAutoFit/>
+          </a:bodyPr>
+          <a:lstStyle/>
+          <a:p>
+            <a:r>
+              <a:rPr lang="en-US" dirty="0" smtClean="0"/>
+              <a:t>http://app:80</a:t>
+            </a:r>
+            <a:endParaRPr lang="en-US" dirty="0"/>
+          </a:p>
+        </p:txBody>
+      </p:sp>
+      <p:cxnSp>
+        <p:nvCxnSpPr>
+          <p:cNvPr id="39" name="Straight Arrow Connector 38"/>
+          <p:cNvCxnSpPr>
+            <a:stCxn id="37" idx="3"/>
+          </p:cNvCxnSpPr>
+          <p:nvPr/>
+        </p:nvCxnSpPr>
+        <p:spPr>
+          <a:xfrm flipV="1">
+            <a:off x="1694129" y="4610100"/>
+            <a:ext cx="1125271" cy="32266"/>
+          </a:xfrm>
+          <a:prstGeom prst="straightConnector1">
+            <a:avLst/>
+          </a:prstGeom>
+          <a:ln>
+            <a:tailEnd type="arrow"/>
+          </a:ln>
+        </p:spPr>
+        <p:style>
+          <a:lnRef idx="1">
+            <a:schemeClr val="accent1"/>
+          </a:lnRef>
+          <a:fillRef idx="0">
+            <a:schemeClr val="accent1"/>
+          </a:fillRef>
+          <a:effectRef idx="0">
+            <a:schemeClr val="accent1"/>
+          </a:effectRef>
+          <a:fontRef idx="minor">
+            <a:schemeClr val="tx1"/>
+          </a:fontRef>
+        </p:style>
+      </p:cxnSp>
+      <p:sp>
+        <p:nvSpPr>
+          <p:cNvPr id="40" name="Rectangle 39"/>
+          <p:cNvSpPr/>
+          <p:nvPr/>
+        </p:nvSpPr>
+        <p:spPr>
+          <a:xfrm>
+            <a:off x="2895600" y="4457700"/>
+            <a:ext cx="1590500" cy="369332"/>
+          </a:xfrm>
+          <a:prstGeom prst="rect">
+            <a:avLst/>
+          </a:prstGeom>
+        </p:spPr>
+        <p:txBody>
+          <a:bodyPr wrap="none">
+            <a:spAutoFit/>
+          </a:bodyPr>
+          <a:lstStyle/>
+          <a:p>
+            <a:r>
+              <a:rPr lang="en-US" dirty="0" smtClean="0"/>
+              <a:t>12.45.67.89:80</a:t>
+            </a:r>
+            <a:endParaRPr lang="en-US" dirty="0"/>
+          </a:p>
+        </p:txBody>
+      </p:sp>
+      <p:cxnSp>
+        <p:nvCxnSpPr>
+          <p:cNvPr id="42" name="Straight Arrow Connector 41"/>
+          <p:cNvCxnSpPr/>
+          <p:nvPr/>
+        </p:nvCxnSpPr>
+        <p:spPr>
+          <a:xfrm>
+            <a:off x="4495800" y="4610100"/>
+            <a:ext cx="1524000" cy="0"/>
+          </a:xfrm>
+          <a:prstGeom prst="straightConnector1">
+            <a:avLst/>
+          </a:prstGeom>
+          <a:ln>
+            <a:tailEnd type="arrow"/>
+          </a:ln>
+        </p:spPr>
+        <p:style>
+          <a:lnRef idx="1">
+            <a:schemeClr val="accent1"/>
+          </a:lnRef>
+          <a:fillRef idx="0">
+            <a:schemeClr val="accent1"/>
+          </a:fillRef>
+          <a:effectRef idx="0">
+            <a:schemeClr val="accent1"/>
+          </a:effectRef>
+          <a:fontRef idx="minor">
+            <a:schemeClr val="tx1"/>
+          </a:fontRef>
+        </p:style>
+      </p:cxnSp>
+      <p:sp>
+        <p:nvSpPr>
+          <p:cNvPr id="43" name="Rectangle 42"/>
+          <p:cNvSpPr/>
+          <p:nvPr/>
+        </p:nvSpPr>
+        <p:spPr>
+          <a:xfrm>
+            <a:off x="6019800" y="4381500"/>
+            <a:ext cx="1994457" cy="369332"/>
+          </a:xfrm>
+          <a:prstGeom prst="rect">
+            <a:avLst/>
+          </a:prstGeom>
+        </p:spPr>
+        <p:txBody>
+          <a:bodyPr wrap="none">
+            <a:spAutoFit/>
+          </a:bodyPr>
+          <a:lstStyle/>
+          <a:p>
+            <a:r>
+              <a:rPr lang="en-US" dirty="0" smtClean="0"/>
+              <a:t> 123.34.56.24:8080</a:t>
+            </a:r>
+            <a:endParaRPr lang="en-US" dirty="0"/>
+          </a:p>
+        </p:txBody>
+      </p:sp>
+      <p:sp>
+        <p:nvSpPr>
+          <p:cNvPr id="44" name="TextBox 43"/>
+          <p:cNvSpPr txBox="1"/>
+          <p:nvPr/>
+        </p:nvSpPr>
+        <p:spPr>
+          <a:xfrm>
+            <a:off x="1676400" y="4152900"/>
+            <a:ext cx="1233286" cy="369332"/>
+          </a:xfrm>
+          <a:prstGeom prst="rect">
+            <a:avLst/>
+          </a:prstGeom>
+          <a:noFill/>
+        </p:spPr>
+        <p:txBody>
+          <a:bodyPr wrap="none" rtlCol="0">
+            <a:spAutoFit/>
+          </a:bodyPr>
+          <a:lstStyle/>
+          <a:p>
+            <a:r>
+              <a:rPr lang="en-US" dirty="0" err="1" smtClean="0"/>
+              <a:t>Dns</a:t>
+            </a:r>
+            <a:r>
+              <a:rPr lang="en-US" dirty="0" smtClean="0"/>
+              <a:t> lookup</a:t>
+            </a:r>
+            <a:endParaRPr lang="en-US" dirty="0"/>
+          </a:p>
+        </p:txBody>
+      </p:sp>
+      <p:sp>
+        <p:nvSpPr>
+          <p:cNvPr id="45" name="TextBox 44"/>
+          <p:cNvSpPr txBox="1"/>
+          <p:nvPr/>
+        </p:nvSpPr>
+        <p:spPr>
+          <a:xfrm>
+            <a:off x="4572000" y="4152900"/>
+            <a:ext cx="1398203" cy="369332"/>
+          </a:xfrm>
+          <a:prstGeom prst="rect">
+            <a:avLst/>
+          </a:prstGeom>
+          <a:noFill/>
+        </p:spPr>
+        <p:txBody>
+          <a:bodyPr wrap="none" rtlCol="0">
+            <a:spAutoFit/>
+          </a:bodyPr>
+          <a:lstStyle/>
+          <a:p>
+            <a:r>
+              <a:rPr lang="en-US" dirty="0" smtClean="0"/>
+              <a:t>Proxy lookup</a:t>
+            </a:r>
+            <a:endParaRPr lang="en-US" dirty="0"/>
+          </a:p>
+        </p:txBody>
+      </p:sp>
+      <p:sp>
+        <p:nvSpPr>
+          <p:cNvPr id="46" name="Rectangle 45"/>
+          <p:cNvSpPr/>
+          <p:nvPr/>
+        </p:nvSpPr>
+        <p:spPr>
+          <a:xfrm>
+            <a:off x="228600" y="4991100"/>
+            <a:ext cx="1356590" cy="369332"/>
+          </a:xfrm>
+          <a:prstGeom prst="rect">
+            <a:avLst/>
+          </a:prstGeom>
+        </p:spPr>
+        <p:txBody>
+          <a:bodyPr wrap="none">
+            <a:spAutoFit/>
+          </a:bodyPr>
+          <a:lstStyle/>
+          <a:p>
+            <a:r>
+              <a:rPr lang="en-US" dirty="0" smtClean="0"/>
+              <a:t>hw-svc:8888</a:t>
+            </a:r>
+            <a:endParaRPr lang="en-US" dirty="0"/>
+          </a:p>
+        </p:txBody>
+      </p:sp>
+      <p:cxnSp>
+        <p:nvCxnSpPr>
+          <p:cNvPr id="48" name="Straight Arrow Connector 47"/>
+          <p:cNvCxnSpPr>
+            <a:stCxn id="46" idx="3"/>
+          </p:cNvCxnSpPr>
+          <p:nvPr/>
+        </p:nvCxnSpPr>
+        <p:spPr>
+          <a:xfrm flipV="1">
+            <a:off x="1585190" y="5143500"/>
+            <a:ext cx="1310410" cy="32266"/>
+          </a:xfrm>
+          <a:prstGeom prst="straightConnector1">
+            <a:avLst/>
+          </a:prstGeom>
+          <a:ln>
+            <a:tailEnd type="arrow"/>
+          </a:ln>
+        </p:spPr>
+        <p:style>
+          <a:lnRef idx="1">
+            <a:schemeClr val="accent1"/>
+          </a:lnRef>
+          <a:fillRef idx="0">
+            <a:schemeClr val="accent1"/>
+          </a:fillRef>
+          <a:effectRef idx="0">
+            <a:schemeClr val="accent1"/>
+          </a:effectRef>
+          <a:fontRef idx="minor">
+            <a:schemeClr val="tx1"/>
+          </a:fontRef>
+        </p:style>
+      </p:cxnSp>
+      <p:sp>
+        <p:nvSpPr>
+          <p:cNvPr id="49" name="Rectangle 48"/>
+          <p:cNvSpPr/>
+          <p:nvPr/>
+        </p:nvSpPr>
+        <p:spPr>
+          <a:xfrm>
+            <a:off x="2895600" y="4991100"/>
+            <a:ext cx="1941557" cy="369332"/>
+          </a:xfrm>
+          <a:prstGeom prst="rect">
+            <a:avLst/>
+          </a:prstGeom>
+        </p:spPr>
+        <p:txBody>
+          <a:bodyPr wrap="none">
+            <a:spAutoFit/>
+          </a:bodyPr>
+          <a:lstStyle/>
+          <a:p>
+            <a:r>
+              <a:rPr lang="en-US" dirty="0" smtClean="0"/>
+              <a:t>10.98.220.82:8888</a:t>
+            </a:r>
+            <a:endParaRPr lang="en-US" dirty="0"/>
+          </a:p>
+        </p:txBody>
+      </p:sp>
+      <p:cxnSp>
+        <p:nvCxnSpPr>
+          <p:cNvPr id="50" name="Straight Arrow Connector 49"/>
+          <p:cNvCxnSpPr/>
+          <p:nvPr/>
+        </p:nvCxnSpPr>
+        <p:spPr>
+          <a:xfrm>
+            <a:off x="4800600" y="5143500"/>
+            <a:ext cx="1524000" cy="0"/>
+          </a:xfrm>
+          <a:prstGeom prst="straightConnector1">
+            <a:avLst/>
+          </a:prstGeom>
+          <a:ln>
+            <a:tailEnd type="arrow"/>
+          </a:ln>
+        </p:spPr>
+        <p:style>
+          <a:lnRef idx="1">
+            <a:schemeClr val="accent1"/>
+          </a:lnRef>
+          <a:fillRef idx="0">
+            <a:schemeClr val="accent1"/>
+          </a:fillRef>
+          <a:effectRef idx="0">
+            <a:schemeClr val="accent1"/>
+          </a:effectRef>
+          <a:fontRef idx="minor">
+            <a:schemeClr val="tx1"/>
+          </a:fontRef>
+        </p:style>
+      </p:cxnSp>
+      <p:sp>
+        <p:nvSpPr>
+          <p:cNvPr id="51" name="Rectangle 50"/>
+          <p:cNvSpPr/>
+          <p:nvPr/>
+        </p:nvSpPr>
+        <p:spPr>
+          <a:xfrm>
+            <a:off x="6324600" y="4914900"/>
+            <a:ext cx="1473480" cy="369332"/>
+          </a:xfrm>
+          <a:prstGeom prst="rect">
+            <a:avLst/>
+          </a:prstGeom>
+        </p:spPr>
+        <p:txBody>
+          <a:bodyPr wrap="none">
+            <a:spAutoFit/>
+          </a:bodyPr>
+          <a:lstStyle/>
+          <a:p>
+            <a:r>
+              <a:rPr lang="en-US" dirty="0" smtClean="0"/>
+              <a:t>172.17.0.4:80</a:t>
+            </a:r>
+            <a:endParaRPr lang="en-US" dirty="0"/>
+          </a:p>
+        </p:txBody>
+      </p:sp>
+      <p:sp>
+        <p:nvSpPr>
+          <p:cNvPr id="52" name="TextBox 51"/>
+          <p:cNvSpPr txBox="1"/>
+          <p:nvPr/>
+        </p:nvSpPr>
+        <p:spPr>
+          <a:xfrm>
+            <a:off x="1600200" y="4838700"/>
+            <a:ext cx="1233286" cy="369332"/>
+          </a:xfrm>
+          <a:prstGeom prst="rect">
+            <a:avLst/>
+          </a:prstGeom>
+          <a:noFill/>
+        </p:spPr>
+        <p:txBody>
+          <a:bodyPr wrap="none" rtlCol="0">
+            <a:spAutoFit/>
+          </a:bodyPr>
+          <a:lstStyle/>
+          <a:p>
+            <a:r>
+              <a:rPr lang="en-US" dirty="0" err="1" smtClean="0"/>
+              <a:t>Dns</a:t>
+            </a:r>
+            <a:r>
+              <a:rPr lang="en-US" dirty="0" smtClean="0"/>
+              <a:t> lookup</a:t>
+            </a:r>
+            <a:endParaRPr lang="en-US" dirty="0"/>
+          </a:p>
+        </p:txBody>
+      </p:sp>
+      <p:sp>
+        <p:nvSpPr>
+          <p:cNvPr id="53" name="TextBox 52"/>
+          <p:cNvSpPr txBox="1"/>
+          <p:nvPr/>
+        </p:nvSpPr>
+        <p:spPr>
+          <a:xfrm>
+            <a:off x="4724400" y="4774168"/>
+            <a:ext cx="1398203" cy="369332"/>
+          </a:xfrm>
+          <a:prstGeom prst="rect">
+            <a:avLst/>
+          </a:prstGeom>
+          <a:noFill/>
+        </p:spPr>
+        <p:txBody>
+          <a:bodyPr wrap="none" rtlCol="0">
+            <a:spAutoFit/>
+          </a:bodyPr>
+          <a:lstStyle/>
+          <a:p>
+            <a:r>
+              <a:rPr lang="en-US" dirty="0" smtClean="0"/>
+              <a:t>Proxy lookup</a:t>
+            </a:r>
+            <a:endParaRPr lang="en-US" dirty="0"/>
+          </a:p>
+        </p:txBody>
+      </p:sp>
+    </p:spTree>
+  </p:cSld>
+  <p:clrMapOvr>
+    <a:masterClrMapping/>
+  </p:clrMapOvr>
+</p:sld>
+</file>
+
+<file path=ppt/slides/slide19.xml><?xml version="1.0" encoding="utf-8"?>
+<p:sld xmlns:a="http://schemas.openxmlformats.org/drawingml/2006/main" xmlns:r="http://schemas.openxmlformats.org/officeDocument/2006/relationships" xmlns:p="http://schemas.openxmlformats.org/presentationml/2006/main">
+  <p:cSld>
+    <p:spTree>
+      <p:nvGrpSpPr>
+        <p:cNvPr id="1" name=""/>
+        <p:cNvGrpSpPr/>
+        <p:nvPr/>
+      </p:nvGrpSpPr>
+      <p:grpSpPr>
+        <a:xfrm>
+          <a:off x="0" y="0"/>
+          <a:ext cx="0" cy="0"/>
+          <a:chOff x="0" y="0"/>
+          <a:chExt cx="0" cy="0"/>
+        </a:xfrm>
+      </p:grpSpPr>
+      <p:sp>
+        <p:nvSpPr>
+          <p:cNvPr id="2" name="Rectangle 1"/>
+          <p:cNvSpPr/>
+          <p:nvPr/>
+        </p:nvSpPr>
+        <p:spPr>
+          <a:xfrm>
+            <a:off x="3429000" y="419100"/>
+            <a:ext cx="3124200" cy="2133600"/>
+          </a:xfrm>
+          <a:prstGeom prst="rect">
+            <a:avLst/>
+          </a:prstGeom>
+          <a:noFill/>
+        </p:spPr>
+        <p:style>
+          <a:lnRef idx="2">
+            <a:schemeClr val="accent1">
+              <a:shade val="50000"/>
+            </a:schemeClr>
+          </a:lnRef>
+          <a:fillRef idx="1">
+            <a:schemeClr val="accent1"/>
+          </a:fillRef>
+          <a:effectRef idx="0">
+            <a:schemeClr val="accent1"/>
+          </a:effectRef>
+          <a:fontRef idx="minor">
+            <a:schemeClr val="lt1"/>
+          </a:fontRef>
+        </p:style>
+        <p:txBody>
+          <a:bodyPr rtlCol="0" anchor="ctr"/>
+          <a:lstStyle/>
+          <a:p>
+            <a:pPr algn="ctr"/>
+            <a:endParaRPr lang="en-US"/>
+          </a:p>
+        </p:txBody>
+      </p:sp>
+      <p:sp>
+        <p:nvSpPr>
+          <p:cNvPr id="3" name="Rectangle 2"/>
+          <p:cNvSpPr/>
+          <p:nvPr/>
+        </p:nvSpPr>
+        <p:spPr>
+          <a:xfrm>
+            <a:off x="5638800" y="3162300"/>
+            <a:ext cx="3124200" cy="2133600"/>
+          </a:xfrm>
+          <a:prstGeom prst="rect">
+            <a:avLst/>
+          </a:prstGeom>
+          <a:noFill/>
+        </p:spPr>
+        <p:style>
+          <a:lnRef idx="2">
+            <a:schemeClr val="accent1">
+              <a:shade val="50000"/>
+            </a:schemeClr>
+          </a:lnRef>
+          <a:fillRef idx="1">
+            <a:schemeClr val="accent1"/>
+          </a:fillRef>
+          <a:effectRef idx="0">
+            <a:schemeClr val="accent1"/>
+          </a:effectRef>
+          <a:fontRef idx="minor">
+            <a:schemeClr val="lt1"/>
+          </a:fontRef>
+        </p:style>
+        <p:txBody>
+          <a:bodyPr rtlCol="0" anchor="ctr"/>
+          <a:lstStyle/>
+          <a:p>
+            <a:pPr algn="ctr"/>
+            <a:endParaRPr lang="en-US"/>
+          </a:p>
+        </p:txBody>
+      </p:sp>
+      <p:sp>
+        <p:nvSpPr>
+          <p:cNvPr id="4" name="Rectangle 3"/>
+          <p:cNvSpPr/>
+          <p:nvPr/>
+        </p:nvSpPr>
+        <p:spPr>
+          <a:xfrm>
+            <a:off x="2133600" y="3162300"/>
+            <a:ext cx="3124200" cy="2133600"/>
+          </a:xfrm>
+          <a:prstGeom prst="rect">
+            <a:avLst/>
+          </a:prstGeom>
+          <a:noFill/>
+        </p:spPr>
+        <p:style>
+          <a:lnRef idx="2">
+            <a:schemeClr val="accent1">
+              <a:shade val="50000"/>
+            </a:schemeClr>
+          </a:lnRef>
+          <a:fillRef idx="1">
+            <a:schemeClr val="accent1"/>
+          </a:fillRef>
+          <a:effectRef idx="0">
+            <a:schemeClr val="accent1"/>
+          </a:effectRef>
+          <a:fontRef idx="minor">
+            <a:schemeClr val="lt1"/>
+          </a:fontRef>
+        </p:style>
+        <p:txBody>
+          <a:bodyPr rtlCol="0" anchor="ctr"/>
+          <a:lstStyle/>
+          <a:p>
+            <a:pPr algn="ctr"/>
+            <a:endParaRPr lang="en-US"/>
+          </a:p>
+        </p:txBody>
+      </p:sp>
+      <p:sp>
+        <p:nvSpPr>
+          <p:cNvPr id="5" name="TextBox 4"/>
+          <p:cNvSpPr txBox="1"/>
+          <p:nvPr/>
+        </p:nvSpPr>
+        <p:spPr>
+          <a:xfrm>
+            <a:off x="4419600" y="114300"/>
+            <a:ext cx="836832" cy="369332"/>
+          </a:xfrm>
+          <a:prstGeom prst="rect">
+            <a:avLst/>
+          </a:prstGeom>
+          <a:noFill/>
+        </p:spPr>
+        <p:txBody>
+          <a:bodyPr wrap="none" rtlCol="0">
+            <a:spAutoFit/>
+          </a:bodyPr>
+          <a:lstStyle/>
+          <a:p>
+            <a:r>
+              <a:rPr lang="en-US" dirty="0" smtClean="0"/>
+              <a:t>master</a:t>
+            </a:r>
+            <a:endParaRPr lang="en-US" dirty="0"/>
+          </a:p>
+        </p:txBody>
+      </p:sp>
+      <p:sp>
+        <p:nvSpPr>
+          <p:cNvPr id="6" name="TextBox 5"/>
+          <p:cNvSpPr txBox="1"/>
+          <p:nvPr/>
+        </p:nvSpPr>
+        <p:spPr>
+          <a:xfrm>
+            <a:off x="5640168" y="5307568"/>
+            <a:ext cx="880369" cy="369332"/>
+          </a:xfrm>
+          <a:prstGeom prst="rect">
+            <a:avLst/>
+          </a:prstGeom>
+          <a:noFill/>
+        </p:spPr>
+        <p:txBody>
+          <a:bodyPr wrap="none" rtlCol="0">
+            <a:spAutoFit/>
+          </a:bodyPr>
+          <a:lstStyle/>
+          <a:p>
+            <a:r>
+              <a:rPr lang="en-US" dirty="0" smtClean="0"/>
+              <a:t>Node-2</a:t>
+            </a:r>
+            <a:endParaRPr lang="en-US" dirty="0"/>
+          </a:p>
+        </p:txBody>
+      </p:sp>
+      <p:sp>
+        <p:nvSpPr>
+          <p:cNvPr id="7" name="TextBox 6"/>
+          <p:cNvSpPr txBox="1"/>
+          <p:nvPr/>
+        </p:nvSpPr>
+        <p:spPr>
+          <a:xfrm>
+            <a:off x="2133600" y="5295900"/>
+            <a:ext cx="880369" cy="369332"/>
+          </a:xfrm>
+          <a:prstGeom prst="rect">
+            <a:avLst/>
+          </a:prstGeom>
+          <a:noFill/>
+        </p:spPr>
+        <p:txBody>
+          <a:bodyPr wrap="none" rtlCol="0">
+            <a:spAutoFit/>
+          </a:bodyPr>
+          <a:lstStyle/>
+          <a:p>
+            <a:r>
+              <a:rPr lang="en-US" dirty="0" smtClean="0"/>
+              <a:t>Node-1</a:t>
+            </a:r>
+            <a:endParaRPr lang="en-US" dirty="0"/>
+          </a:p>
+        </p:txBody>
+      </p:sp>
+      <p:sp>
+        <p:nvSpPr>
+          <p:cNvPr id="9" name="Isosceles Triangle 8"/>
+          <p:cNvSpPr/>
+          <p:nvPr/>
+        </p:nvSpPr>
+        <p:spPr>
+          <a:xfrm>
+            <a:off x="762000" y="1714500"/>
+            <a:ext cx="609600" cy="838200"/>
+          </a:xfrm>
+          <a:prstGeom prst="triangle">
+            <a:avLst/>
+          </a:prstGeom>
+        </p:spPr>
+        <p:style>
+          <a:lnRef idx="2">
+            <a:schemeClr val="accent1">
+              <a:shade val="50000"/>
+            </a:schemeClr>
+          </a:lnRef>
+          <a:fillRef idx="1">
+            <a:schemeClr val="accent1"/>
+          </a:fillRef>
+          <a:effectRef idx="0">
+            <a:schemeClr val="accent1"/>
+          </a:effectRef>
+          <a:fontRef idx="minor">
+            <a:schemeClr val="lt1"/>
+          </a:fontRef>
+        </p:style>
+        <p:txBody>
+          <a:bodyPr rtlCol="0" anchor="ctr"/>
+          <a:lstStyle/>
+          <a:p>
+            <a:pPr algn="ctr"/>
+            <a:endParaRPr lang="en-US"/>
+          </a:p>
+        </p:txBody>
+      </p:sp>
+      <p:sp>
+        <p:nvSpPr>
+          <p:cNvPr id="8" name="Rectangle 7"/>
+          <p:cNvSpPr/>
+          <p:nvPr/>
+        </p:nvSpPr>
+        <p:spPr>
+          <a:xfrm>
+            <a:off x="0" y="952500"/>
+            <a:ext cx="2133600" cy="1219200"/>
+          </a:xfrm>
+          <a:prstGeom prst="rect">
+            <a:avLst/>
+          </a:prstGeom>
+        </p:spPr>
+        <p:style>
+          <a:lnRef idx="2">
+            <a:schemeClr val="accent1">
+              <a:shade val="50000"/>
+            </a:schemeClr>
+          </a:lnRef>
+          <a:fillRef idx="1">
+            <a:schemeClr val="accent1"/>
+          </a:fillRef>
+          <a:effectRef idx="0">
+            <a:schemeClr val="accent1"/>
+          </a:effectRef>
+          <a:fontRef idx="minor">
+            <a:schemeClr val="lt1"/>
+          </a:fontRef>
+        </p:style>
+        <p:txBody>
+          <a:bodyPr rtlCol="0" anchor="ctr"/>
+          <a:lstStyle/>
+          <a:p>
+            <a:pPr algn="ctr"/>
+            <a:r>
+              <a:rPr lang="en-US" dirty="0" err="1" smtClean="0"/>
+              <a:t>Kubectl</a:t>
+            </a:r>
+            <a:r>
+              <a:rPr lang="en-US" dirty="0" smtClean="0"/>
+              <a:t> apply –f pod.yml</a:t>
+            </a:r>
+            <a:endParaRPr lang="en-US" dirty="0"/>
+          </a:p>
+        </p:txBody>
+      </p:sp>
+      <p:sp>
+        <p:nvSpPr>
+          <p:cNvPr id="10" name="TextBox 9"/>
+          <p:cNvSpPr txBox="1"/>
+          <p:nvPr/>
+        </p:nvSpPr>
+        <p:spPr>
+          <a:xfrm>
+            <a:off x="4338457" y="583168"/>
+            <a:ext cx="1147943" cy="369332"/>
+          </a:xfrm>
+          <a:prstGeom prst="rect">
+            <a:avLst/>
+          </a:prstGeom>
+          <a:noFill/>
+        </p:spPr>
+        <p:txBody>
+          <a:bodyPr wrap="none" rtlCol="0">
+            <a:spAutoFit/>
+          </a:bodyPr>
+          <a:lstStyle/>
+          <a:p>
+            <a:r>
+              <a:rPr lang="en-US" dirty="0" err="1" smtClean="0"/>
+              <a:t>api</a:t>
+            </a:r>
+            <a:r>
+              <a:rPr lang="en-US" dirty="0" smtClean="0"/>
+              <a:t>-server</a:t>
+            </a:r>
+            <a:endParaRPr lang="en-US" dirty="0"/>
+          </a:p>
+        </p:txBody>
+      </p:sp>
+      <p:cxnSp>
+        <p:nvCxnSpPr>
+          <p:cNvPr id="12" name="Straight Arrow Connector 11"/>
+          <p:cNvCxnSpPr>
+            <a:endCxn id="10" idx="1"/>
+          </p:cNvCxnSpPr>
+          <p:nvPr/>
+        </p:nvCxnSpPr>
+        <p:spPr>
+          <a:xfrm flipV="1">
+            <a:off x="1752600" y="767834"/>
+            <a:ext cx="2585857" cy="794266"/>
+          </a:xfrm>
+          <a:prstGeom prst="straightConnector1">
+            <a:avLst/>
+          </a:prstGeom>
+          <a:ln>
+            <a:tailEnd type="arrow"/>
+          </a:ln>
+        </p:spPr>
+        <p:style>
+          <a:lnRef idx="1">
+            <a:schemeClr val="accent1"/>
+          </a:lnRef>
+          <a:fillRef idx="0">
+            <a:schemeClr val="accent1"/>
+          </a:fillRef>
+          <a:effectRef idx="0">
+            <a:schemeClr val="accent1"/>
+          </a:effectRef>
+          <a:fontRef idx="minor">
+            <a:schemeClr val="tx1"/>
+          </a:fontRef>
+        </p:style>
+      </p:cxnSp>
+      <p:sp>
+        <p:nvSpPr>
+          <p:cNvPr id="13" name="TextBox 12"/>
+          <p:cNvSpPr txBox="1"/>
+          <p:nvPr/>
+        </p:nvSpPr>
+        <p:spPr>
+          <a:xfrm>
+            <a:off x="5715000" y="2171700"/>
+            <a:ext cx="818429" cy="369332"/>
+          </a:xfrm>
+          <a:prstGeom prst="rect">
+            <a:avLst/>
+          </a:prstGeom>
+          <a:noFill/>
+        </p:spPr>
+        <p:txBody>
+          <a:bodyPr wrap="none" rtlCol="0">
+            <a:spAutoFit/>
+          </a:bodyPr>
+          <a:lstStyle/>
+          <a:p>
+            <a:r>
+              <a:rPr lang="en-US" dirty="0" err="1" smtClean="0"/>
+              <a:t>docker</a:t>
+            </a:r>
+            <a:endParaRPr lang="en-US" dirty="0"/>
+          </a:p>
+        </p:txBody>
+      </p:sp>
+      <p:sp>
+        <p:nvSpPr>
+          <p:cNvPr id="14" name="TextBox 13"/>
+          <p:cNvSpPr txBox="1"/>
+          <p:nvPr/>
+        </p:nvSpPr>
+        <p:spPr>
+          <a:xfrm>
+            <a:off x="5638800" y="4926568"/>
+            <a:ext cx="818429" cy="369332"/>
+          </a:xfrm>
+          <a:prstGeom prst="rect">
+            <a:avLst/>
+          </a:prstGeom>
+          <a:noFill/>
+        </p:spPr>
+        <p:txBody>
+          <a:bodyPr wrap="none" rtlCol="0">
+            <a:spAutoFit/>
+          </a:bodyPr>
+          <a:lstStyle/>
+          <a:p>
+            <a:r>
+              <a:rPr lang="en-US" dirty="0" err="1" smtClean="0"/>
+              <a:t>docker</a:t>
+            </a:r>
+            <a:endParaRPr lang="en-US" dirty="0"/>
+          </a:p>
+        </p:txBody>
+      </p:sp>
+      <p:sp>
+        <p:nvSpPr>
+          <p:cNvPr id="15" name="TextBox 14"/>
+          <p:cNvSpPr txBox="1"/>
+          <p:nvPr/>
+        </p:nvSpPr>
+        <p:spPr>
+          <a:xfrm>
+            <a:off x="4419600" y="4914900"/>
+            <a:ext cx="818429" cy="369332"/>
+          </a:xfrm>
+          <a:prstGeom prst="rect">
+            <a:avLst/>
+          </a:prstGeom>
+          <a:noFill/>
+        </p:spPr>
+        <p:txBody>
+          <a:bodyPr wrap="none" rtlCol="0">
+            <a:spAutoFit/>
+          </a:bodyPr>
+          <a:lstStyle/>
+          <a:p>
+            <a:r>
+              <a:rPr lang="en-US" dirty="0" err="1" smtClean="0"/>
+              <a:t>docker</a:t>
+            </a:r>
+            <a:endParaRPr lang="en-US" dirty="0"/>
+          </a:p>
+        </p:txBody>
+      </p:sp>
+      <p:sp>
+        <p:nvSpPr>
+          <p:cNvPr id="16" name="TextBox 15"/>
+          <p:cNvSpPr txBox="1"/>
+          <p:nvPr/>
+        </p:nvSpPr>
+        <p:spPr>
+          <a:xfrm>
+            <a:off x="5638800" y="1866900"/>
+            <a:ext cx="889026" cy="369332"/>
+          </a:xfrm>
+          <a:prstGeom prst="rect">
+            <a:avLst/>
+          </a:prstGeom>
+          <a:noFill/>
+        </p:spPr>
+        <p:txBody>
+          <a:bodyPr wrap="none" rtlCol="0">
+            <a:spAutoFit/>
+          </a:bodyPr>
+          <a:lstStyle/>
+          <a:p>
+            <a:r>
+              <a:rPr lang="en-US" dirty="0" err="1" smtClean="0"/>
+              <a:t>kubelet</a:t>
+            </a:r>
+            <a:endParaRPr lang="en-US" dirty="0"/>
+          </a:p>
+        </p:txBody>
+      </p:sp>
+      <p:sp>
+        <p:nvSpPr>
+          <p:cNvPr id="17" name="TextBox 16"/>
+          <p:cNvSpPr txBox="1"/>
+          <p:nvPr/>
+        </p:nvSpPr>
+        <p:spPr>
+          <a:xfrm>
+            <a:off x="5638800" y="3162300"/>
+            <a:ext cx="889026" cy="369332"/>
+          </a:xfrm>
+          <a:prstGeom prst="rect">
+            <a:avLst/>
+          </a:prstGeom>
+          <a:noFill/>
+        </p:spPr>
+        <p:txBody>
+          <a:bodyPr wrap="none" rtlCol="0">
+            <a:spAutoFit/>
+          </a:bodyPr>
+          <a:lstStyle/>
+          <a:p>
+            <a:r>
+              <a:rPr lang="en-US" dirty="0" err="1" smtClean="0"/>
+              <a:t>kubelet</a:t>
+            </a:r>
+            <a:endParaRPr lang="en-US" dirty="0"/>
+          </a:p>
+        </p:txBody>
+      </p:sp>
+      <p:sp>
+        <p:nvSpPr>
+          <p:cNvPr id="18" name="TextBox 17"/>
+          <p:cNvSpPr txBox="1"/>
+          <p:nvPr/>
+        </p:nvSpPr>
+        <p:spPr>
+          <a:xfrm>
+            <a:off x="4343400" y="3162300"/>
+            <a:ext cx="889026" cy="369332"/>
+          </a:xfrm>
+          <a:prstGeom prst="rect">
+            <a:avLst/>
+          </a:prstGeom>
+          <a:noFill/>
+        </p:spPr>
+        <p:txBody>
+          <a:bodyPr wrap="none" rtlCol="0">
+            <a:spAutoFit/>
+          </a:bodyPr>
+          <a:lstStyle/>
+          <a:p>
+            <a:r>
+              <a:rPr lang="en-US" dirty="0" err="1" smtClean="0"/>
+              <a:t>kubelet</a:t>
+            </a:r>
+            <a:endParaRPr lang="en-US" dirty="0"/>
+          </a:p>
+        </p:txBody>
+      </p:sp>
+      <p:sp>
+        <p:nvSpPr>
+          <p:cNvPr id="19" name="TextBox 18"/>
+          <p:cNvSpPr txBox="1"/>
+          <p:nvPr/>
+        </p:nvSpPr>
+        <p:spPr>
+          <a:xfrm>
+            <a:off x="3581400" y="1257300"/>
+            <a:ext cx="1999202" cy="584775"/>
+          </a:xfrm>
+          <a:prstGeom prst="rect">
+            <a:avLst/>
+          </a:prstGeom>
+          <a:noFill/>
+        </p:spPr>
+        <p:txBody>
+          <a:bodyPr wrap="none" rtlCol="0">
+            <a:spAutoFit/>
+          </a:bodyPr>
+          <a:lstStyle/>
+          <a:p>
+            <a:r>
+              <a:rPr lang="en-US" dirty="0" smtClean="0"/>
+              <a:t>controller-manager</a:t>
+            </a:r>
+          </a:p>
+          <a:p>
+            <a:r>
+              <a:rPr lang="en-US" sz="1400" i="1" dirty="0" err="1" smtClean="0"/>
+              <a:t>Dep,rs,rc,pod</a:t>
+            </a:r>
+            <a:r>
+              <a:rPr lang="en-US" sz="1400" i="1" dirty="0" smtClean="0"/>
+              <a:t>-def</a:t>
+            </a:r>
+            <a:endParaRPr lang="en-US" sz="1400" i="1" dirty="0"/>
+          </a:p>
+        </p:txBody>
+      </p:sp>
+      <p:cxnSp>
+        <p:nvCxnSpPr>
+          <p:cNvPr id="21" name="Straight Arrow Connector 20"/>
+          <p:cNvCxnSpPr>
+            <a:stCxn id="10" idx="2"/>
+            <a:endCxn id="19" idx="0"/>
+          </p:cNvCxnSpPr>
+          <p:nvPr/>
+        </p:nvCxnSpPr>
+        <p:spPr>
+          <a:xfrm flipH="1">
+            <a:off x="4581001" y="952500"/>
+            <a:ext cx="331428" cy="304800"/>
+          </a:xfrm>
+          <a:prstGeom prst="straightConnector1">
+            <a:avLst/>
+          </a:prstGeom>
+          <a:ln>
+            <a:tailEnd type="arrow"/>
+          </a:ln>
+        </p:spPr>
+        <p:style>
+          <a:lnRef idx="1">
+            <a:schemeClr val="accent1"/>
+          </a:lnRef>
+          <a:fillRef idx="0">
+            <a:schemeClr val="accent1"/>
+          </a:fillRef>
+          <a:effectRef idx="0">
+            <a:schemeClr val="accent1"/>
+          </a:effectRef>
+          <a:fontRef idx="minor">
+            <a:schemeClr val="tx1"/>
+          </a:fontRef>
+        </p:style>
+      </p:cxnSp>
+      <p:sp>
+        <p:nvSpPr>
+          <p:cNvPr id="22" name="TextBox 21"/>
+          <p:cNvSpPr txBox="1"/>
+          <p:nvPr/>
+        </p:nvSpPr>
+        <p:spPr>
+          <a:xfrm>
+            <a:off x="4038600" y="2171700"/>
+            <a:ext cx="1117614" cy="369332"/>
+          </a:xfrm>
+          <a:prstGeom prst="rect">
+            <a:avLst/>
+          </a:prstGeom>
+          <a:noFill/>
+        </p:spPr>
+        <p:txBody>
+          <a:bodyPr wrap="none" rtlCol="0">
+            <a:spAutoFit/>
+          </a:bodyPr>
+          <a:lstStyle/>
+          <a:p>
+            <a:r>
+              <a:rPr lang="en-US" dirty="0" smtClean="0"/>
+              <a:t>Scheduler</a:t>
+            </a:r>
+            <a:endParaRPr lang="en-US" dirty="0"/>
+          </a:p>
+        </p:txBody>
+      </p:sp>
+      <p:cxnSp>
+        <p:nvCxnSpPr>
+          <p:cNvPr id="24" name="Straight Arrow Connector 23"/>
+          <p:cNvCxnSpPr>
+            <a:stCxn id="19" idx="2"/>
+            <a:endCxn id="22" idx="0"/>
+          </p:cNvCxnSpPr>
+          <p:nvPr/>
+        </p:nvCxnSpPr>
+        <p:spPr>
+          <a:xfrm>
+            <a:off x="4581001" y="1842075"/>
+            <a:ext cx="16406" cy="329625"/>
+          </a:xfrm>
+          <a:prstGeom prst="straightConnector1">
+            <a:avLst/>
+          </a:prstGeom>
+          <a:ln>
+            <a:tailEnd type="arrow"/>
+          </a:ln>
+        </p:spPr>
+        <p:style>
+          <a:lnRef idx="1">
+            <a:schemeClr val="accent1"/>
+          </a:lnRef>
+          <a:fillRef idx="0">
+            <a:schemeClr val="accent1"/>
+          </a:fillRef>
+          <a:effectRef idx="0">
+            <a:schemeClr val="accent1"/>
+          </a:effectRef>
+          <a:fontRef idx="minor">
+            <a:schemeClr val="tx1"/>
+          </a:fontRef>
+        </p:style>
+      </p:cxnSp>
+      <p:cxnSp>
+        <p:nvCxnSpPr>
+          <p:cNvPr id="26" name="Straight Arrow Connector 25"/>
+          <p:cNvCxnSpPr>
+            <a:endCxn id="17" idx="0"/>
+          </p:cNvCxnSpPr>
+          <p:nvPr/>
+        </p:nvCxnSpPr>
+        <p:spPr>
+          <a:xfrm>
+            <a:off x="4572000" y="2552700"/>
+            <a:ext cx="1511313" cy="609600"/>
+          </a:xfrm>
+          <a:prstGeom prst="straightConnector1">
+            <a:avLst/>
+          </a:prstGeom>
+          <a:ln>
+            <a:tailEnd type="arrow"/>
+          </a:ln>
+        </p:spPr>
+        <p:style>
+          <a:lnRef idx="1">
+            <a:schemeClr val="accent1"/>
+          </a:lnRef>
+          <a:fillRef idx="0">
+            <a:schemeClr val="accent1"/>
+          </a:fillRef>
+          <a:effectRef idx="0">
+            <a:schemeClr val="accent1"/>
+          </a:effectRef>
+          <a:fontRef idx="minor">
+            <a:schemeClr val="tx1"/>
+          </a:fontRef>
+        </p:style>
+      </p:cxnSp>
+      <p:cxnSp>
+        <p:nvCxnSpPr>
+          <p:cNvPr id="28" name="Straight Arrow Connector 27"/>
+          <p:cNvCxnSpPr>
+            <a:stCxn id="17" idx="2"/>
+            <a:endCxn id="14" idx="0"/>
+          </p:cNvCxnSpPr>
+          <p:nvPr/>
+        </p:nvCxnSpPr>
+        <p:spPr>
+          <a:xfrm flipH="1">
+            <a:off x="6048015" y="3531632"/>
+            <a:ext cx="35298" cy="1394936"/>
+          </a:xfrm>
+          <a:prstGeom prst="straightConnector1">
+            <a:avLst/>
+          </a:prstGeom>
+          <a:ln>
+            <a:tailEnd type="arrow"/>
+          </a:ln>
+        </p:spPr>
+        <p:style>
+          <a:lnRef idx="1">
+            <a:schemeClr val="accent1"/>
+          </a:lnRef>
+          <a:fillRef idx="0">
+            <a:schemeClr val="accent1"/>
+          </a:fillRef>
+          <a:effectRef idx="0">
+            <a:schemeClr val="accent1"/>
+          </a:effectRef>
+          <a:fontRef idx="minor">
+            <a:schemeClr val="tx1"/>
+          </a:fontRef>
+        </p:style>
+      </p:cxnSp>
+      <p:cxnSp>
+        <p:nvCxnSpPr>
+          <p:cNvPr id="30" name="Straight Arrow Connector 29"/>
+          <p:cNvCxnSpPr/>
+          <p:nvPr/>
+        </p:nvCxnSpPr>
+        <p:spPr>
+          <a:xfrm flipV="1">
+            <a:off x="6172200" y="4000500"/>
+            <a:ext cx="457200" cy="1066800"/>
+          </a:xfrm>
+          <a:prstGeom prst="straightConnector1">
+            <a:avLst/>
+          </a:prstGeom>
+          <a:ln>
+            <a:tailEnd type="arrow"/>
+          </a:ln>
+        </p:spPr>
+        <p:style>
+          <a:lnRef idx="1">
+            <a:schemeClr val="accent1"/>
+          </a:lnRef>
+          <a:fillRef idx="0">
+            <a:schemeClr val="accent1"/>
+          </a:fillRef>
+          <a:effectRef idx="0">
+            <a:schemeClr val="accent1"/>
+          </a:effectRef>
+          <a:fontRef idx="minor">
+            <a:schemeClr val="tx1"/>
+          </a:fontRef>
+        </p:style>
+      </p:cxnSp>
+      <p:sp>
+        <p:nvSpPr>
+          <p:cNvPr id="31" name="Oval 30"/>
+          <p:cNvSpPr/>
+          <p:nvPr/>
+        </p:nvSpPr>
+        <p:spPr>
+          <a:xfrm>
+            <a:off x="6553200" y="3619500"/>
+            <a:ext cx="1295400" cy="457200"/>
+          </a:xfrm>
+          <a:prstGeom prst="ellipse">
+            <a:avLst/>
+          </a:prstGeom>
+        </p:spPr>
+        <p:style>
+          <a:lnRef idx="2">
+            <a:schemeClr val="accent1">
+              <a:shade val="50000"/>
+            </a:schemeClr>
+          </a:lnRef>
+          <a:fillRef idx="1">
+            <a:schemeClr val="accent1"/>
+          </a:fillRef>
+          <a:effectRef idx="0">
+            <a:schemeClr val="accent1"/>
+          </a:effectRef>
+          <a:fontRef idx="minor">
+            <a:schemeClr val="lt1"/>
+          </a:fontRef>
+        </p:style>
+        <p:txBody>
+          <a:bodyPr rtlCol="0" anchor="ctr"/>
+          <a:lstStyle/>
+          <a:p>
+            <a:pPr algn="ctr"/>
+            <a:r>
+              <a:rPr lang="en-US" dirty="0" smtClean="0"/>
+              <a:t>Pod-cont</a:t>
+            </a:r>
+            <a:endParaRPr lang="en-US" dirty="0"/>
+          </a:p>
+        </p:txBody>
+      </p:sp>
+      <p:cxnSp>
+        <p:nvCxnSpPr>
+          <p:cNvPr id="33" name="Straight Arrow Connector 32"/>
+          <p:cNvCxnSpPr>
+            <a:stCxn id="31" idx="4"/>
+            <a:endCxn id="14" idx="3"/>
+          </p:cNvCxnSpPr>
+          <p:nvPr/>
+        </p:nvCxnSpPr>
+        <p:spPr>
+          <a:xfrm flipH="1">
+            <a:off x="6457229" y="4076700"/>
+            <a:ext cx="743671" cy="1034534"/>
+          </a:xfrm>
+          <a:prstGeom prst="straightConnector1">
+            <a:avLst/>
+          </a:prstGeom>
+          <a:ln>
+            <a:tailEnd type="arrow"/>
+          </a:ln>
+        </p:spPr>
+        <p:style>
+          <a:lnRef idx="1">
+            <a:schemeClr val="accent1"/>
+          </a:lnRef>
+          <a:fillRef idx="0">
+            <a:schemeClr val="accent1"/>
+          </a:fillRef>
+          <a:effectRef idx="0">
+            <a:schemeClr val="accent1"/>
+          </a:effectRef>
+          <a:fontRef idx="minor">
+            <a:schemeClr val="tx1"/>
+          </a:fontRef>
+        </p:style>
+      </p:cxnSp>
+      <p:cxnSp>
+        <p:nvCxnSpPr>
+          <p:cNvPr id="35" name="Straight Arrow Connector 34"/>
+          <p:cNvCxnSpPr>
+            <a:stCxn id="14" idx="3"/>
+          </p:cNvCxnSpPr>
+          <p:nvPr/>
+        </p:nvCxnSpPr>
+        <p:spPr>
+          <a:xfrm flipV="1">
+            <a:off x="6457229" y="4762500"/>
+            <a:ext cx="934171" cy="348734"/>
+          </a:xfrm>
+          <a:prstGeom prst="straightConnector1">
+            <a:avLst/>
+          </a:prstGeom>
+          <a:ln>
+            <a:tailEnd type="arrow"/>
+          </a:ln>
+        </p:spPr>
+        <p:style>
+          <a:lnRef idx="1">
+            <a:schemeClr val="accent1"/>
+          </a:lnRef>
+          <a:fillRef idx="0">
+            <a:schemeClr val="accent1"/>
+          </a:fillRef>
+          <a:effectRef idx="0">
+            <a:schemeClr val="accent1"/>
+          </a:effectRef>
+          <a:fontRef idx="minor">
+            <a:schemeClr val="tx1"/>
+          </a:fontRef>
+        </p:style>
+      </p:cxnSp>
+      <p:sp>
+        <p:nvSpPr>
+          <p:cNvPr id="36" name="Oval 35"/>
+          <p:cNvSpPr/>
+          <p:nvPr/>
+        </p:nvSpPr>
+        <p:spPr>
+          <a:xfrm>
+            <a:off x="7391400" y="4381500"/>
+            <a:ext cx="1066800" cy="533400"/>
+          </a:xfrm>
+          <a:prstGeom prst="ellipse">
+            <a:avLst/>
+          </a:prstGeom>
+        </p:spPr>
+        <p:style>
+          <a:lnRef idx="2">
+            <a:schemeClr val="accent1">
+              <a:shade val="50000"/>
+            </a:schemeClr>
+          </a:lnRef>
+          <a:fillRef idx="1">
+            <a:schemeClr val="accent1"/>
+          </a:fillRef>
+          <a:effectRef idx="0">
+            <a:schemeClr val="accent1"/>
+          </a:effectRef>
+          <a:fontRef idx="minor">
+            <a:schemeClr val="lt1"/>
+          </a:fontRef>
+        </p:style>
+        <p:txBody>
+          <a:bodyPr rtlCol="0" anchor="ctr"/>
+          <a:lstStyle/>
+          <a:p>
+            <a:pPr algn="ctr"/>
+            <a:r>
+              <a:rPr lang="en-US" dirty="0" smtClean="0"/>
+              <a:t>Nginx:80</a:t>
+            </a:r>
+            <a:endParaRPr lang="en-US" dirty="0"/>
+          </a:p>
+        </p:txBody>
+      </p:sp>
+      <p:sp>
+        <p:nvSpPr>
+          <p:cNvPr id="41" name="Can 40"/>
+          <p:cNvSpPr/>
+          <p:nvPr/>
+        </p:nvSpPr>
+        <p:spPr>
+          <a:xfrm>
+            <a:off x="5638800" y="876300"/>
+            <a:ext cx="838200" cy="457200"/>
+          </a:xfrm>
+          <a:prstGeom prst="can">
+            <a:avLst/>
+          </a:prstGeom>
+        </p:spPr>
+        <p:style>
+          <a:lnRef idx="2">
+            <a:schemeClr val="accent1">
+              <a:shade val="50000"/>
+            </a:schemeClr>
+          </a:lnRef>
+          <a:fillRef idx="1">
+            <a:schemeClr val="accent1"/>
+          </a:fillRef>
+          <a:effectRef idx="0">
+            <a:schemeClr val="accent1"/>
+          </a:effectRef>
+          <a:fontRef idx="minor">
+            <a:schemeClr val="lt1"/>
+          </a:fontRef>
+        </p:style>
+        <p:txBody>
+          <a:bodyPr rtlCol="0" anchor="ctr"/>
+          <a:lstStyle/>
+          <a:p>
+            <a:pPr algn="ctr"/>
+            <a:r>
+              <a:rPr lang="en-US" dirty="0" err="1" smtClean="0"/>
+              <a:t>etcd</a:t>
+            </a:r>
+            <a:endParaRPr lang="en-US" dirty="0"/>
+          </a:p>
+        </p:txBody>
+      </p:sp>
+      <p:cxnSp>
+        <p:nvCxnSpPr>
+          <p:cNvPr id="43" name="Straight Arrow Connector 42"/>
+          <p:cNvCxnSpPr>
+            <a:endCxn id="41" idx="3"/>
+          </p:cNvCxnSpPr>
+          <p:nvPr/>
+        </p:nvCxnSpPr>
+        <p:spPr>
+          <a:xfrm flipV="1">
+            <a:off x="5105400" y="1333500"/>
+            <a:ext cx="952500" cy="304800"/>
+          </a:xfrm>
+          <a:prstGeom prst="straightConnector1">
+            <a:avLst/>
+          </a:prstGeom>
+          <a:ln>
+            <a:tailEnd type="arrow"/>
+          </a:ln>
+        </p:spPr>
+        <p:style>
+          <a:lnRef idx="1">
+            <a:schemeClr val="accent1"/>
+          </a:lnRef>
+          <a:fillRef idx="0">
+            <a:schemeClr val="accent1"/>
+          </a:fillRef>
+          <a:effectRef idx="0">
+            <a:schemeClr val="accent1"/>
+          </a:effectRef>
+          <a:fontRef idx="minor">
+            <a:schemeClr val="tx1"/>
+          </a:fontRef>
+        </p:style>
+      </p:cxnSp>
+      <p:sp>
+        <p:nvSpPr>
+          <p:cNvPr id="44" name="Rectangle 43"/>
+          <p:cNvSpPr/>
+          <p:nvPr/>
+        </p:nvSpPr>
+        <p:spPr>
+          <a:xfrm>
+            <a:off x="3352800" y="571500"/>
+            <a:ext cx="2133600" cy="1905000"/>
+          </a:xfrm>
+          <a:prstGeom prst="rect">
+            <a:avLst/>
+          </a:prstGeom>
+          <a:noFill/>
+          <a:ln>
+            <a:prstDash val="sysDot"/>
+          </a:ln>
+        </p:spPr>
+        <p:style>
+          <a:lnRef idx="2">
+            <a:schemeClr val="accent1">
+              <a:shade val="50000"/>
+            </a:schemeClr>
+          </a:lnRef>
+          <a:fillRef idx="1">
+            <a:schemeClr val="accent1"/>
+          </a:fillRef>
+          <a:effectRef idx="0">
+            <a:schemeClr val="accent1"/>
+          </a:effectRef>
+          <a:fontRef idx="minor">
+            <a:schemeClr val="lt1"/>
+          </a:fontRef>
+        </p:style>
+        <p:txBody>
+          <a:bodyPr rtlCol="0" anchor="ctr"/>
+          <a:lstStyle/>
+          <a:p>
+            <a:pPr algn="ctr"/>
+            <a:endParaRPr lang="en-US"/>
+          </a:p>
+        </p:txBody>
+      </p:sp>
+      <p:cxnSp>
+        <p:nvCxnSpPr>
+          <p:cNvPr id="46" name="Straight Arrow Connector 45"/>
+          <p:cNvCxnSpPr>
+            <a:stCxn id="44" idx="1"/>
+          </p:cNvCxnSpPr>
+          <p:nvPr/>
+        </p:nvCxnSpPr>
+        <p:spPr>
+          <a:xfrm flipH="1">
+            <a:off x="1371600" y="1524000"/>
+            <a:ext cx="1981200" cy="1562100"/>
+          </a:xfrm>
+          <a:prstGeom prst="straightConnector1">
+            <a:avLst/>
+          </a:prstGeom>
+          <a:ln>
+            <a:tailEnd type="arrow"/>
+          </a:ln>
+        </p:spPr>
+        <p:style>
+          <a:lnRef idx="1">
+            <a:schemeClr val="accent1"/>
+          </a:lnRef>
+          <a:fillRef idx="0">
+            <a:schemeClr val="accent1"/>
+          </a:fillRef>
+          <a:effectRef idx="0">
+            <a:schemeClr val="accent1"/>
+          </a:effectRef>
+          <a:fontRef idx="minor">
+            <a:schemeClr val="tx1"/>
+          </a:fontRef>
+        </p:style>
+      </p:cxnSp>
+      <p:sp>
+        <p:nvSpPr>
+          <p:cNvPr id="47" name="TextBox 46"/>
+          <p:cNvSpPr txBox="1"/>
+          <p:nvPr/>
+        </p:nvSpPr>
+        <p:spPr>
+          <a:xfrm>
+            <a:off x="381000" y="3086100"/>
+            <a:ext cx="1443280" cy="369332"/>
+          </a:xfrm>
+          <a:prstGeom prst="rect">
+            <a:avLst/>
+          </a:prstGeom>
+          <a:noFill/>
+        </p:spPr>
+        <p:txBody>
+          <a:bodyPr wrap="none" rtlCol="0">
+            <a:spAutoFit/>
+          </a:bodyPr>
+          <a:lstStyle/>
+          <a:p>
+            <a:r>
+              <a:rPr lang="en-US" dirty="0" smtClean="0"/>
+              <a:t>c</a:t>
+            </a:r>
+            <a:r>
+              <a:rPr lang="en-US" dirty="0" smtClean="0"/>
+              <a:t>ontrol-plane</a:t>
+            </a:r>
+            <a:endParaRPr lang="en-US" dirty="0"/>
+          </a:p>
+        </p:txBody>
+      </p:sp>
+      <p:cxnSp>
+        <p:nvCxnSpPr>
+          <p:cNvPr id="49" name="Straight Arrow Connector 48"/>
+          <p:cNvCxnSpPr>
+            <a:stCxn id="41" idx="4"/>
+          </p:cNvCxnSpPr>
+          <p:nvPr/>
+        </p:nvCxnSpPr>
+        <p:spPr>
+          <a:xfrm flipV="1">
+            <a:off x="6477000" y="876300"/>
+            <a:ext cx="457200" cy="228600"/>
+          </a:xfrm>
+          <a:prstGeom prst="straightConnector1">
+            <a:avLst/>
+          </a:prstGeom>
+          <a:ln>
+            <a:tailEnd type="arrow"/>
+          </a:ln>
+        </p:spPr>
+        <p:style>
+          <a:lnRef idx="1">
+            <a:schemeClr val="accent1"/>
+          </a:lnRef>
+          <a:fillRef idx="0">
+            <a:schemeClr val="accent1"/>
+          </a:fillRef>
+          <a:effectRef idx="0">
+            <a:schemeClr val="accent1"/>
+          </a:effectRef>
+          <a:fontRef idx="minor">
+            <a:schemeClr val="tx1"/>
+          </a:fontRef>
+        </p:style>
+      </p:cxnSp>
+      <p:sp>
+        <p:nvSpPr>
+          <p:cNvPr id="50" name="TextBox 49"/>
+          <p:cNvSpPr txBox="1"/>
+          <p:nvPr/>
+        </p:nvSpPr>
+        <p:spPr>
+          <a:xfrm>
+            <a:off x="6934200" y="735568"/>
+            <a:ext cx="1213666" cy="369332"/>
+          </a:xfrm>
+          <a:prstGeom prst="rect">
+            <a:avLst/>
+          </a:prstGeom>
+          <a:noFill/>
+        </p:spPr>
+        <p:txBody>
+          <a:bodyPr wrap="none" rtlCol="0">
+            <a:spAutoFit/>
+          </a:bodyPr>
+          <a:lstStyle/>
+          <a:p>
+            <a:r>
+              <a:rPr lang="en-US" dirty="0" smtClean="0"/>
+              <a:t>data-plane</a:t>
+            </a:r>
+            <a:endParaRPr lang="en-US" dirty="0"/>
+          </a:p>
+        </p:txBody>
+      </p:sp>
+    </p:spTree>
+  </p:cSld>
+  <p:clrMapOvr>
+    <a:masterClrMapping/>
+  </p:clrMapOvr>
+</p:sld>
+</file>
+
 <file path=ppt/slides/slide2.xml><?xml version="1.0" encoding="utf-8"?>
 <p:sld xmlns:a="http://schemas.openxmlformats.org/drawingml/2006/main" xmlns:r="http://schemas.openxmlformats.org/officeDocument/2006/relationships" xmlns:p="http://schemas.openxmlformats.org/presentationml/2006/main">
   <p:cSld>
@@ -9520,6 +12968,3000 @@
               <a:t>Bang-for-buck: no OS, ++, not fragmented</a:t>
             </a:r>
             <a:endParaRPr lang="en-US" sz="1600" dirty="0"/>
+          </a:p>
+        </p:txBody>
+      </p:sp>
+    </p:spTree>
+  </p:cSld>
+  <p:clrMapOvr>
+    <a:masterClrMapping/>
+  </p:clrMapOvr>
+</p:sld>
+</file>
+
+<file path=ppt/slides/slide20.xml><?xml version="1.0" encoding="utf-8"?>
+<p:sld xmlns:a="http://schemas.openxmlformats.org/drawingml/2006/main" xmlns:r="http://schemas.openxmlformats.org/officeDocument/2006/relationships" xmlns:p="http://schemas.openxmlformats.org/presentationml/2006/main">
+  <p:cSld>
+    <p:spTree>
+      <p:nvGrpSpPr>
+        <p:cNvPr id="1" name=""/>
+        <p:cNvGrpSpPr/>
+        <p:nvPr/>
+      </p:nvGrpSpPr>
+      <p:grpSpPr>
+        <a:xfrm>
+          <a:off x="0" y="0"/>
+          <a:ext cx="0" cy="0"/>
+          <a:chOff x="0" y="0"/>
+          <a:chExt cx="0" cy="0"/>
+        </a:xfrm>
+      </p:grpSpPr>
+      <p:sp>
+        <p:nvSpPr>
+          <p:cNvPr id="2" name="Rectangle 1"/>
+          <p:cNvSpPr/>
+          <p:nvPr/>
+        </p:nvSpPr>
+        <p:spPr>
+          <a:xfrm>
+            <a:off x="152400" y="1333500"/>
+            <a:ext cx="1143000" cy="2590800"/>
+          </a:xfrm>
+          <a:prstGeom prst="rect">
+            <a:avLst/>
+          </a:prstGeom>
+        </p:spPr>
+        <p:style>
+          <a:lnRef idx="2">
+            <a:schemeClr val="accent1">
+              <a:shade val="50000"/>
+            </a:schemeClr>
+          </a:lnRef>
+          <a:fillRef idx="1">
+            <a:schemeClr val="accent1"/>
+          </a:fillRef>
+          <a:effectRef idx="0">
+            <a:schemeClr val="accent1"/>
+          </a:effectRef>
+          <a:fontRef idx="minor">
+            <a:schemeClr val="lt1"/>
+          </a:fontRef>
+        </p:style>
+        <p:txBody>
+          <a:bodyPr rtlCol="0" anchor="ctr"/>
+          <a:lstStyle/>
+          <a:p>
+            <a:pPr algn="ctr"/>
+            <a:r>
+              <a:rPr lang="en-US" dirty="0" smtClean="0"/>
+              <a:t>Master</a:t>
+            </a:r>
+          </a:p>
+          <a:p>
+            <a:pPr algn="ctr"/>
+            <a:r>
+              <a:rPr lang="en-US" dirty="0" err="1" smtClean="0"/>
+              <a:t>Docker,kubelet</a:t>
+            </a:r>
+            <a:endParaRPr lang="en-US" dirty="0"/>
+          </a:p>
+        </p:txBody>
+      </p:sp>
+      <p:sp>
+        <p:nvSpPr>
+          <p:cNvPr id="3" name="Rectangle 2"/>
+          <p:cNvSpPr/>
+          <p:nvPr/>
+        </p:nvSpPr>
+        <p:spPr>
+          <a:xfrm>
+            <a:off x="2286000" y="266700"/>
+            <a:ext cx="6629400" cy="2286000"/>
+          </a:xfrm>
+          <a:prstGeom prst="rect">
+            <a:avLst/>
+          </a:prstGeom>
+          <a:noFill/>
+        </p:spPr>
+        <p:style>
+          <a:lnRef idx="2">
+            <a:schemeClr val="accent1">
+              <a:shade val="50000"/>
+            </a:schemeClr>
+          </a:lnRef>
+          <a:fillRef idx="1">
+            <a:schemeClr val="accent1"/>
+          </a:fillRef>
+          <a:effectRef idx="0">
+            <a:schemeClr val="accent1"/>
+          </a:effectRef>
+          <a:fontRef idx="minor">
+            <a:schemeClr val="lt1"/>
+          </a:fontRef>
+        </p:style>
+        <p:txBody>
+          <a:bodyPr rtlCol="0" anchor="ctr"/>
+          <a:lstStyle/>
+          <a:p>
+            <a:pPr algn="ctr"/>
+            <a:endParaRPr lang="en-US"/>
+          </a:p>
+        </p:txBody>
+      </p:sp>
+      <p:sp>
+        <p:nvSpPr>
+          <p:cNvPr id="4" name="Rectangle 3"/>
+          <p:cNvSpPr/>
+          <p:nvPr/>
+        </p:nvSpPr>
+        <p:spPr>
+          <a:xfrm>
+            <a:off x="2286000" y="3162300"/>
+            <a:ext cx="6629400" cy="2362200"/>
+          </a:xfrm>
+          <a:prstGeom prst="rect">
+            <a:avLst/>
+          </a:prstGeom>
+          <a:noFill/>
+        </p:spPr>
+        <p:style>
+          <a:lnRef idx="2">
+            <a:schemeClr val="accent1">
+              <a:shade val="50000"/>
+            </a:schemeClr>
+          </a:lnRef>
+          <a:fillRef idx="1">
+            <a:schemeClr val="accent1"/>
+          </a:fillRef>
+          <a:effectRef idx="0">
+            <a:schemeClr val="accent1"/>
+          </a:effectRef>
+          <a:fontRef idx="minor">
+            <a:schemeClr val="lt1"/>
+          </a:fontRef>
+        </p:style>
+        <p:txBody>
+          <a:bodyPr rtlCol="0" anchor="ctr"/>
+          <a:lstStyle/>
+          <a:p>
+            <a:pPr algn="ctr"/>
+            <a:endParaRPr lang="en-US"/>
+          </a:p>
+        </p:txBody>
+      </p:sp>
+      <p:sp>
+        <p:nvSpPr>
+          <p:cNvPr id="5" name="TextBox 4"/>
+          <p:cNvSpPr txBox="1"/>
+          <p:nvPr/>
+        </p:nvSpPr>
+        <p:spPr>
+          <a:xfrm>
+            <a:off x="2286000" y="266700"/>
+            <a:ext cx="1657826" cy="276999"/>
+          </a:xfrm>
+          <a:prstGeom prst="rect">
+            <a:avLst/>
+          </a:prstGeom>
+          <a:noFill/>
+        </p:spPr>
+        <p:txBody>
+          <a:bodyPr wrap="none" rtlCol="0">
+            <a:spAutoFit/>
+          </a:bodyPr>
+          <a:lstStyle/>
+          <a:p>
+            <a:r>
+              <a:rPr lang="en-US" sz="1200" dirty="0" smtClean="0"/>
+              <a:t>Node1: 192.168.99.100</a:t>
+            </a:r>
+            <a:endParaRPr lang="en-US" dirty="0"/>
+          </a:p>
+        </p:txBody>
+      </p:sp>
+      <p:sp>
+        <p:nvSpPr>
+          <p:cNvPr id="6" name="TextBox 5"/>
+          <p:cNvSpPr txBox="1"/>
+          <p:nvPr/>
+        </p:nvSpPr>
+        <p:spPr>
+          <a:xfrm>
+            <a:off x="2286000" y="3162300"/>
+            <a:ext cx="1657826" cy="276999"/>
+          </a:xfrm>
+          <a:prstGeom prst="rect">
+            <a:avLst/>
+          </a:prstGeom>
+          <a:noFill/>
+        </p:spPr>
+        <p:txBody>
+          <a:bodyPr wrap="none" rtlCol="0">
+            <a:spAutoFit/>
+          </a:bodyPr>
+          <a:lstStyle/>
+          <a:p>
+            <a:r>
+              <a:rPr lang="en-US" sz="1200" dirty="0" smtClean="0"/>
+              <a:t>Node2: 192.168.99.101</a:t>
+            </a:r>
+            <a:endParaRPr lang="en-US" dirty="0"/>
+          </a:p>
+        </p:txBody>
+      </p:sp>
+      <p:sp>
+        <p:nvSpPr>
+          <p:cNvPr id="7" name="TextBox 6"/>
+          <p:cNvSpPr txBox="1"/>
+          <p:nvPr/>
+        </p:nvSpPr>
+        <p:spPr>
+          <a:xfrm>
+            <a:off x="8262208" y="262235"/>
+            <a:ext cx="653192" cy="461665"/>
+          </a:xfrm>
+          <a:prstGeom prst="rect">
+            <a:avLst/>
+          </a:prstGeom>
+          <a:noFill/>
+        </p:spPr>
+        <p:txBody>
+          <a:bodyPr wrap="none" rtlCol="0">
+            <a:spAutoFit/>
+          </a:bodyPr>
+          <a:lstStyle/>
+          <a:p>
+            <a:r>
+              <a:rPr lang="en-US" sz="1200" dirty="0" err="1" smtClean="0"/>
+              <a:t>Docker</a:t>
+            </a:r>
+            <a:endParaRPr lang="en-US" sz="1200" dirty="0" smtClean="0"/>
+          </a:p>
+          <a:p>
+            <a:r>
+              <a:rPr lang="en-US" sz="1200" dirty="0" err="1" smtClean="0"/>
+              <a:t>kubelet</a:t>
+            </a:r>
+            <a:endParaRPr lang="en-US" sz="1200" dirty="0"/>
+          </a:p>
+        </p:txBody>
+      </p:sp>
+      <p:sp>
+        <p:nvSpPr>
+          <p:cNvPr id="8" name="TextBox 7"/>
+          <p:cNvSpPr txBox="1"/>
+          <p:nvPr/>
+        </p:nvSpPr>
+        <p:spPr>
+          <a:xfrm>
+            <a:off x="8262208" y="3157835"/>
+            <a:ext cx="653192" cy="461665"/>
+          </a:xfrm>
+          <a:prstGeom prst="rect">
+            <a:avLst/>
+          </a:prstGeom>
+          <a:noFill/>
+        </p:spPr>
+        <p:txBody>
+          <a:bodyPr wrap="none" rtlCol="0">
+            <a:spAutoFit/>
+          </a:bodyPr>
+          <a:lstStyle/>
+          <a:p>
+            <a:r>
+              <a:rPr lang="en-US" sz="1200" dirty="0" err="1" smtClean="0"/>
+              <a:t>Docker</a:t>
+            </a:r>
+            <a:endParaRPr lang="en-US" sz="1200" dirty="0" smtClean="0"/>
+          </a:p>
+          <a:p>
+            <a:r>
+              <a:rPr lang="en-US" sz="1200" dirty="0" err="1" smtClean="0"/>
+              <a:t>kubelet</a:t>
+            </a:r>
+            <a:endParaRPr lang="en-US" sz="1200" dirty="0"/>
+          </a:p>
+        </p:txBody>
+      </p:sp>
+      <p:sp>
+        <p:nvSpPr>
+          <p:cNvPr id="9" name="Oval 8"/>
+          <p:cNvSpPr/>
+          <p:nvPr/>
+        </p:nvSpPr>
+        <p:spPr>
+          <a:xfrm>
+            <a:off x="5486400" y="952500"/>
+            <a:ext cx="1219200" cy="457200"/>
+          </a:xfrm>
+          <a:prstGeom prst="ellipse">
+            <a:avLst/>
+          </a:prstGeom>
+        </p:spPr>
+        <p:style>
+          <a:lnRef idx="2">
+            <a:schemeClr val="accent1">
+              <a:shade val="50000"/>
+            </a:schemeClr>
+          </a:lnRef>
+          <a:fillRef idx="1">
+            <a:schemeClr val="accent1"/>
+          </a:fillRef>
+          <a:effectRef idx="0">
+            <a:schemeClr val="accent1"/>
+          </a:effectRef>
+          <a:fontRef idx="minor">
+            <a:schemeClr val="lt1"/>
+          </a:fontRef>
+        </p:style>
+        <p:txBody>
+          <a:bodyPr rtlCol="0" anchor="ctr"/>
+          <a:lstStyle/>
+          <a:p>
+            <a:pPr algn="ctr"/>
+            <a:r>
+              <a:rPr lang="en-US" dirty="0" smtClean="0"/>
+              <a:t>ghost</a:t>
+            </a:r>
+            <a:endParaRPr lang="en-US" dirty="0"/>
+          </a:p>
+        </p:txBody>
+      </p:sp>
+      <p:sp>
+        <p:nvSpPr>
+          <p:cNvPr id="10" name="TextBox 9"/>
+          <p:cNvSpPr txBox="1"/>
+          <p:nvPr/>
+        </p:nvSpPr>
+        <p:spPr>
+          <a:xfrm>
+            <a:off x="5670483" y="1409700"/>
+            <a:ext cx="2180405" cy="954107"/>
+          </a:xfrm>
+          <a:prstGeom prst="rect">
+            <a:avLst/>
+          </a:prstGeom>
+          <a:noFill/>
+        </p:spPr>
+        <p:txBody>
+          <a:bodyPr wrap="none" rtlCol="0">
+            <a:spAutoFit/>
+          </a:bodyPr>
+          <a:lstStyle/>
+          <a:p>
+            <a:r>
+              <a:rPr lang="en-US" sz="1400" dirty="0" smtClean="0"/>
+              <a:t>172.17.0.5</a:t>
+            </a:r>
+          </a:p>
+          <a:p>
+            <a:pPr marL="342900" indent="-342900">
+              <a:buAutoNum type="arabicPeriod"/>
+            </a:pPr>
+            <a:r>
+              <a:rPr lang="en-US" sz="1400" dirty="0" err="1" smtClean="0"/>
+              <a:t>Jdbc</a:t>
+            </a:r>
+            <a:r>
+              <a:rPr lang="en-US" sz="1400" dirty="0" smtClean="0"/>
+              <a:t>: db-svc:8888</a:t>
+            </a:r>
+          </a:p>
+          <a:p>
+            <a:pPr marL="342900" indent="-342900">
+              <a:buAutoNum type="arabicPeriod"/>
+            </a:pPr>
+            <a:r>
+              <a:rPr lang="en-US" sz="1400" dirty="0" smtClean="0"/>
+              <a:t>Etc/</a:t>
+            </a:r>
+            <a:r>
+              <a:rPr lang="en-US" sz="1400" dirty="0" err="1" smtClean="0"/>
+              <a:t>resolv.conf</a:t>
+            </a:r>
+            <a:endParaRPr lang="en-US" sz="1400" dirty="0" smtClean="0"/>
+          </a:p>
+          <a:p>
+            <a:pPr marL="342900" indent="-342900">
+              <a:buAutoNum type="arabicPeriod"/>
+            </a:pPr>
+            <a:r>
+              <a:rPr lang="en-US" sz="1400" dirty="0" smtClean="0"/>
+              <a:t>Jdbc:10.97.159.1:8888</a:t>
+            </a:r>
+          </a:p>
+        </p:txBody>
+      </p:sp>
+      <p:sp>
+        <p:nvSpPr>
+          <p:cNvPr id="11" name="Oval 10"/>
+          <p:cNvSpPr/>
+          <p:nvPr/>
+        </p:nvSpPr>
+        <p:spPr>
+          <a:xfrm>
+            <a:off x="5562600" y="3924300"/>
+            <a:ext cx="1219200" cy="457200"/>
+          </a:xfrm>
+          <a:prstGeom prst="ellipse">
+            <a:avLst/>
+          </a:prstGeom>
+        </p:spPr>
+        <p:style>
+          <a:lnRef idx="2">
+            <a:schemeClr val="accent1">
+              <a:shade val="50000"/>
+            </a:schemeClr>
+          </a:lnRef>
+          <a:fillRef idx="1">
+            <a:schemeClr val="accent1"/>
+          </a:fillRef>
+          <a:effectRef idx="0">
+            <a:schemeClr val="accent1"/>
+          </a:effectRef>
+          <a:fontRef idx="minor">
+            <a:schemeClr val="lt1"/>
+          </a:fontRef>
+        </p:style>
+        <p:txBody>
+          <a:bodyPr rtlCol="0" anchor="ctr"/>
+          <a:lstStyle/>
+          <a:p>
+            <a:pPr algn="ctr"/>
+            <a:r>
+              <a:rPr lang="en-US" sz="1400" dirty="0" smtClean="0"/>
+              <a:t>Db:3306</a:t>
+            </a:r>
+            <a:endParaRPr lang="en-US" dirty="0"/>
+          </a:p>
+        </p:txBody>
+      </p:sp>
+      <p:sp>
+        <p:nvSpPr>
+          <p:cNvPr id="12" name="TextBox 11"/>
+          <p:cNvSpPr txBox="1"/>
+          <p:nvPr/>
+        </p:nvSpPr>
+        <p:spPr>
+          <a:xfrm>
+            <a:off x="5746683" y="4381500"/>
+            <a:ext cx="958917" cy="307777"/>
+          </a:xfrm>
+          <a:prstGeom prst="rect">
+            <a:avLst/>
+          </a:prstGeom>
+          <a:noFill/>
+        </p:spPr>
+        <p:txBody>
+          <a:bodyPr wrap="none" rtlCol="0">
+            <a:spAutoFit/>
+          </a:bodyPr>
+          <a:lstStyle/>
+          <a:p>
+            <a:r>
+              <a:rPr lang="en-US" sz="1400" dirty="0" smtClean="0"/>
+              <a:t>172.18.0.6</a:t>
+            </a:r>
+            <a:endParaRPr lang="en-US" dirty="0"/>
+          </a:p>
+        </p:txBody>
+      </p:sp>
+      <p:sp>
+        <p:nvSpPr>
+          <p:cNvPr id="13" name="TextBox 12"/>
+          <p:cNvSpPr txBox="1"/>
+          <p:nvPr/>
+        </p:nvSpPr>
+        <p:spPr>
+          <a:xfrm>
+            <a:off x="2286000" y="1613237"/>
+            <a:ext cx="2610010" cy="1015663"/>
+          </a:xfrm>
+          <a:prstGeom prst="rect">
+            <a:avLst/>
+          </a:prstGeom>
+          <a:noFill/>
+        </p:spPr>
+        <p:txBody>
+          <a:bodyPr wrap="none" rtlCol="0">
+            <a:spAutoFit/>
+          </a:bodyPr>
+          <a:lstStyle/>
+          <a:p>
+            <a:r>
+              <a:rPr lang="en-US" sz="1200" dirty="0" smtClean="0"/>
+              <a:t>Canal,</a:t>
+            </a:r>
+          </a:p>
+          <a:p>
+            <a:r>
+              <a:rPr lang="en-US" sz="1200" dirty="0" err="1" smtClean="0"/>
+              <a:t>Kube</a:t>
+            </a:r>
+            <a:r>
+              <a:rPr lang="en-US" sz="1200" dirty="0" smtClean="0"/>
+              <a:t>-proxy</a:t>
+            </a:r>
+          </a:p>
+          <a:p>
+            <a:r>
+              <a:rPr lang="en-US" sz="1200" dirty="0" smtClean="0"/>
+              <a:t>172.17.0.0  next hop 192.168.99.100</a:t>
+            </a:r>
+          </a:p>
+          <a:p>
+            <a:r>
+              <a:rPr lang="en-US" sz="1200" dirty="0" smtClean="0"/>
+              <a:t>172.18.0.0  </a:t>
+            </a:r>
+            <a:r>
+              <a:rPr lang="en-US" sz="1200" dirty="0" smtClean="0"/>
+              <a:t>next hop </a:t>
+            </a:r>
+            <a:r>
+              <a:rPr lang="en-US" sz="1200" dirty="0" smtClean="0"/>
+              <a:t>192.168.99.101</a:t>
+            </a:r>
+          </a:p>
+          <a:p>
+            <a:r>
+              <a:rPr lang="en-US" sz="1200" dirty="0" smtClean="0"/>
+              <a:t>10.97.159.1:8888 EP </a:t>
+            </a:r>
+            <a:r>
+              <a:rPr lang="en-US" sz="1200" dirty="0" smtClean="0"/>
+              <a:t>172.18.0.6:3306</a:t>
+            </a:r>
+            <a:endParaRPr lang="en-US" sz="1200" dirty="0"/>
+          </a:p>
+        </p:txBody>
+      </p:sp>
+      <p:sp>
+        <p:nvSpPr>
+          <p:cNvPr id="14" name="TextBox 13"/>
+          <p:cNvSpPr txBox="1"/>
+          <p:nvPr/>
+        </p:nvSpPr>
+        <p:spPr>
+          <a:xfrm>
+            <a:off x="2308746" y="4866501"/>
+            <a:ext cx="512000" cy="276999"/>
+          </a:xfrm>
+          <a:prstGeom prst="rect">
+            <a:avLst/>
+          </a:prstGeom>
+          <a:noFill/>
+        </p:spPr>
+        <p:txBody>
+          <a:bodyPr wrap="none" rtlCol="0">
+            <a:spAutoFit/>
+          </a:bodyPr>
+          <a:lstStyle/>
+          <a:p>
+            <a:r>
+              <a:rPr lang="en-US" sz="1200" dirty="0" smtClean="0"/>
+              <a:t>canal</a:t>
+            </a:r>
+            <a:endParaRPr lang="en-US" dirty="0"/>
+          </a:p>
+        </p:txBody>
+      </p:sp>
+      <p:sp>
+        <p:nvSpPr>
+          <p:cNvPr id="15" name="Cloud 14"/>
+          <p:cNvSpPr/>
+          <p:nvPr/>
+        </p:nvSpPr>
+        <p:spPr>
+          <a:xfrm>
+            <a:off x="914400" y="1638300"/>
+            <a:ext cx="1676400" cy="2667000"/>
+          </a:xfrm>
+          <a:prstGeom prst="cloud">
+            <a:avLst/>
+          </a:prstGeom>
+          <a:noFill/>
+          <a:ln w="3175"/>
+        </p:spPr>
+        <p:style>
+          <a:lnRef idx="2">
+            <a:schemeClr val="accent1">
+              <a:shade val="50000"/>
+            </a:schemeClr>
+          </a:lnRef>
+          <a:fillRef idx="1">
+            <a:schemeClr val="accent1"/>
+          </a:fillRef>
+          <a:effectRef idx="0">
+            <a:schemeClr val="accent1"/>
+          </a:effectRef>
+          <a:fontRef idx="minor">
+            <a:schemeClr val="lt1"/>
+          </a:fontRef>
+        </p:style>
+        <p:txBody>
+          <a:bodyPr rtlCol="0" anchor="ctr"/>
+          <a:lstStyle/>
+          <a:p>
+            <a:pPr algn="ctr"/>
+            <a:endParaRPr lang="en-US"/>
+          </a:p>
+        </p:txBody>
+      </p:sp>
+      <p:sp>
+        <p:nvSpPr>
+          <p:cNvPr id="16" name="TextBox 15"/>
+          <p:cNvSpPr txBox="1"/>
+          <p:nvPr/>
+        </p:nvSpPr>
+        <p:spPr>
+          <a:xfrm>
+            <a:off x="2286000" y="4610100"/>
+            <a:ext cx="2610010" cy="1015663"/>
+          </a:xfrm>
+          <a:prstGeom prst="rect">
+            <a:avLst/>
+          </a:prstGeom>
+          <a:noFill/>
+        </p:spPr>
+        <p:txBody>
+          <a:bodyPr wrap="none" rtlCol="0">
+            <a:spAutoFit/>
+          </a:bodyPr>
+          <a:lstStyle/>
+          <a:p>
+            <a:endParaRPr lang="en-US" sz="1200" dirty="0" smtClean="0"/>
+          </a:p>
+          <a:p>
+            <a:r>
+              <a:rPr lang="en-US" sz="1200" dirty="0" err="1" smtClean="0"/>
+              <a:t>Kube</a:t>
+            </a:r>
+            <a:r>
+              <a:rPr lang="en-US" sz="1200" dirty="0" smtClean="0"/>
+              <a:t>-proxy</a:t>
+            </a:r>
+          </a:p>
+          <a:p>
+            <a:r>
+              <a:rPr lang="en-US" sz="1200" dirty="0" smtClean="0"/>
+              <a:t>172.17.0.0  next hop 192.168.99.100</a:t>
+            </a:r>
+          </a:p>
+          <a:p>
+            <a:r>
+              <a:rPr lang="en-US" sz="1200" dirty="0" smtClean="0"/>
+              <a:t>172.18.0.0  </a:t>
+            </a:r>
+            <a:r>
+              <a:rPr lang="en-US" sz="1200" dirty="0" smtClean="0"/>
+              <a:t>next hop </a:t>
+            </a:r>
+            <a:r>
+              <a:rPr lang="en-US" sz="1200" dirty="0" smtClean="0"/>
+              <a:t>192.168.99.101</a:t>
+            </a:r>
+            <a:endParaRPr lang="en-US" dirty="0" smtClean="0"/>
+          </a:p>
+          <a:p>
+            <a:r>
+              <a:rPr lang="en-US" sz="1200" dirty="0" smtClean="0"/>
+              <a:t>10.97.159.1:8888 EP 172.17.0.10:3306</a:t>
+            </a:r>
+            <a:endParaRPr lang="en-US" sz="1200" dirty="0"/>
+          </a:p>
+        </p:txBody>
+      </p:sp>
+      <p:sp>
+        <p:nvSpPr>
+          <p:cNvPr id="17" name="TextBox 16"/>
+          <p:cNvSpPr txBox="1"/>
+          <p:nvPr/>
+        </p:nvSpPr>
+        <p:spPr>
+          <a:xfrm>
+            <a:off x="0" y="114300"/>
+            <a:ext cx="2395015" cy="646331"/>
+          </a:xfrm>
+          <a:prstGeom prst="rect">
+            <a:avLst/>
+          </a:prstGeom>
+          <a:noFill/>
+        </p:spPr>
+        <p:txBody>
+          <a:bodyPr wrap="none" rtlCol="0">
+            <a:spAutoFit/>
+          </a:bodyPr>
+          <a:lstStyle/>
+          <a:p>
+            <a:r>
+              <a:rPr lang="en-US" dirty="0" smtClean="0"/>
+              <a:t>Pod-pod </a:t>
+            </a:r>
+          </a:p>
+          <a:p>
+            <a:r>
+              <a:rPr lang="en-US" dirty="0" smtClean="0"/>
+              <a:t>communication is given</a:t>
+            </a:r>
+            <a:endParaRPr lang="en-US" dirty="0"/>
+          </a:p>
+        </p:txBody>
+      </p:sp>
+      <p:sp>
+        <p:nvSpPr>
+          <p:cNvPr id="28" name="TextBox 27"/>
+          <p:cNvSpPr txBox="1"/>
+          <p:nvPr/>
+        </p:nvSpPr>
+        <p:spPr>
+          <a:xfrm>
+            <a:off x="1447800" y="2781300"/>
+            <a:ext cx="4403450" cy="276999"/>
+          </a:xfrm>
+          <a:prstGeom prst="rect">
+            <a:avLst/>
+          </a:prstGeom>
+          <a:noFill/>
+        </p:spPr>
+        <p:txBody>
+          <a:bodyPr wrap="none" rtlCol="0">
+            <a:spAutoFit/>
+          </a:bodyPr>
+          <a:lstStyle/>
+          <a:p>
+            <a:r>
+              <a:rPr lang="en-US" sz="1200" dirty="0" smtClean="0"/>
+              <a:t>Calico(AWS), flannel(OCI), cloud-weave(GC), overlay(</a:t>
+            </a:r>
+            <a:r>
+              <a:rPr lang="en-US" sz="1200" dirty="0" err="1" smtClean="0"/>
+              <a:t>docker</a:t>
+            </a:r>
+            <a:r>
+              <a:rPr lang="en-US" sz="1200" dirty="0" smtClean="0"/>
+              <a:t>-swarm)</a:t>
+            </a:r>
+            <a:endParaRPr lang="en-US" sz="1200" dirty="0"/>
+          </a:p>
+        </p:txBody>
+      </p:sp>
+      <p:cxnSp>
+        <p:nvCxnSpPr>
+          <p:cNvPr id="30" name="Straight Arrow Connector 29"/>
+          <p:cNvCxnSpPr/>
+          <p:nvPr/>
+        </p:nvCxnSpPr>
+        <p:spPr>
+          <a:xfrm flipV="1">
+            <a:off x="7391400" y="1409700"/>
+            <a:ext cx="533400" cy="381000"/>
+          </a:xfrm>
+          <a:prstGeom prst="straightConnector1">
+            <a:avLst/>
+          </a:prstGeom>
+          <a:ln>
+            <a:tailEnd type="arrow"/>
+          </a:ln>
+        </p:spPr>
+        <p:style>
+          <a:lnRef idx="1">
+            <a:schemeClr val="accent1"/>
+          </a:lnRef>
+          <a:fillRef idx="0">
+            <a:schemeClr val="accent1"/>
+          </a:fillRef>
+          <a:effectRef idx="0">
+            <a:schemeClr val="accent1"/>
+          </a:effectRef>
+          <a:fontRef idx="minor">
+            <a:schemeClr val="tx1"/>
+          </a:fontRef>
+        </p:style>
+      </p:cxnSp>
+      <p:sp>
+        <p:nvSpPr>
+          <p:cNvPr id="31" name="Oval 30"/>
+          <p:cNvSpPr/>
+          <p:nvPr/>
+        </p:nvSpPr>
+        <p:spPr>
+          <a:xfrm>
+            <a:off x="8001000" y="1257300"/>
+            <a:ext cx="914400" cy="381000"/>
+          </a:xfrm>
+          <a:prstGeom prst="ellipse">
+            <a:avLst/>
+          </a:prstGeom>
+        </p:spPr>
+        <p:style>
+          <a:lnRef idx="2">
+            <a:schemeClr val="accent1">
+              <a:shade val="50000"/>
+            </a:schemeClr>
+          </a:lnRef>
+          <a:fillRef idx="1">
+            <a:schemeClr val="accent1"/>
+          </a:fillRef>
+          <a:effectRef idx="0">
+            <a:schemeClr val="accent1"/>
+          </a:effectRef>
+          <a:fontRef idx="minor">
+            <a:schemeClr val="lt1"/>
+          </a:fontRef>
+        </p:style>
+        <p:txBody>
+          <a:bodyPr rtlCol="0" anchor="ctr"/>
+          <a:lstStyle/>
+          <a:p>
+            <a:pPr algn="ctr"/>
+            <a:r>
+              <a:rPr lang="en-US" sz="1400" dirty="0" err="1" smtClean="0"/>
+              <a:t>Kube-dns</a:t>
+            </a:r>
+            <a:endParaRPr lang="en-US" sz="1400" dirty="0"/>
+          </a:p>
+        </p:txBody>
+      </p:sp>
+      <p:cxnSp>
+        <p:nvCxnSpPr>
+          <p:cNvPr id="33" name="Straight Arrow Connector 32"/>
+          <p:cNvCxnSpPr/>
+          <p:nvPr/>
+        </p:nvCxnSpPr>
+        <p:spPr>
+          <a:xfrm flipH="1">
+            <a:off x="7772400" y="1714500"/>
+            <a:ext cx="304800" cy="457200"/>
+          </a:xfrm>
+          <a:prstGeom prst="straightConnector1">
+            <a:avLst/>
+          </a:prstGeom>
+          <a:ln>
+            <a:tailEnd type="arrow"/>
+          </a:ln>
+        </p:spPr>
+        <p:style>
+          <a:lnRef idx="1">
+            <a:schemeClr val="accent1"/>
+          </a:lnRef>
+          <a:fillRef idx="0">
+            <a:schemeClr val="accent1"/>
+          </a:fillRef>
+          <a:effectRef idx="0">
+            <a:schemeClr val="accent1"/>
+          </a:effectRef>
+          <a:fontRef idx="minor">
+            <a:schemeClr val="tx1"/>
+          </a:fontRef>
+        </p:style>
+      </p:cxnSp>
+      <p:cxnSp>
+        <p:nvCxnSpPr>
+          <p:cNvPr id="37" name="Straight Arrow Connector 36"/>
+          <p:cNvCxnSpPr>
+            <a:endCxn id="9" idx="2"/>
+          </p:cNvCxnSpPr>
+          <p:nvPr/>
+        </p:nvCxnSpPr>
+        <p:spPr>
+          <a:xfrm flipH="1" flipV="1">
+            <a:off x="5486400" y="1181100"/>
+            <a:ext cx="152400" cy="1066800"/>
+          </a:xfrm>
+          <a:prstGeom prst="straightConnector1">
+            <a:avLst/>
+          </a:prstGeom>
+          <a:ln>
+            <a:tailEnd type="arrow"/>
+          </a:ln>
+        </p:spPr>
+        <p:style>
+          <a:lnRef idx="1">
+            <a:schemeClr val="accent1"/>
+          </a:lnRef>
+          <a:fillRef idx="0">
+            <a:schemeClr val="accent1"/>
+          </a:fillRef>
+          <a:effectRef idx="0">
+            <a:schemeClr val="accent1"/>
+          </a:effectRef>
+          <a:fontRef idx="minor">
+            <a:schemeClr val="tx1"/>
+          </a:fontRef>
+        </p:style>
+      </p:cxnSp>
+      <p:sp>
+        <p:nvSpPr>
+          <p:cNvPr id="38" name="TextBox 37"/>
+          <p:cNvSpPr txBox="1"/>
+          <p:nvPr/>
+        </p:nvSpPr>
+        <p:spPr>
+          <a:xfrm>
+            <a:off x="5410200" y="1638300"/>
+            <a:ext cx="276038" cy="307777"/>
+          </a:xfrm>
+          <a:prstGeom prst="rect">
+            <a:avLst/>
+          </a:prstGeom>
+          <a:noFill/>
+        </p:spPr>
+        <p:txBody>
+          <a:bodyPr wrap="none" rtlCol="0">
+            <a:spAutoFit/>
+          </a:bodyPr>
+          <a:lstStyle/>
+          <a:p>
+            <a:r>
+              <a:rPr lang="en-US" sz="1400" dirty="0" smtClean="0"/>
+              <a:t>4</a:t>
+            </a:r>
+            <a:endParaRPr lang="en-US" dirty="0"/>
+          </a:p>
+        </p:txBody>
+      </p:sp>
+      <p:cxnSp>
+        <p:nvCxnSpPr>
+          <p:cNvPr id="40" name="Straight Arrow Connector 39"/>
+          <p:cNvCxnSpPr>
+            <a:endCxn id="5" idx="2"/>
+          </p:cNvCxnSpPr>
+          <p:nvPr/>
+        </p:nvCxnSpPr>
+        <p:spPr>
+          <a:xfrm flipH="1" flipV="1">
+            <a:off x="3114913" y="543699"/>
+            <a:ext cx="2295287" cy="637401"/>
+          </a:xfrm>
+          <a:prstGeom prst="straightConnector1">
+            <a:avLst/>
+          </a:prstGeom>
+          <a:ln>
+            <a:tailEnd type="arrow"/>
+          </a:ln>
+        </p:spPr>
+        <p:style>
+          <a:lnRef idx="1">
+            <a:schemeClr val="accent1"/>
+          </a:lnRef>
+          <a:fillRef idx="0">
+            <a:schemeClr val="accent1"/>
+          </a:fillRef>
+          <a:effectRef idx="0">
+            <a:schemeClr val="accent1"/>
+          </a:effectRef>
+          <a:fontRef idx="minor">
+            <a:schemeClr val="tx1"/>
+          </a:fontRef>
+        </p:style>
+      </p:cxnSp>
+      <p:sp>
+        <p:nvSpPr>
+          <p:cNvPr id="41" name="TextBox 40"/>
+          <p:cNvSpPr txBox="1"/>
+          <p:nvPr/>
+        </p:nvSpPr>
+        <p:spPr>
+          <a:xfrm>
+            <a:off x="4038600" y="723900"/>
+            <a:ext cx="276038" cy="307777"/>
+          </a:xfrm>
+          <a:prstGeom prst="rect">
+            <a:avLst/>
+          </a:prstGeom>
+          <a:noFill/>
+        </p:spPr>
+        <p:txBody>
+          <a:bodyPr wrap="none" rtlCol="0">
+            <a:spAutoFit/>
+          </a:bodyPr>
+          <a:lstStyle/>
+          <a:p>
+            <a:r>
+              <a:rPr lang="en-US" sz="1400" dirty="0" smtClean="0"/>
+              <a:t>5</a:t>
+            </a:r>
+            <a:endParaRPr lang="en-US" dirty="0"/>
+          </a:p>
+        </p:txBody>
+      </p:sp>
+      <p:cxnSp>
+        <p:nvCxnSpPr>
+          <p:cNvPr id="43" name="Straight Arrow Connector 42"/>
+          <p:cNvCxnSpPr/>
+          <p:nvPr/>
+        </p:nvCxnSpPr>
+        <p:spPr>
+          <a:xfrm flipH="1">
+            <a:off x="1981200" y="571500"/>
+            <a:ext cx="838200" cy="457200"/>
+          </a:xfrm>
+          <a:prstGeom prst="straightConnector1">
+            <a:avLst/>
+          </a:prstGeom>
+          <a:ln>
+            <a:tailEnd type="arrow"/>
+          </a:ln>
+        </p:spPr>
+        <p:style>
+          <a:lnRef idx="1">
+            <a:schemeClr val="accent1"/>
+          </a:lnRef>
+          <a:fillRef idx="0">
+            <a:schemeClr val="accent1"/>
+          </a:fillRef>
+          <a:effectRef idx="0">
+            <a:schemeClr val="accent1"/>
+          </a:effectRef>
+          <a:fontRef idx="minor">
+            <a:schemeClr val="tx1"/>
+          </a:fontRef>
+        </p:style>
+      </p:cxnSp>
+      <p:cxnSp>
+        <p:nvCxnSpPr>
+          <p:cNvPr id="45" name="Straight Arrow Connector 44"/>
+          <p:cNvCxnSpPr/>
+          <p:nvPr/>
+        </p:nvCxnSpPr>
+        <p:spPr>
+          <a:xfrm>
+            <a:off x="2438400" y="800100"/>
+            <a:ext cx="457200" cy="1066800"/>
+          </a:xfrm>
+          <a:prstGeom prst="straightConnector1">
+            <a:avLst/>
+          </a:prstGeom>
+          <a:ln>
+            <a:tailEnd type="arrow"/>
+          </a:ln>
+        </p:spPr>
+        <p:style>
+          <a:lnRef idx="1">
+            <a:schemeClr val="accent1"/>
+          </a:lnRef>
+          <a:fillRef idx="0">
+            <a:schemeClr val="accent1"/>
+          </a:fillRef>
+          <a:effectRef idx="0">
+            <a:schemeClr val="accent1"/>
+          </a:effectRef>
+          <a:fontRef idx="minor">
+            <a:schemeClr val="tx1"/>
+          </a:fontRef>
+        </p:style>
+      </p:cxnSp>
+      <p:sp>
+        <p:nvSpPr>
+          <p:cNvPr id="46" name="TextBox 45"/>
+          <p:cNvSpPr txBox="1"/>
+          <p:nvPr/>
+        </p:nvSpPr>
+        <p:spPr>
+          <a:xfrm>
+            <a:off x="2667000" y="952500"/>
+            <a:ext cx="2387192" cy="969496"/>
+          </a:xfrm>
+          <a:prstGeom prst="rect">
+            <a:avLst/>
+          </a:prstGeom>
+          <a:noFill/>
+        </p:spPr>
+        <p:txBody>
+          <a:bodyPr wrap="none" rtlCol="0">
+            <a:spAutoFit/>
+          </a:bodyPr>
+          <a:lstStyle/>
+          <a:p>
+            <a:r>
+              <a:rPr lang="en-US" sz="1400" dirty="0" smtClean="0"/>
+              <a:t>6. </a:t>
+            </a:r>
+            <a:r>
+              <a:rPr lang="en-US" sz="1400" dirty="0" err="1" smtClean="0"/>
+              <a:t>Inflight</a:t>
+            </a:r>
+            <a:r>
+              <a:rPr lang="en-US" sz="1400" dirty="0" smtClean="0"/>
+              <a:t> snagging</a:t>
+            </a:r>
+          </a:p>
+          <a:p>
+            <a:r>
+              <a:rPr lang="en-US" sz="1400" dirty="0" smtClean="0"/>
+              <a:t>7. </a:t>
+            </a:r>
+            <a:r>
+              <a:rPr lang="en-US" sz="1100" dirty="0" smtClean="0"/>
+              <a:t>Proxy lookup: 10… 172.18.0.6:3306</a:t>
+            </a:r>
+          </a:p>
+          <a:p>
+            <a:r>
+              <a:rPr lang="en-US" sz="1100" dirty="0" smtClean="0"/>
+              <a:t>8. POD-POD communication</a:t>
+            </a:r>
+          </a:p>
+          <a:p>
+            <a:endParaRPr lang="en-US" dirty="0"/>
+          </a:p>
+        </p:txBody>
+      </p:sp>
+      <p:cxnSp>
+        <p:nvCxnSpPr>
+          <p:cNvPr id="49" name="Straight Arrow Connector 48"/>
+          <p:cNvCxnSpPr>
+            <a:stCxn id="46" idx="2"/>
+            <a:endCxn id="6" idx="0"/>
+          </p:cNvCxnSpPr>
+          <p:nvPr/>
+        </p:nvCxnSpPr>
+        <p:spPr>
+          <a:xfrm flipH="1">
+            <a:off x="3114913" y="1921996"/>
+            <a:ext cx="745683" cy="1240304"/>
+          </a:xfrm>
+          <a:prstGeom prst="straightConnector1">
+            <a:avLst/>
+          </a:prstGeom>
+          <a:ln>
+            <a:tailEnd type="arrow"/>
+          </a:ln>
+        </p:spPr>
+        <p:style>
+          <a:lnRef idx="1">
+            <a:schemeClr val="accent1"/>
+          </a:lnRef>
+          <a:fillRef idx="0">
+            <a:schemeClr val="accent1"/>
+          </a:fillRef>
+          <a:effectRef idx="0">
+            <a:schemeClr val="accent1"/>
+          </a:effectRef>
+          <a:fontRef idx="minor">
+            <a:schemeClr val="tx1"/>
+          </a:fontRef>
+        </p:style>
+      </p:cxnSp>
+      <p:cxnSp>
+        <p:nvCxnSpPr>
+          <p:cNvPr id="51" name="Straight Arrow Connector 50"/>
+          <p:cNvCxnSpPr>
+            <a:stCxn id="6" idx="2"/>
+            <a:endCxn id="11" idx="2"/>
+          </p:cNvCxnSpPr>
+          <p:nvPr/>
+        </p:nvCxnSpPr>
+        <p:spPr>
+          <a:xfrm>
+            <a:off x="3114913" y="3439299"/>
+            <a:ext cx="2447687" cy="713601"/>
+          </a:xfrm>
+          <a:prstGeom prst="straightConnector1">
+            <a:avLst/>
+          </a:prstGeom>
+          <a:ln>
+            <a:tailEnd type="arrow"/>
+          </a:ln>
+        </p:spPr>
+        <p:style>
+          <a:lnRef idx="1">
+            <a:schemeClr val="accent1"/>
+          </a:lnRef>
+          <a:fillRef idx="0">
+            <a:schemeClr val="accent1"/>
+          </a:fillRef>
+          <a:effectRef idx="0">
+            <a:schemeClr val="accent1"/>
+          </a:effectRef>
+          <a:fontRef idx="minor">
+            <a:schemeClr val="tx1"/>
+          </a:fontRef>
+        </p:style>
+      </p:cxnSp>
+    </p:spTree>
+  </p:cSld>
+  <p:clrMapOvr>
+    <a:masterClrMapping/>
+  </p:clrMapOvr>
+</p:sld>
+</file>
+
+<file path=ppt/slides/slide21.xml><?xml version="1.0" encoding="utf-8"?>
+<p:sld xmlns:a="http://schemas.openxmlformats.org/drawingml/2006/main" xmlns:r="http://schemas.openxmlformats.org/officeDocument/2006/relationships" xmlns:p="http://schemas.openxmlformats.org/presentationml/2006/main">
+  <p:cSld>
+    <p:spTree>
+      <p:nvGrpSpPr>
+        <p:cNvPr id="1" name=""/>
+        <p:cNvGrpSpPr/>
+        <p:nvPr/>
+      </p:nvGrpSpPr>
+      <p:grpSpPr>
+        <a:xfrm>
+          <a:off x="0" y="0"/>
+          <a:ext cx="0" cy="0"/>
+          <a:chOff x="0" y="0"/>
+          <a:chExt cx="0" cy="0"/>
+        </a:xfrm>
+      </p:grpSpPr>
+      <p:sp>
+        <p:nvSpPr>
+          <p:cNvPr id="2" name="Rectangle 1"/>
+          <p:cNvSpPr/>
+          <p:nvPr/>
+        </p:nvSpPr>
+        <p:spPr>
+          <a:xfrm>
+            <a:off x="152400" y="1333500"/>
+            <a:ext cx="1143000" cy="2590800"/>
+          </a:xfrm>
+          <a:prstGeom prst="rect">
+            <a:avLst/>
+          </a:prstGeom>
+        </p:spPr>
+        <p:style>
+          <a:lnRef idx="2">
+            <a:schemeClr val="accent1">
+              <a:shade val="50000"/>
+            </a:schemeClr>
+          </a:lnRef>
+          <a:fillRef idx="1">
+            <a:schemeClr val="accent1"/>
+          </a:fillRef>
+          <a:effectRef idx="0">
+            <a:schemeClr val="accent1"/>
+          </a:effectRef>
+          <a:fontRef idx="minor">
+            <a:schemeClr val="lt1"/>
+          </a:fontRef>
+        </p:style>
+        <p:txBody>
+          <a:bodyPr rtlCol="0" anchor="ctr"/>
+          <a:lstStyle/>
+          <a:p>
+            <a:pPr algn="ctr"/>
+            <a:r>
+              <a:rPr lang="en-US" dirty="0" smtClean="0"/>
+              <a:t>Master</a:t>
+            </a:r>
+          </a:p>
+          <a:p>
+            <a:pPr algn="ctr"/>
+            <a:r>
+              <a:rPr lang="en-US" dirty="0" err="1" smtClean="0"/>
+              <a:t>Docker,kubelet</a:t>
+            </a:r>
+            <a:endParaRPr lang="en-US" dirty="0" smtClean="0"/>
+          </a:p>
+          <a:p>
+            <a:pPr algn="ctr"/>
+            <a:r>
+              <a:rPr lang="en-US" dirty="0" smtClean="0"/>
+              <a:t>scheduler</a:t>
+            </a:r>
+            <a:endParaRPr lang="en-US" dirty="0"/>
+          </a:p>
+        </p:txBody>
+      </p:sp>
+      <p:sp>
+        <p:nvSpPr>
+          <p:cNvPr id="3" name="Rectangle 2"/>
+          <p:cNvSpPr/>
+          <p:nvPr/>
+        </p:nvSpPr>
+        <p:spPr>
+          <a:xfrm>
+            <a:off x="2286000" y="266700"/>
+            <a:ext cx="5562600" cy="2286000"/>
+          </a:xfrm>
+          <a:prstGeom prst="rect">
+            <a:avLst/>
+          </a:prstGeom>
+          <a:noFill/>
+        </p:spPr>
+        <p:style>
+          <a:lnRef idx="2">
+            <a:schemeClr val="accent1">
+              <a:shade val="50000"/>
+            </a:schemeClr>
+          </a:lnRef>
+          <a:fillRef idx="1">
+            <a:schemeClr val="accent1"/>
+          </a:fillRef>
+          <a:effectRef idx="0">
+            <a:schemeClr val="accent1"/>
+          </a:effectRef>
+          <a:fontRef idx="minor">
+            <a:schemeClr val="lt1"/>
+          </a:fontRef>
+        </p:style>
+        <p:txBody>
+          <a:bodyPr rtlCol="0" anchor="ctr"/>
+          <a:lstStyle/>
+          <a:p>
+            <a:pPr algn="ctr"/>
+            <a:endParaRPr lang="en-US"/>
+          </a:p>
+        </p:txBody>
+      </p:sp>
+      <p:sp>
+        <p:nvSpPr>
+          <p:cNvPr id="4" name="Rectangle 3"/>
+          <p:cNvSpPr/>
+          <p:nvPr/>
+        </p:nvSpPr>
+        <p:spPr>
+          <a:xfrm>
+            <a:off x="2286000" y="3162300"/>
+            <a:ext cx="5562600" cy="2362200"/>
+          </a:xfrm>
+          <a:prstGeom prst="rect">
+            <a:avLst/>
+          </a:prstGeom>
+          <a:noFill/>
+        </p:spPr>
+        <p:style>
+          <a:lnRef idx="2">
+            <a:schemeClr val="accent1">
+              <a:shade val="50000"/>
+            </a:schemeClr>
+          </a:lnRef>
+          <a:fillRef idx="1">
+            <a:schemeClr val="accent1"/>
+          </a:fillRef>
+          <a:effectRef idx="0">
+            <a:schemeClr val="accent1"/>
+          </a:effectRef>
+          <a:fontRef idx="minor">
+            <a:schemeClr val="lt1"/>
+          </a:fontRef>
+        </p:style>
+        <p:txBody>
+          <a:bodyPr rtlCol="0" anchor="ctr"/>
+          <a:lstStyle/>
+          <a:p>
+            <a:pPr algn="ctr"/>
+            <a:endParaRPr lang="en-US"/>
+          </a:p>
+        </p:txBody>
+      </p:sp>
+      <p:sp>
+        <p:nvSpPr>
+          <p:cNvPr id="5" name="TextBox 4"/>
+          <p:cNvSpPr txBox="1"/>
+          <p:nvPr/>
+        </p:nvSpPr>
+        <p:spPr>
+          <a:xfrm>
+            <a:off x="2286000" y="266700"/>
+            <a:ext cx="1657826" cy="276999"/>
+          </a:xfrm>
+          <a:prstGeom prst="rect">
+            <a:avLst/>
+          </a:prstGeom>
+          <a:noFill/>
+        </p:spPr>
+        <p:txBody>
+          <a:bodyPr wrap="none" rtlCol="0">
+            <a:spAutoFit/>
+          </a:bodyPr>
+          <a:lstStyle/>
+          <a:p>
+            <a:r>
+              <a:rPr lang="en-US" sz="1200" dirty="0" smtClean="0"/>
+              <a:t>Node1: 192.168.99.100</a:t>
+            </a:r>
+            <a:endParaRPr lang="en-US" dirty="0"/>
+          </a:p>
+        </p:txBody>
+      </p:sp>
+      <p:sp>
+        <p:nvSpPr>
+          <p:cNvPr id="6" name="TextBox 5"/>
+          <p:cNvSpPr txBox="1"/>
+          <p:nvPr/>
+        </p:nvSpPr>
+        <p:spPr>
+          <a:xfrm>
+            <a:off x="2286000" y="3162300"/>
+            <a:ext cx="1657826" cy="276999"/>
+          </a:xfrm>
+          <a:prstGeom prst="rect">
+            <a:avLst/>
+          </a:prstGeom>
+          <a:noFill/>
+        </p:spPr>
+        <p:txBody>
+          <a:bodyPr wrap="none" rtlCol="0">
+            <a:spAutoFit/>
+          </a:bodyPr>
+          <a:lstStyle/>
+          <a:p>
+            <a:r>
+              <a:rPr lang="en-US" sz="1200" dirty="0" smtClean="0"/>
+              <a:t>Node2: 192.168.99.101</a:t>
+            </a:r>
+            <a:endParaRPr lang="en-US" dirty="0"/>
+          </a:p>
+        </p:txBody>
+      </p:sp>
+      <p:sp>
+        <p:nvSpPr>
+          <p:cNvPr id="7" name="Oval 6"/>
+          <p:cNvSpPr/>
+          <p:nvPr/>
+        </p:nvSpPr>
+        <p:spPr>
+          <a:xfrm>
+            <a:off x="2438400" y="1028700"/>
+            <a:ext cx="1905000" cy="914400"/>
+          </a:xfrm>
+          <a:prstGeom prst="ellipse">
+            <a:avLst/>
+          </a:prstGeom>
+        </p:spPr>
+        <p:style>
+          <a:lnRef idx="2">
+            <a:schemeClr val="accent1">
+              <a:shade val="50000"/>
+            </a:schemeClr>
+          </a:lnRef>
+          <a:fillRef idx="1">
+            <a:schemeClr val="accent1"/>
+          </a:fillRef>
+          <a:effectRef idx="0">
+            <a:schemeClr val="accent1"/>
+          </a:effectRef>
+          <a:fontRef idx="minor">
+            <a:schemeClr val="lt1"/>
+          </a:fontRef>
+        </p:style>
+        <p:txBody>
+          <a:bodyPr rtlCol="0" anchor="ctr"/>
+          <a:lstStyle/>
+          <a:p>
+            <a:pPr algn="ctr"/>
+            <a:r>
+              <a:rPr lang="en-US" sz="1400" dirty="0" smtClean="0"/>
+              <a:t>Db:3306</a:t>
+            </a:r>
+          </a:p>
+          <a:p>
+            <a:pPr algn="ctr"/>
+            <a:r>
+              <a:rPr lang="en-US" sz="1400" dirty="0" smtClean="0"/>
+              <a:t>/</a:t>
+            </a:r>
+            <a:r>
+              <a:rPr lang="en-US" sz="1400" dirty="0" err="1" smtClean="0"/>
+              <a:t>var</a:t>
+            </a:r>
+            <a:r>
+              <a:rPr lang="en-US" sz="1400" dirty="0" smtClean="0"/>
+              <a:t>/lib/</a:t>
+            </a:r>
+            <a:r>
+              <a:rPr lang="en-US" sz="1400" dirty="0" err="1" smtClean="0"/>
+              <a:t>mysql</a:t>
+            </a:r>
+            <a:endParaRPr lang="en-US" dirty="0"/>
+          </a:p>
+        </p:txBody>
+      </p:sp>
+      <p:sp>
+        <p:nvSpPr>
+          <p:cNvPr id="8" name="Rectangle 7"/>
+          <p:cNvSpPr/>
+          <p:nvPr/>
+        </p:nvSpPr>
+        <p:spPr>
+          <a:xfrm>
+            <a:off x="2362200" y="800100"/>
+            <a:ext cx="2057400" cy="1371600"/>
+          </a:xfrm>
+          <a:prstGeom prst="rect">
+            <a:avLst/>
+          </a:prstGeom>
+          <a:noFill/>
+        </p:spPr>
+        <p:style>
+          <a:lnRef idx="2">
+            <a:schemeClr val="accent1">
+              <a:shade val="50000"/>
+            </a:schemeClr>
+          </a:lnRef>
+          <a:fillRef idx="1">
+            <a:schemeClr val="accent1"/>
+          </a:fillRef>
+          <a:effectRef idx="0">
+            <a:schemeClr val="accent1"/>
+          </a:effectRef>
+          <a:fontRef idx="minor">
+            <a:schemeClr val="lt1"/>
+          </a:fontRef>
+        </p:style>
+        <p:txBody>
+          <a:bodyPr rtlCol="0" anchor="ctr"/>
+          <a:lstStyle/>
+          <a:p>
+            <a:pPr algn="ctr"/>
+            <a:endParaRPr lang="en-US"/>
+          </a:p>
+        </p:txBody>
+      </p:sp>
+      <p:cxnSp>
+        <p:nvCxnSpPr>
+          <p:cNvPr id="10" name="Straight Arrow Connector 9"/>
+          <p:cNvCxnSpPr/>
+          <p:nvPr/>
+        </p:nvCxnSpPr>
+        <p:spPr>
+          <a:xfrm flipV="1">
+            <a:off x="1143000" y="571500"/>
+            <a:ext cx="1143000" cy="2514600"/>
+          </a:xfrm>
+          <a:prstGeom prst="straightConnector1">
+            <a:avLst/>
+          </a:prstGeom>
+          <a:ln>
+            <a:tailEnd type="arrow"/>
+          </a:ln>
+        </p:spPr>
+        <p:style>
+          <a:lnRef idx="1">
+            <a:schemeClr val="accent1"/>
+          </a:lnRef>
+          <a:fillRef idx="0">
+            <a:schemeClr val="accent1"/>
+          </a:fillRef>
+          <a:effectRef idx="0">
+            <a:schemeClr val="accent1"/>
+          </a:effectRef>
+          <a:fontRef idx="minor">
+            <a:schemeClr val="tx1"/>
+          </a:fontRef>
+        </p:style>
+      </p:cxnSp>
+      <p:sp>
+        <p:nvSpPr>
+          <p:cNvPr id="11" name="TextBox 10"/>
+          <p:cNvSpPr txBox="1"/>
+          <p:nvPr/>
+        </p:nvSpPr>
+        <p:spPr>
+          <a:xfrm>
+            <a:off x="2362200" y="495300"/>
+            <a:ext cx="550151" cy="369332"/>
+          </a:xfrm>
+          <a:prstGeom prst="rect">
+            <a:avLst/>
+          </a:prstGeom>
+          <a:noFill/>
+        </p:spPr>
+        <p:txBody>
+          <a:bodyPr wrap="none" rtlCol="0">
+            <a:spAutoFit/>
+          </a:bodyPr>
+          <a:lstStyle/>
+          <a:p>
+            <a:r>
+              <a:rPr lang="en-US" dirty="0" smtClean="0"/>
+              <a:t>pod</a:t>
+            </a:r>
+            <a:endParaRPr lang="en-US" dirty="0"/>
+          </a:p>
+        </p:txBody>
+      </p:sp>
+      <p:sp>
+        <p:nvSpPr>
+          <p:cNvPr id="12" name="Rectangle 11"/>
+          <p:cNvSpPr/>
+          <p:nvPr/>
+        </p:nvSpPr>
+        <p:spPr>
+          <a:xfrm>
+            <a:off x="4572000" y="342900"/>
+            <a:ext cx="1066800" cy="685800"/>
+          </a:xfrm>
+          <a:prstGeom prst="rect">
+            <a:avLst/>
+          </a:prstGeom>
+        </p:spPr>
+        <p:style>
+          <a:lnRef idx="2">
+            <a:schemeClr val="accent1">
+              <a:shade val="50000"/>
+            </a:schemeClr>
+          </a:lnRef>
+          <a:fillRef idx="1">
+            <a:schemeClr val="accent1"/>
+          </a:fillRef>
+          <a:effectRef idx="0">
+            <a:schemeClr val="accent1"/>
+          </a:effectRef>
+          <a:fontRef idx="minor">
+            <a:schemeClr val="lt1"/>
+          </a:fontRef>
+        </p:style>
+        <p:txBody>
+          <a:bodyPr rtlCol="0" anchor="ctr"/>
+          <a:lstStyle/>
+          <a:p>
+            <a:pPr algn="ctr"/>
+            <a:r>
+              <a:rPr lang="en-US" sz="1600" dirty="0" smtClean="0"/>
+              <a:t>/</a:t>
+            </a:r>
+            <a:r>
+              <a:rPr lang="en-US" sz="1600" dirty="0" err="1" smtClean="0"/>
+              <a:t>tmp</a:t>
+            </a:r>
+            <a:r>
+              <a:rPr lang="en-US" sz="1600" dirty="0" smtClean="0"/>
+              <a:t>/data</a:t>
+            </a:r>
+            <a:endParaRPr lang="en-US" dirty="0"/>
+          </a:p>
+        </p:txBody>
+      </p:sp>
+      <p:cxnSp>
+        <p:nvCxnSpPr>
+          <p:cNvPr id="14" name="Straight Arrow Connector 13"/>
+          <p:cNvCxnSpPr>
+            <a:stCxn id="7" idx="5"/>
+            <a:endCxn id="12" idx="1"/>
+          </p:cNvCxnSpPr>
+          <p:nvPr/>
+        </p:nvCxnSpPr>
+        <p:spPr>
+          <a:xfrm flipV="1">
+            <a:off x="4064419" y="685800"/>
+            <a:ext cx="507581" cy="1123389"/>
+          </a:xfrm>
+          <a:prstGeom prst="straightConnector1">
+            <a:avLst/>
+          </a:prstGeom>
+          <a:ln>
+            <a:headEnd type="arrow"/>
+            <a:tailEnd type="arrow"/>
+          </a:ln>
+        </p:spPr>
+        <p:style>
+          <a:lnRef idx="1">
+            <a:schemeClr val="accent1"/>
+          </a:lnRef>
+          <a:fillRef idx="0">
+            <a:schemeClr val="accent1"/>
+          </a:fillRef>
+          <a:effectRef idx="0">
+            <a:schemeClr val="accent1"/>
+          </a:effectRef>
+          <a:fontRef idx="minor">
+            <a:schemeClr val="tx1"/>
+          </a:fontRef>
+        </p:style>
+      </p:cxnSp>
+      <p:sp>
+        <p:nvSpPr>
+          <p:cNvPr id="28" name="Rectangle 27"/>
+          <p:cNvSpPr/>
+          <p:nvPr/>
+        </p:nvSpPr>
+        <p:spPr>
+          <a:xfrm>
+            <a:off x="3276600" y="4686300"/>
+            <a:ext cx="1066800" cy="685800"/>
+          </a:xfrm>
+          <a:prstGeom prst="rect">
+            <a:avLst/>
+          </a:prstGeom>
+        </p:spPr>
+        <p:style>
+          <a:lnRef idx="2">
+            <a:schemeClr val="accent1">
+              <a:shade val="50000"/>
+            </a:schemeClr>
+          </a:lnRef>
+          <a:fillRef idx="1">
+            <a:schemeClr val="accent1"/>
+          </a:fillRef>
+          <a:effectRef idx="0">
+            <a:schemeClr val="accent1"/>
+          </a:effectRef>
+          <a:fontRef idx="minor">
+            <a:schemeClr val="lt1"/>
+          </a:fontRef>
+        </p:style>
+        <p:txBody>
+          <a:bodyPr rtlCol="0" anchor="ctr"/>
+          <a:lstStyle/>
+          <a:p>
+            <a:pPr algn="ctr"/>
+            <a:r>
+              <a:rPr lang="en-US" sz="1600" dirty="0" smtClean="0"/>
+              <a:t>/</a:t>
+            </a:r>
+            <a:r>
+              <a:rPr lang="en-US" sz="1600" dirty="0" err="1" smtClean="0"/>
+              <a:t>tmp</a:t>
+            </a:r>
+            <a:r>
+              <a:rPr lang="en-US" sz="1600" dirty="0" smtClean="0"/>
+              <a:t>/data</a:t>
+            </a:r>
+            <a:endParaRPr lang="en-US" dirty="0"/>
+          </a:p>
+        </p:txBody>
+      </p:sp>
+      <p:sp>
+        <p:nvSpPr>
+          <p:cNvPr id="30" name="Rectangle 29"/>
+          <p:cNvSpPr/>
+          <p:nvPr/>
+        </p:nvSpPr>
+        <p:spPr>
+          <a:xfrm>
+            <a:off x="8001000" y="266700"/>
+            <a:ext cx="990600" cy="5257800"/>
+          </a:xfrm>
+          <a:prstGeom prst="rect">
+            <a:avLst/>
+          </a:prstGeom>
+        </p:spPr>
+        <p:style>
+          <a:lnRef idx="2">
+            <a:schemeClr val="accent1">
+              <a:shade val="50000"/>
+            </a:schemeClr>
+          </a:lnRef>
+          <a:fillRef idx="1">
+            <a:schemeClr val="accent1"/>
+          </a:fillRef>
+          <a:effectRef idx="0">
+            <a:schemeClr val="accent1"/>
+          </a:effectRef>
+          <a:fontRef idx="minor">
+            <a:schemeClr val="lt1"/>
+          </a:fontRef>
+        </p:style>
+        <p:txBody>
+          <a:bodyPr rtlCol="0" anchor="ctr"/>
+          <a:lstStyle/>
+          <a:p>
+            <a:pPr algn="ctr"/>
+            <a:r>
+              <a:rPr lang="en-US" dirty="0" smtClean="0"/>
+              <a:t>/</a:t>
+            </a:r>
+            <a:r>
+              <a:rPr lang="en-US" dirty="0" err="1" smtClean="0"/>
+              <a:t>mnt</a:t>
+            </a:r>
+            <a:r>
+              <a:rPr lang="en-US" dirty="0" smtClean="0"/>
+              <a:t>/sda1/proj1</a:t>
+            </a:r>
+          </a:p>
+          <a:p>
+            <a:pPr algn="ctr"/>
+            <a:r>
+              <a:rPr lang="en-US" dirty="0" smtClean="0"/>
+              <a:t>1TB</a:t>
+            </a:r>
+            <a:endParaRPr lang="en-US" dirty="0"/>
+          </a:p>
+        </p:txBody>
+      </p:sp>
+      <p:sp>
+        <p:nvSpPr>
+          <p:cNvPr id="31" name="Rectangle 30"/>
+          <p:cNvSpPr/>
+          <p:nvPr/>
+        </p:nvSpPr>
+        <p:spPr>
+          <a:xfrm>
+            <a:off x="8077200" y="3924300"/>
+            <a:ext cx="762000" cy="609600"/>
+          </a:xfrm>
+          <a:prstGeom prst="rect">
+            <a:avLst/>
+          </a:prstGeom>
+        </p:spPr>
+        <p:style>
+          <a:lnRef idx="2">
+            <a:schemeClr val="accent1">
+              <a:shade val="50000"/>
+            </a:schemeClr>
+          </a:lnRef>
+          <a:fillRef idx="1">
+            <a:schemeClr val="accent1"/>
+          </a:fillRef>
+          <a:effectRef idx="0">
+            <a:schemeClr val="accent1"/>
+          </a:effectRef>
+          <a:fontRef idx="minor">
+            <a:schemeClr val="lt1"/>
+          </a:fontRef>
+        </p:style>
+        <p:txBody>
+          <a:bodyPr rtlCol="0" anchor="ctr"/>
+          <a:lstStyle/>
+          <a:p>
+            <a:pPr algn="ctr"/>
+            <a:r>
+              <a:rPr lang="en-US" dirty="0" smtClean="0"/>
+              <a:t>PV1</a:t>
+            </a:r>
+          </a:p>
+          <a:p>
+            <a:pPr algn="ctr"/>
+            <a:r>
+              <a:rPr lang="en-US" dirty="0" smtClean="0"/>
+              <a:t>1GB </a:t>
+            </a:r>
+            <a:endParaRPr lang="en-US" dirty="0"/>
+          </a:p>
+        </p:txBody>
+      </p:sp>
+      <p:sp>
+        <p:nvSpPr>
+          <p:cNvPr id="32" name="Rectangle 31"/>
+          <p:cNvSpPr/>
+          <p:nvPr/>
+        </p:nvSpPr>
+        <p:spPr>
+          <a:xfrm>
+            <a:off x="8229600" y="800100"/>
+            <a:ext cx="762000" cy="609600"/>
+          </a:xfrm>
+          <a:prstGeom prst="rect">
+            <a:avLst/>
+          </a:prstGeom>
+        </p:spPr>
+        <p:style>
+          <a:lnRef idx="2">
+            <a:schemeClr val="accent1">
+              <a:shade val="50000"/>
+            </a:schemeClr>
+          </a:lnRef>
+          <a:fillRef idx="1">
+            <a:schemeClr val="accent1"/>
+          </a:fillRef>
+          <a:effectRef idx="0">
+            <a:schemeClr val="accent1"/>
+          </a:effectRef>
+          <a:fontRef idx="minor">
+            <a:schemeClr val="lt1"/>
+          </a:fontRef>
+        </p:style>
+        <p:txBody>
+          <a:bodyPr rtlCol="0" anchor="ctr"/>
+          <a:lstStyle/>
+          <a:p>
+            <a:pPr algn="ctr"/>
+            <a:r>
+              <a:rPr lang="en-US" dirty="0" smtClean="0"/>
+              <a:t>PV2</a:t>
+            </a:r>
+          </a:p>
+          <a:p>
+            <a:pPr algn="ctr"/>
+            <a:r>
+              <a:rPr lang="en-US" dirty="0" smtClean="0"/>
+              <a:t>2GB </a:t>
+            </a:r>
+            <a:endParaRPr lang="en-US" dirty="0"/>
+          </a:p>
+        </p:txBody>
+      </p:sp>
+      <p:sp>
+        <p:nvSpPr>
+          <p:cNvPr id="33" name="Rectangle 32"/>
+          <p:cNvSpPr/>
+          <p:nvPr/>
+        </p:nvSpPr>
+        <p:spPr>
+          <a:xfrm>
+            <a:off x="8153400" y="4914900"/>
+            <a:ext cx="685800" cy="457200"/>
+          </a:xfrm>
+          <a:prstGeom prst="rect">
+            <a:avLst/>
+          </a:prstGeom>
+        </p:spPr>
+        <p:style>
+          <a:lnRef idx="2">
+            <a:schemeClr val="accent1">
+              <a:shade val="50000"/>
+            </a:schemeClr>
+          </a:lnRef>
+          <a:fillRef idx="1">
+            <a:schemeClr val="accent1"/>
+          </a:fillRef>
+          <a:effectRef idx="0">
+            <a:schemeClr val="accent1"/>
+          </a:effectRef>
+          <a:fontRef idx="minor">
+            <a:schemeClr val="lt1"/>
+          </a:fontRef>
+        </p:style>
+        <p:txBody>
+          <a:bodyPr rtlCol="0" anchor="ctr"/>
+          <a:lstStyle/>
+          <a:p>
+            <a:pPr algn="ctr"/>
+            <a:r>
+              <a:rPr lang="en-US" dirty="0" smtClean="0"/>
+              <a:t>PVC:</a:t>
+            </a:r>
+            <a:endParaRPr lang="en-US" dirty="0"/>
+          </a:p>
+        </p:txBody>
+      </p:sp>
+      <p:cxnSp>
+        <p:nvCxnSpPr>
+          <p:cNvPr id="35" name="Straight Arrow Connector 34"/>
+          <p:cNvCxnSpPr>
+            <a:stCxn id="33" idx="0"/>
+            <a:endCxn id="31" idx="2"/>
+          </p:cNvCxnSpPr>
+          <p:nvPr/>
+        </p:nvCxnSpPr>
+        <p:spPr>
+          <a:xfrm flipH="1" flipV="1">
+            <a:off x="8458200" y="4533900"/>
+            <a:ext cx="38100" cy="381000"/>
+          </a:xfrm>
+          <a:prstGeom prst="straightConnector1">
+            <a:avLst/>
+          </a:prstGeom>
+          <a:ln>
+            <a:solidFill>
+              <a:srgbClr val="FF0000"/>
+            </a:solidFill>
+            <a:tailEnd type="arrow"/>
+          </a:ln>
+        </p:spPr>
+        <p:style>
+          <a:lnRef idx="1">
+            <a:schemeClr val="accent1"/>
+          </a:lnRef>
+          <a:fillRef idx="0">
+            <a:schemeClr val="accent1"/>
+          </a:fillRef>
+          <a:effectRef idx="0">
+            <a:schemeClr val="accent1"/>
+          </a:effectRef>
+          <a:fontRef idx="minor">
+            <a:schemeClr val="tx1"/>
+          </a:fontRef>
+        </p:style>
+      </p:cxnSp>
+      <p:sp>
+        <p:nvSpPr>
+          <p:cNvPr id="37" name="Oval 36"/>
+          <p:cNvSpPr/>
+          <p:nvPr/>
+        </p:nvSpPr>
+        <p:spPr>
+          <a:xfrm>
+            <a:off x="5410200" y="4000500"/>
+            <a:ext cx="1905000" cy="914400"/>
+          </a:xfrm>
+          <a:prstGeom prst="ellipse">
+            <a:avLst/>
+          </a:prstGeom>
+        </p:spPr>
+        <p:style>
+          <a:lnRef idx="2">
+            <a:schemeClr val="accent1">
+              <a:shade val="50000"/>
+            </a:schemeClr>
+          </a:lnRef>
+          <a:fillRef idx="1">
+            <a:schemeClr val="accent1"/>
+          </a:fillRef>
+          <a:effectRef idx="0">
+            <a:schemeClr val="accent1"/>
+          </a:effectRef>
+          <a:fontRef idx="minor">
+            <a:schemeClr val="lt1"/>
+          </a:fontRef>
+        </p:style>
+        <p:txBody>
+          <a:bodyPr rtlCol="0" anchor="ctr"/>
+          <a:lstStyle/>
+          <a:p>
+            <a:pPr algn="ctr"/>
+            <a:r>
+              <a:rPr lang="en-US" sz="1400" dirty="0" smtClean="0"/>
+              <a:t>Db:3306</a:t>
+            </a:r>
+          </a:p>
+          <a:p>
+            <a:pPr algn="ctr"/>
+            <a:r>
+              <a:rPr lang="en-US" sz="1400" dirty="0" smtClean="0"/>
+              <a:t>/</a:t>
+            </a:r>
+            <a:r>
+              <a:rPr lang="en-US" sz="1400" dirty="0" err="1" smtClean="0"/>
+              <a:t>var</a:t>
+            </a:r>
+            <a:r>
+              <a:rPr lang="en-US" sz="1400" dirty="0" smtClean="0"/>
+              <a:t>/lib/</a:t>
+            </a:r>
+            <a:r>
+              <a:rPr lang="en-US" sz="1400" dirty="0" err="1" smtClean="0"/>
+              <a:t>mysql</a:t>
+            </a:r>
+            <a:endParaRPr lang="en-US" dirty="0"/>
+          </a:p>
+        </p:txBody>
+      </p:sp>
+      <p:sp>
+        <p:nvSpPr>
+          <p:cNvPr id="38" name="Rectangle 37"/>
+          <p:cNvSpPr/>
+          <p:nvPr/>
+        </p:nvSpPr>
+        <p:spPr>
+          <a:xfrm>
+            <a:off x="5334000" y="3771900"/>
+            <a:ext cx="2057400" cy="1371600"/>
+          </a:xfrm>
+          <a:prstGeom prst="rect">
+            <a:avLst/>
+          </a:prstGeom>
+          <a:noFill/>
+        </p:spPr>
+        <p:style>
+          <a:lnRef idx="2">
+            <a:schemeClr val="accent1">
+              <a:shade val="50000"/>
+            </a:schemeClr>
+          </a:lnRef>
+          <a:fillRef idx="1">
+            <a:schemeClr val="accent1"/>
+          </a:fillRef>
+          <a:effectRef idx="0">
+            <a:schemeClr val="accent1"/>
+          </a:effectRef>
+          <a:fontRef idx="minor">
+            <a:schemeClr val="lt1"/>
+          </a:fontRef>
+        </p:style>
+        <p:txBody>
+          <a:bodyPr rtlCol="0" anchor="ctr"/>
+          <a:lstStyle/>
+          <a:p>
+            <a:pPr algn="ctr"/>
+            <a:endParaRPr lang="en-US"/>
+          </a:p>
+        </p:txBody>
+      </p:sp>
+      <p:cxnSp>
+        <p:nvCxnSpPr>
+          <p:cNvPr id="40" name="Straight Arrow Connector 39"/>
+          <p:cNvCxnSpPr>
+            <a:stCxn id="37" idx="5"/>
+            <a:endCxn id="33" idx="1"/>
+          </p:cNvCxnSpPr>
+          <p:nvPr/>
+        </p:nvCxnSpPr>
+        <p:spPr>
+          <a:xfrm>
+            <a:off x="7036219" y="4780989"/>
+            <a:ext cx="1117181" cy="362511"/>
+          </a:xfrm>
+          <a:prstGeom prst="straightConnector1">
+            <a:avLst/>
+          </a:prstGeom>
+          <a:ln>
+            <a:solidFill>
+              <a:srgbClr val="FF0000"/>
+            </a:solidFill>
+            <a:tailEnd type="arrow"/>
+          </a:ln>
+        </p:spPr>
+        <p:style>
+          <a:lnRef idx="1">
+            <a:schemeClr val="accent1"/>
+          </a:lnRef>
+          <a:fillRef idx="0">
+            <a:schemeClr val="accent1"/>
+          </a:fillRef>
+          <a:effectRef idx="0">
+            <a:schemeClr val="accent1"/>
+          </a:effectRef>
+          <a:fontRef idx="minor">
+            <a:schemeClr val="tx1"/>
+          </a:fontRef>
+        </p:style>
+      </p:cxnSp>
+    </p:spTree>
+  </p:cSld>
+  <p:clrMapOvr>
+    <a:masterClrMapping/>
+  </p:clrMapOvr>
+</p:sld>
+</file>
+
+<file path=ppt/slides/slide22.xml><?xml version="1.0" encoding="utf-8"?>
+<p:sld xmlns:a="http://schemas.openxmlformats.org/drawingml/2006/main" xmlns:r="http://schemas.openxmlformats.org/officeDocument/2006/relationships" xmlns:p="http://schemas.openxmlformats.org/presentationml/2006/main">
+  <p:cSld>
+    <p:spTree>
+      <p:nvGrpSpPr>
+        <p:cNvPr id="1" name=""/>
+        <p:cNvGrpSpPr/>
+        <p:nvPr/>
+      </p:nvGrpSpPr>
+      <p:grpSpPr>
+        <a:xfrm>
+          <a:off x="0" y="0"/>
+          <a:ext cx="0" cy="0"/>
+          <a:chOff x="0" y="0"/>
+          <a:chExt cx="0" cy="0"/>
+        </a:xfrm>
+      </p:grpSpPr>
+      <p:sp>
+        <p:nvSpPr>
+          <p:cNvPr id="2" name="Rectangle 1"/>
+          <p:cNvSpPr/>
+          <p:nvPr/>
+        </p:nvSpPr>
+        <p:spPr>
+          <a:xfrm>
+            <a:off x="152400" y="1333500"/>
+            <a:ext cx="1143000" cy="2590800"/>
+          </a:xfrm>
+          <a:prstGeom prst="rect">
+            <a:avLst/>
+          </a:prstGeom>
+        </p:spPr>
+        <p:style>
+          <a:lnRef idx="2">
+            <a:schemeClr val="accent1">
+              <a:shade val="50000"/>
+            </a:schemeClr>
+          </a:lnRef>
+          <a:fillRef idx="1">
+            <a:schemeClr val="accent1"/>
+          </a:fillRef>
+          <a:effectRef idx="0">
+            <a:schemeClr val="accent1"/>
+          </a:effectRef>
+          <a:fontRef idx="minor">
+            <a:schemeClr val="lt1"/>
+          </a:fontRef>
+        </p:style>
+        <p:txBody>
+          <a:bodyPr rtlCol="0" anchor="ctr"/>
+          <a:lstStyle/>
+          <a:p>
+            <a:pPr algn="ctr"/>
+            <a:r>
+              <a:rPr lang="en-US" dirty="0" smtClean="0"/>
+              <a:t>Master</a:t>
+            </a:r>
+          </a:p>
+          <a:p>
+            <a:pPr algn="ctr"/>
+            <a:r>
+              <a:rPr lang="en-US" dirty="0" err="1" smtClean="0"/>
+              <a:t>Docker,kubelet</a:t>
+            </a:r>
+            <a:endParaRPr lang="en-US" dirty="0"/>
+          </a:p>
+        </p:txBody>
+      </p:sp>
+      <p:sp>
+        <p:nvSpPr>
+          <p:cNvPr id="3" name="Rectangle 2"/>
+          <p:cNvSpPr/>
+          <p:nvPr/>
+        </p:nvSpPr>
+        <p:spPr>
+          <a:xfrm>
+            <a:off x="2286000" y="266700"/>
+            <a:ext cx="6629400" cy="2286000"/>
+          </a:xfrm>
+          <a:prstGeom prst="rect">
+            <a:avLst/>
+          </a:prstGeom>
+          <a:noFill/>
+        </p:spPr>
+        <p:style>
+          <a:lnRef idx="2">
+            <a:schemeClr val="accent1">
+              <a:shade val="50000"/>
+            </a:schemeClr>
+          </a:lnRef>
+          <a:fillRef idx="1">
+            <a:schemeClr val="accent1"/>
+          </a:fillRef>
+          <a:effectRef idx="0">
+            <a:schemeClr val="accent1"/>
+          </a:effectRef>
+          <a:fontRef idx="minor">
+            <a:schemeClr val="lt1"/>
+          </a:fontRef>
+        </p:style>
+        <p:txBody>
+          <a:bodyPr rtlCol="0" anchor="ctr"/>
+          <a:lstStyle/>
+          <a:p>
+            <a:pPr algn="ctr"/>
+            <a:endParaRPr lang="en-US"/>
+          </a:p>
+        </p:txBody>
+      </p:sp>
+      <p:sp>
+        <p:nvSpPr>
+          <p:cNvPr id="4" name="Rectangle 3"/>
+          <p:cNvSpPr/>
+          <p:nvPr/>
+        </p:nvSpPr>
+        <p:spPr>
+          <a:xfrm>
+            <a:off x="2286000" y="3162300"/>
+            <a:ext cx="6629400" cy="2362200"/>
+          </a:xfrm>
+          <a:prstGeom prst="rect">
+            <a:avLst/>
+          </a:prstGeom>
+          <a:noFill/>
+        </p:spPr>
+        <p:style>
+          <a:lnRef idx="2">
+            <a:schemeClr val="accent1">
+              <a:shade val="50000"/>
+            </a:schemeClr>
+          </a:lnRef>
+          <a:fillRef idx="1">
+            <a:schemeClr val="accent1"/>
+          </a:fillRef>
+          <a:effectRef idx="0">
+            <a:schemeClr val="accent1"/>
+          </a:effectRef>
+          <a:fontRef idx="minor">
+            <a:schemeClr val="lt1"/>
+          </a:fontRef>
+        </p:style>
+        <p:txBody>
+          <a:bodyPr rtlCol="0" anchor="ctr"/>
+          <a:lstStyle/>
+          <a:p>
+            <a:pPr algn="ctr"/>
+            <a:endParaRPr lang="en-US"/>
+          </a:p>
+        </p:txBody>
+      </p:sp>
+      <p:sp>
+        <p:nvSpPr>
+          <p:cNvPr id="5" name="TextBox 4"/>
+          <p:cNvSpPr txBox="1"/>
+          <p:nvPr/>
+        </p:nvSpPr>
+        <p:spPr>
+          <a:xfrm>
+            <a:off x="2286000" y="266700"/>
+            <a:ext cx="1657826" cy="276999"/>
+          </a:xfrm>
+          <a:prstGeom prst="rect">
+            <a:avLst/>
+          </a:prstGeom>
+          <a:noFill/>
+        </p:spPr>
+        <p:txBody>
+          <a:bodyPr wrap="none" rtlCol="0">
+            <a:spAutoFit/>
+          </a:bodyPr>
+          <a:lstStyle/>
+          <a:p>
+            <a:r>
+              <a:rPr lang="en-US" sz="1200" dirty="0" smtClean="0"/>
+              <a:t>Node1: 192.168.99.100</a:t>
+            </a:r>
+            <a:endParaRPr lang="en-US" dirty="0"/>
+          </a:p>
+        </p:txBody>
+      </p:sp>
+      <p:sp>
+        <p:nvSpPr>
+          <p:cNvPr id="6" name="TextBox 5"/>
+          <p:cNvSpPr txBox="1"/>
+          <p:nvPr/>
+        </p:nvSpPr>
+        <p:spPr>
+          <a:xfrm>
+            <a:off x="2286000" y="3162300"/>
+            <a:ext cx="1657826" cy="276999"/>
+          </a:xfrm>
+          <a:prstGeom prst="rect">
+            <a:avLst/>
+          </a:prstGeom>
+          <a:noFill/>
+        </p:spPr>
+        <p:txBody>
+          <a:bodyPr wrap="none" rtlCol="0">
+            <a:spAutoFit/>
+          </a:bodyPr>
+          <a:lstStyle/>
+          <a:p>
+            <a:r>
+              <a:rPr lang="en-US" sz="1200" dirty="0" smtClean="0"/>
+              <a:t>Node2: 192.168.99.101</a:t>
+            </a:r>
+            <a:endParaRPr lang="en-US" dirty="0"/>
+          </a:p>
+        </p:txBody>
+      </p:sp>
+      <p:sp>
+        <p:nvSpPr>
+          <p:cNvPr id="7" name="TextBox 6"/>
+          <p:cNvSpPr txBox="1"/>
+          <p:nvPr/>
+        </p:nvSpPr>
+        <p:spPr>
+          <a:xfrm>
+            <a:off x="8262208" y="262235"/>
+            <a:ext cx="653192" cy="461665"/>
+          </a:xfrm>
+          <a:prstGeom prst="rect">
+            <a:avLst/>
+          </a:prstGeom>
+          <a:noFill/>
+        </p:spPr>
+        <p:txBody>
+          <a:bodyPr wrap="none" rtlCol="0">
+            <a:spAutoFit/>
+          </a:bodyPr>
+          <a:lstStyle/>
+          <a:p>
+            <a:r>
+              <a:rPr lang="en-US" sz="1200" dirty="0" err="1" smtClean="0"/>
+              <a:t>Docker</a:t>
+            </a:r>
+            <a:endParaRPr lang="en-US" sz="1200" dirty="0" smtClean="0"/>
+          </a:p>
+          <a:p>
+            <a:r>
+              <a:rPr lang="en-US" sz="1200" dirty="0" err="1" smtClean="0"/>
+              <a:t>kubelet</a:t>
+            </a:r>
+            <a:endParaRPr lang="en-US" sz="1200" dirty="0"/>
+          </a:p>
+        </p:txBody>
+      </p:sp>
+      <p:sp>
+        <p:nvSpPr>
+          <p:cNvPr id="8" name="TextBox 7"/>
+          <p:cNvSpPr txBox="1"/>
+          <p:nvPr/>
+        </p:nvSpPr>
+        <p:spPr>
+          <a:xfrm>
+            <a:off x="8262208" y="3157835"/>
+            <a:ext cx="653192" cy="461665"/>
+          </a:xfrm>
+          <a:prstGeom prst="rect">
+            <a:avLst/>
+          </a:prstGeom>
+          <a:noFill/>
+        </p:spPr>
+        <p:txBody>
+          <a:bodyPr wrap="none" rtlCol="0">
+            <a:spAutoFit/>
+          </a:bodyPr>
+          <a:lstStyle/>
+          <a:p>
+            <a:r>
+              <a:rPr lang="en-US" sz="1200" dirty="0" err="1" smtClean="0"/>
+              <a:t>Docker</a:t>
+            </a:r>
+            <a:endParaRPr lang="en-US" sz="1200" dirty="0" smtClean="0"/>
+          </a:p>
+          <a:p>
+            <a:r>
+              <a:rPr lang="en-US" sz="1200" dirty="0" err="1" smtClean="0"/>
+              <a:t>kubelet</a:t>
+            </a:r>
+            <a:endParaRPr lang="en-US" sz="1200" dirty="0"/>
+          </a:p>
+        </p:txBody>
+      </p:sp>
+      <p:sp>
+        <p:nvSpPr>
+          <p:cNvPr id="9" name="Oval 8"/>
+          <p:cNvSpPr/>
+          <p:nvPr/>
+        </p:nvSpPr>
+        <p:spPr>
+          <a:xfrm>
+            <a:off x="5486400" y="952500"/>
+            <a:ext cx="1219200" cy="457200"/>
+          </a:xfrm>
+          <a:prstGeom prst="ellipse">
+            <a:avLst/>
+          </a:prstGeom>
+        </p:spPr>
+        <p:style>
+          <a:lnRef idx="2">
+            <a:schemeClr val="accent1">
+              <a:shade val="50000"/>
+            </a:schemeClr>
+          </a:lnRef>
+          <a:fillRef idx="1">
+            <a:schemeClr val="accent1"/>
+          </a:fillRef>
+          <a:effectRef idx="0">
+            <a:schemeClr val="accent1"/>
+          </a:effectRef>
+          <a:fontRef idx="minor">
+            <a:schemeClr val="lt1"/>
+          </a:fontRef>
+        </p:style>
+        <p:txBody>
+          <a:bodyPr rtlCol="0" anchor="ctr"/>
+          <a:lstStyle/>
+          <a:p>
+            <a:pPr algn="ctr"/>
+            <a:r>
+              <a:rPr lang="en-US" dirty="0" smtClean="0"/>
+              <a:t>ghost</a:t>
+            </a:r>
+            <a:endParaRPr lang="en-US" dirty="0"/>
+          </a:p>
+        </p:txBody>
+      </p:sp>
+      <p:sp>
+        <p:nvSpPr>
+          <p:cNvPr id="10" name="TextBox 9"/>
+          <p:cNvSpPr txBox="1"/>
+          <p:nvPr/>
+        </p:nvSpPr>
+        <p:spPr>
+          <a:xfrm>
+            <a:off x="5670483" y="1409700"/>
+            <a:ext cx="1313180" cy="523220"/>
+          </a:xfrm>
+          <a:prstGeom prst="rect">
+            <a:avLst/>
+          </a:prstGeom>
+          <a:noFill/>
+        </p:spPr>
+        <p:txBody>
+          <a:bodyPr wrap="none" rtlCol="0">
+            <a:spAutoFit/>
+          </a:bodyPr>
+          <a:lstStyle/>
+          <a:p>
+            <a:r>
+              <a:rPr lang="en-US" sz="1400" dirty="0" smtClean="0"/>
+              <a:t>172.17.0.5</a:t>
+            </a:r>
+          </a:p>
+          <a:p>
+            <a:r>
+              <a:rPr lang="en-US" sz="1400" dirty="0" smtClean="0"/>
+              <a:t>ping 172.18.0.6</a:t>
+            </a:r>
+          </a:p>
+        </p:txBody>
+      </p:sp>
+      <p:sp>
+        <p:nvSpPr>
+          <p:cNvPr id="11" name="Oval 10"/>
+          <p:cNvSpPr/>
+          <p:nvPr/>
+        </p:nvSpPr>
+        <p:spPr>
+          <a:xfrm>
+            <a:off x="5562600" y="3924300"/>
+            <a:ext cx="1219200" cy="457200"/>
+          </a:xfrm>
+          <a:prstGeom prst="ellipse">
+            <a:avLst/>
+          </a:prstGeom>
+        </p:spPr>
+        <p:style>
+          <a:lnRef idx="2">
+            <a:schemeClr val="accent1">
+              <a:shade val="50000"/>
+            </a:schemeClr>
+          </a:lnRef>
+          <a:fillRef idx="1">
+            <a:schemeClr val="accent1"/>
+          </a:fillRef>
+          <a:effectRef idx="0">
+            <a:schemeClr val="accent1"/>
+          </a:effectRef>
+          <a:fontRef idx="minor">
+            <a:schemeClr val="lt1"/>
+          </a:fontRef>
+        </p:style>
+        <p:txBody>
+          <a:bodyPr rtlCol="0" anchor="ctr"/>
+          <a:lstStyle/>
+          <a:p>
+            <a:pPr algn="ctr"/>
+            <a:r>
+              <a:rPr lang="en-US" dirty="0" smtClean="0"/>
+              <a:t>db</a:t>
+            </a:r>
+            <a:endParaRPr lang="en-US" dirty="0"/>
+          </a:p>
+        </p:txBody>
+      </p:sp>
+      <p:sp>
+        <p:nvSpPr>
+          <p:cNvPr id="12" name="TextBox 11"/>
+          <p:cNvSpPr txBox="1"/>
+          <p:nvPr/>
+        </p:nvSpPr>
+        <p:spPr>
+          <a:xfrm>
+            <a:off x="5746683" y="4381500"/>
+            <a:ext cx="958917" cy="307777"/>
+          </a:xfrm>
+          <a:prstGeom prst="rect">
+            <a:avLst/>
+          </a:prstGeom>
+          <a:noFill/>
+        </p:spPr>
+        <p:txBody>
+          <a:bodyPr wrap="none" rtlCol="0">
+            <a:spAutoFit/>
+          </a:bodyPr>
+          <a:lstStyle/>
+          <a:p>
+            <a:r>
+              <a:rPr lang="en-US" sz="1400" dirty="0" smtClean="0"/>
+              <a:t>172.18.0.6</a:t>
+            </a:r>
+            <a:endParaRPr lang="en-US" dirty="0"/>
+          </a:p>
+        </p:txBody>
+      </p:sp>
+      <p:sp>
+        <p:nvSpPr>
+          <p:cNvPr id="13" name="TextBox 12"/>
+          <p:cNvSpPr txBox="1"/>
+          <p:nvPr/>
+        </p:nvSpPr>
+        <p:spPr>
+          <a:xfrm>
+            <a:off x="2286000" y="1866900"/>
+            <a:ext cx="2486322" cy="830997"/>
+          </a:xfrm>
+          <a:prstGeom prst="rect">
+            <a:avLst/>
+          </a:prstGeom>
+          <a:noFill/>
+        </p:spPr>
+        <p:txBody>
+          <a:bodyPr wrap="none" rtlCol="0">
+            <a:spAutoFit/>
+          </a:bodyPr>
+          <a:lstStyle/>
+          <a:p>
+            <a:r>
+              <a:rPr lang="en-US" sz="1200" dirty="0" smtClean="0"/>
+              <a:t>Canal,</a:t>
+            </a:r>
+          </a:p>
+          <a:p>
+            <a:r>
+              <a:rPr lang="en-US" sz="1200" dirty="0" err="1" smtClean="0"/>
+              <a:t>Kube</a:t>
+            </a:r>
+            <a:r>
+              <a:rPr lang="en-US" sz="1200" dirty="0" smtClean="0"/>
+              <a:t>-proxy</a:t>
+            </a:r>
+          </a:p>
+          <a:p>
+            <a:r>
+              <a:rPr lang="en-US" sz="1200" dirty="0" smtClean="0"/>
+              <a:t>172.17.0.0  next hop 192.168.99.100</a:t>
+            </a:r>
+          </a:p>
+          <a:p>
+            <a:r>
+              <a:rPr lang="en-US" sz="1200" dirty="0" smtClean="0"/>
+              <a:t>172.18.0.0  </a:t>
+            </a:r>
+            <a:r>
+              <a:rPr lang="en-US" sz="1200" dirty="0" smtClean="0"/>
+              <a:t>next hop </a:t>
+            </a:r>
+            <a:r>
+              <a:rPr lang="en-US" sz="1200" dirty="0" smtClean="0"/>
+              <a:t>192.168.99.101</a:t>
+            </a:r>
+            <a:endParaRPr lang="en-US" dirty="0"/>
+          </a:p>
+        </p:txBody>
+      </p:sp>
+      <p:sp>
+        <p:nvSpPr>
+          <p:cNvPr id="14" name="TextBox 13"/>
+          <p:cNvSpPr txBox="1"/>
+          <p:nvPr/>
+        </p:nvSpPr>
+        <p:spPr>
+          <a:xfrm>
+            <a:off x="2308746" y="4866501"/>
+            <a:ext cx="512000" cy="276999"/>
+          </a:xfrm>
+          <a:prstGeom prst="rect">
+            <a:avLst/>
+          </a:prstGeom>
+          <a:noFill/>
+        </p:spPr>
+        <p:txBody>
+          <a:bodyPr wrap="none" rtlCol="0">
+            <a:spAutoFit/>
+          </a:bodyPr>
+          <a:lstStyle/>
+          <a:p>
+            <a:r>
+              <a:rPr lang="en-US" sz="1200" dirty="0" smtClean="0"/>
+              <a:t>canal</a:t>
+            </a:r>
+            <a:endParaRPr lang="en-US" dirty="0"/>
+          </a:p>
+        </p:txBody>
+      </p:sp>
+      <p:sp>
+        <p:nvSpPr>
+          <p:cNvPr id="15" name="Cloud 14"/>
+          <p:cNvSpPr/>
+          <p:nvPr/>
+        </p:nvSpPr>
+        <p:spPr>
+          <a:xfrm>
+            <a:off x="914400" y="1638300"/>
+            <a:ext cx="1676400" cy="2667000"/>
+          </a:xfrm>
+          <a:prstGeom prst="cloud">
+            <a:avLst/>
+          </a:prstGeom>
+          <a:noFill/>
+          <a:ln w="3175"/>
+        </p:spPr>
+        <p:style>
+          <a:lnRef idx="2">
+            <a:schemeClr val="accent1">
+              <a:shade val="50000"/>
+            </a:schemeClr>
+          </a:lnRef>
+          <a:fillRef idx="1">
+            <a:schemeClr val="accent1"/>
+          </a:fillRef>
+          <a:effectRef idx="0">
+            <a:schemeClr val="accent1"/>
+          </a:effectRef>
+          <a:fontRef idx="minor">
+            <a:schemeClr val="lt1"/>
+          </a:fontRef>
+        </p:style>
+        <p:txBody>
+          <a:bodyPr rtlCol="0" anchor="ctr"/>
+          <a:lstStyle/>
+          <a:p>
+            <a:pPr algn="ctr"/>
+            <a:endParaRPr lang="en-US"/>
+          </a:p>
+        </p:txBody>
+      </p:sp>
+      <p:sp>
+        <p:nvSpPr>
+          <p:cNvPr id="16" name="TextBox 15"/>
+          <p:cNvSpPr txBox="1"/>
+          <p:nvPr/>
+        </p:nvSpPr>
+        <p:spPr>
+          <a:xfrm>
+            <a:off x="2286000" y="4884003"/>
+            <a:ext cx="2486322" cy="830997"/>
+          </a:xfrm>
+          <a:prstGeom prst="rect">
+            <a:avLst/>
+          </a:prstGeom>
+          <a:noFill/>
+        </p:spPr>
+        <p:txBody>
+          <a:bodyPr wrap="none" rtlCol="0">
+            <a:spAutoFit/>
+          </a:bodyPr>
+          <a:lstStyle/>
+          <a:p>
+            <a:endParaRPr lang="en-US" sz="1200" dirty="0" smtClean="0"/>
+          </a:p>
+          <a:p>
+            <a:r>
+              <a:rPr lang="en-US" sz="1200" dirty="0" err="1" smtClean="0"/>
+              <a:t>Kube</a:t>
+            </a:r>
+            <a:r>
+              <a:rPr lang="en-US" sz="1200" dirty="0" smtClean="0"/>
+              <a:t>-proxy</a:t>
+            </a:r>
+          </a:p>
+          <a:p>
+            <a:r>
+              <a:rPr lang="en-US" sz="1200" dirty="0" smtClean="0"/>
+              <a:t>172.17.0.0  next hop 192.168.99.100</a:t>
+            </a:r>
+          </a:p>
+          <a:p>
+            <a:r>
+              <a:rPr lang="en-US" sz="1200" dirty="0" smtClean="0"/>
+              <a:t>172.18.0.0  </a:t>
+            </a:r>
+            <a:r>
+              <a:rPr lang="en-US" sz="1200" dirty="0" smtClean="0"/>
+              <a:t>next hop </a:t>
+            </a:r>
+            <a:r>
+              <a:rPr lang="en-US" sz="1200" dirty="0" smtClean="0"/>
+              <a:t>192.168.99.101</a:t>
+            </a:r>
+            <a:endParaRPr lang="en-US" dirty="0"/>
+          </a:p>
+        </p:txBody>
+      </p:sp>
+      <p:sp>
+        <p:nvSpPr>
+          <p:cNvPr id="17" name="TextBox 16"/>
+          <p:cNvSpPr txBox="1"/>
+          <p:nvPr/>
+        </p:nvSpPr>
+        <p:spPr>
+          <a:xfrm>
+            <a:off x="0" y="114300"/>
+            <a:ext cx="2395015" cy="646331"/>
+          </a:xfrm>
+          <a:prstGeom prst="rect">
+            <a:avLst/>
+          </a:prstGeom>
+          <a:noFill/>
+        </p:spPr>
+        <p:txBody>
+          <a:bodyPr wrap="none" rtlCol="0">
+            <a:spAutoFit/>
+          </a:bodyPr>
+          <a:lstStyle/>
+          <a:p>
+            <a:r>
+              <a:rPr lang="en-US" dirty="0" smtClean="0"/>
+              <a:t>Pod-pod </a:t>
+            </a:r>
+          </a:p>
+          <a:p>
+            <a:r>
+              <a:rPr lang="en-US" dirty="0" smtClean="0"/>
+              <a:t>communication is given</a:t>
+            </a:r>
+            <a:endParaRPr lang="en-US" dirty="0"/>
+          </a:p>
+        </p:txBody>
+      </p:sp>
+      <p:cxnSp>
+        <p:nvCxnSpPr>
+          <p:cNvPr id="18" name="Straight Arrow Connector 17"/>
+          <p:cNvCxnSpPr>
+            <a:endCxn id="9" idx="2"/>
+          </p:cNvCxnSpPr>
+          <p:nvPr/>
+        </p:nvCxnSpPr>
+        <p:spPr>
+          <a:xfrm flipH="1" flipV="1">
+            <a:off x="5486400" y="1181100"/>
+            <a:ext cx="152400" cy="457200"/>
+          </a:xfrm>
+          <a:prstGeom prst="straightConnector1">
+            <a:avLst/>
+          </a:prstGeom>
+          <a:ln>
+            <a:tailEnd type="arrow"/>
+          </a:ln>
+        </p:spPr>
+        <p:style>
+          <a:lnRef idx="1">
+            <a:schemeClr val="accent1"/>
+          </a:lnRef>
+          <a:fillRef idx="0">
+            <a:schemeClr val="accent1"/>
+          </a:fillRef>
+          <a:effectRef idx="0">
+            <a:schemeClr val="accent1"/>
+          </a:effectRef>
+          <a:fontRef idx="minor">
+            <a:schemeClr val="tx1"/>
+          </a:fontRef>
+        </p:style>
+      </p:cxnSp>
+      <p:cxnSp>
+        <p:nvCxnSpPr>
+          <p:cNvPr id="19" name="Straight Arrow Connector 18"/>
+          <p:cNvCxnSpPr>
+            <a:endCxn id="5" idx="2"/>
+          </p:cNvCxnSpPr>
+          <p:nvPr/>
+        </p:nvCxnSpPr>
+        <p:spPr>
+          <a:xfrm flipH="1" flipV="1">
+            <a:off x="3114913" y="543699"/>
+            <a:ext cx="2295287" cy="713601"/>
+          </a:xfrm>
+          <a:prstGeom prst="straightConnector1">
+            <a:avLst/>
+          </a:prstGeom>
+          <a:ln>
+            <a:tailEnd type="arrow"/>
+          </a:ln>
+        </p:spPr>
+        <p:style>
+          <a:lnRef idx="1">
+            <a:schemeClr val="accent1"/>
+          </a:lnRef>
+          <a:fillRef idx="0">
+            <a:schemeClr val="accent1"/>
+          </a:fillRef>
+          <a:effectRef idx="0">
+            <a:schemeClr val="accent1"/>
+          </a:effectRef>
+          <a:fontRef idx="minor">
+            <a:schemeClr val="tx1"/>
+          </a:fontRef>
+        </p:style>
+      </p:cxnSp>
+      <p:cxnSp>
+        <p:nvCxnSpPr>
+          <p:cNvPr id="20" name="Straight Arrow Connector 19"/>
+          <p:cNvCxnSpPr>
+            <a:stCxn id="5" idx="2"/>
+          </p:cNvCxnSpPr>
+          <p:nvPr/>
+        </p:nvCxnSpPr>
+        <p:spPr>
+          <a:xfrm>
+            <a:off x="3114913" y="543699"/>
+            <a:ext cx="542687" cy="1551801"/>
+          </a:xfrm>
+          <a:prstGeom prst="straightConnector1">
+            <a:avLst/>
+          </a:prstGeom>
+          <a:ln>
+            <a:tailEnd type="arrow"/>
+          </a:ln>
+        </p:spPr>
+        <p:style>
+          <a:lnRef idx="1">
+            <a:schemeClr val="accent1"/>
+          </a:lnRef>
+          <a:fillRef idx="0">
+            <a:schemeClr val="accent1"/>
+          </a:fillRef>
+          <a:effectRef idx="0">
+            <a:schemeClr val="accent1"/>
+          </a:effectRef>
+          <a:fontRef idx="minor">
+            <a:schemeClr val="tx1"/>
+          </a:fontRef>
+        </p:style>
+      </p:cxnSp>
+      <p:cxnSp>
+        <p:nvCxnSpPr>
+          <p:cNvPr id="21" name="Straight Arrow Connector 20"/>
+          <p:cNvCxnSpPr>
+            <a:endCxn id="6" idx="0"/>
+          </p:cNvCxnSpPr>
+          <p:nvPr/>
+        </p:nvCxnSpPr>
+        <p:spPr>
+          <a:xfrm flipH="1">
+            <a:off x="3114913" y="2400300"/>
+            <a:ext cx="771287" cy="762000"/>
+          </a:xfrm>
+          <a:prstGeom prst="straightConnector1">
+            <a:avLst/>
+          </a:prstGeom>
+          <a:ln>
+            <a:tailEnd type="arrow"/>
+          </a:ln>
+        </p:spPr>
+        <p:style>
+          <a:lnRef idx="1">
+            <a:schemeClr val="accent1"/>
+          </a:lnRef>
+          <a:fillRef idx="0">
+            <a:schemeClr val="accent1"/>
+          </a:fillRef>
+          <a:effectRef idx="0">
+            <a:schemeClr val="accent1"/>
+          </a:effectRef>
+          <a:fontRef idx="minor">
+            <a:schemeClr val="tx1"/>
+          </a:fontRef>
+        </p:style>
+      </p:cxnSp>
+      <p:cxnSp>
+        <p:nvCxnSpPr>
+          <p:cNvPr id="22" name="Straight Arrow Connector 21"/>
+          <p:cNvCxnSpPr>
+            <a:stCxn id="6" idx="2"/>
+            <a:endCxn id="11" idx="2"/>
+          </p:cNvCxnSpPr>
+          <p:nvPr/>
+        </p:nvCxnSpPr>
+        <p:spPr>
+          <a:xfrm>
+            <a:off x="3114913" y="3439299"/>
+            <a:ext cx="2447687" cy="713601"/>
+          </a:xfrm>
+          <a:prstGeom prst="straightConnector1">
+            <a:avLst/>
+          </a:prstGeom>
+          <a:ln>
+            <a:tailEnd type="arrow"/>
+          </a:ln>
+        </p:spPr>
+        <p:style>
+          <a:lnRef idx="1">
+            <a:schemeClr val="accent1"/>
+          </a:lnRef>
+          <a:fillRef idx="0">
+            <a:schemeClr val="accent1"/>
+          </a:fillRef>
+          <a:effectRef idx="0">
+            <a:schemeClr val="accent1"/>
+          </a:effectRef>
+          <a:fontRef idx="minor">
+            <a:schemeClr val="tx1"/>
+          </a:fontRef>
+        </p:style>
+      </p:cxnSp>
+      <p:sp>
+        <p:nvSpPr>
+          <p:cNvPr id="23" name="TextBox 22"/>
+          <p:cNvSpPr txBox="1"/>
+          <p:nvPr/>
+        </p:nvSpPr>
+        <p:spPr>
+          <a:xfrm>
+            <a:off x="1447800" y="2781300"/>
+            <a:ext cx="4403450" cy="276999"/>
+          </a:xfrm>
+          <a:prstGeom prst="rect">
+            <a:avLst/>
+          </a:prstGeom>
+          <a:noFill/>
+        </p:spPr>
+        <p:txBody>
+          <a:bodyPr wrap="none" rtlCol="0">
+            <a:spAutoFit/>
+          </a:bodyPr>
+          <a:lstStyle/>
+          <a:p>
+            <a:r>
+              <a:rPr lang="en-US" sz="1200" dirty="0" smtClean="0"/>
+              <a:t>Calico(AWS), flannel(OCI), cloud-weave(GC), overlay(</a:t>
+            </a:r>
+            <a:r>
+              <a:rPr lang="en-US" sz="1200" dirty="0" err="1" smtClean="0"/>
+              <a:t>docker</a:t>
+            </a:r>
+            <a:r>
+              <a:rPr lang="en-US" sz="1200" dirty="0" smtClean="0"/>
+              <a:t>-swarm)</a:t>
+            </a:r>
+            <a:endParaRPr lang="en-US" sz="1200" dirty="0"/>
           </a:p>
         </p:txBody>
       </p:sp>
